--- a/document/Final.pptx
+++ b/document/Final.pptx
@@ -8,13 +8,15 @@
     <p:sldId id="257" r:id="rId2"/>
     <p:sldId id="274" r:id="rId3"/>
     <p:sldId id="275" r:id="rId4"/>
-    <p:sldId id="276" r:id="rId5"/>
-    <p:sldId id="273" r:id="rId6"/>
-    <p:sldId id="277" r:id="rId7"/>
-    <p:sldId id="278" r:id="rId8"/>
-    <p:sldId id="279" r:id="rId9"/>
-    <p:sldId id="281" r:id="rId10"/>
-    <p:sldId id="282" r:id="rId11"/>
+    <p:sldId id="283" r:id="rId5"/>
+    <p:sldId id="284" r:id="rId6"/>
+    <p:sldId id="276" r:id="rId7"/>
+    <p:sldId id="273" r:id="rId8"/>
+    <p:sldId id="277" r:id="rId9"/>
+    <p:sldId id="278" r:id="rId10"/>
+    <p:sldId id="279" r:id="rId11"/>
+    <p:sldId id="281" r:id="rId12"/>
+    <p:sldId id="282" r:id="rId13"/>
   </p:sldIdLst>
   <p:sldSz cx="12192000" cy="6858000"/>
   <p:notesSz cx="6858000" cy="9144000"/>
@@ -113,6 +115,11 @@
       </a:defRPr>
     </a:lvl9pPr>
   </p:defaultTextStyle>
+  <p:extLst>
+    <p:ext uri="{EFAFB233-063F-42B5-8137-9DF3F51BA10A}">
+      <p15:sldGuideLst xmlns:p15="http://schemas.microsoft.com/office/powerpoint/2012/main"/>
+    </p:ext>
+  </p:extLst>
 </p:presentation>
 </file>
 
@@ -304,7 +311,7 @@
           <a:p>
             <a:fld id="{A112272E-704C-4300-89E2-8B5BC6379786}" type="datetimeFigureOut">
               <a:rPr lang="zh-TW" altLang="en-US" smtClean="0"/>
-              <a:t>2017/6/17</a:t>
+              <a:t>2017/6/19</a:t>
             </a:fld>
             <a:endParaRPr lang="zh-TW" altLang="en-US"/>
           </a:p>
@@ -642,7 +649,7 @@
           <a:p>
             <a:fld id="{A112272E-704C-4300-89E2-8B5BC6379786}" type="datetimeFigureOut">
               <a:rPr lang="zh-TW" altLang="en-US" smtClean="0"/>
-              <a:t>2017/6/17</a:t>
+              <a:t>2017/6/19</a:t>
             </a:fld>
             <a:endParaRPr lang="zh-TW" altLang="en-US"/>
           </a:p>
@@ -1043,7 +1050,7 @@
           <a:p>
             <a:fld id="{A112272E-704C-4300-89E2-8B5BC6379786}" type="datetimeFigureOut">
               <a:rPr lang="zh-TW" altLang="en-US" smtClean="0"/>
-              <a:t>2017/6/17</a:t>
+              <a:t>2017/6/19</a:t>
             </a:fld>
             <a:endParaRPr lang="zh-TW" altLang="en-US"/>
           </a:p>
@@ -1379,7 +1386,7 @@
           <a:p>
             <a:fld id="{A112272E-704C-4300-89E2-8B5BC6379786}" type="datetimeFigureOut">
               <a:rPr lang="zh-TW" altLang="en-US" smtClean="0"/>
-              <a:t>2017/6/17</a:t>
+              <a:t>2017/6/19</a:t>
             </a:fld>
             <a:endParaRPr lang="zh-TW" altLang="en-US"/>
           </a:p>
@@ -1699,7 +1706,7 @@
           <a:p>
             <a:fld id="{A112272E-704C-4300-89E2-8B5BC6379786}" type="datetimeFigureOut">
               <a:rPr lang="zh-TW" altLang="en-US" smtClean="0"/>
-              <a:t>2017/6/17</a:t>
+              <a:t>2017/6/19</a:t>
             </a:fld>
             <a:endParaRPr lang="zh-TW" altLang="en-US"/>
           </a:p>
@@ -2095,7 +2102,7 @@
           <a:p>
             <a:fld id="{A112272E-704C-4300-89E2-8B5BC6379786}" type="datetimeFigureOut">
               <a:rPr lang="zh-TW" altLang="en-US" smtClean="0"/>
-              <a:t>2017/6/17</a:t>
+              <a:t>2017/6/19</a:t>
             </a:fld>
             <a:endParaRPr lang="zh-TW" altLang="en-US"/>
           </a:p>
@@ -2352,7 +2359,7 @@
           <a:p>
             <a:fld id="{A112272E-704C-4300-89E2-8B5BC6379786}" type="datetimeFigureOut">
               <a:rPr lang="zh-TW" altLang="en-US" smtClean="0"/>
-              <a:t>2017/6/17</a:t>
+              <a:t>2017/6/19</a:t>
             </a:fld>
             <a:endParaRPr lang="zh-TW" altLang="en-US"/>
           </a:p>
@@ -2614,7 +2621,7 @@
           <a:p>
             <a:fld id="{A112272E-704C-4300-89E2-8B5BC6379786}" type="datetimeFigureOut">
               <a:rPr lang="zh-TW" altLang="en-US" smtClean="0"/>
-              <a:t>2017/6/17</a:t>
+              <a:t>2017/6/19</a:t>
             </a:fld>
             <a:endParaRPr lang="zh-TW" altLang="en-US"/>
           </a:p>
@@ -2876,7 +2883,7 @@
           <a:p>
             <a:fld id="{A112272E-704C-4300-89E2-8B5BC6379786}" type="datetimeFigureOut">
               <a:rPr lang="zh-TW" altLang="en-US" smtClean="0"/>
-              <a:t>2017/6/17</a:t>
+              <a:t>2017/6/19</a:t>
             </a:fld>
             <a:endParaRPr lang="zh-TW" altLang="en-US"/>
           </a:p>
@@ -3205,7 +3212,7 @@
           <a:p>
             <a:fld id="{A112272E-704C-4300-89E2-8B5BC6379786}" type="datetimeFigureOut">
               <a:rPr lang="zh-TW" altLang="en-US" smtClean="0"/>
-              <a:t>2017/6/17</a:t>
+              <a:t>2017/6/19</a:t>
             </a:fld>
             <a:endParaRPr lang="zh-TW" altLang="en-US"/>
           </a:p>
@@ -3528,7 +3535,7 @@
           <a:p>
             <a:fld id="{A112272E-704C-4300-89E2-8B5BC6379786}" type="datetimeFigureOut">
               <a:rPr lang="zh-TW" altLang="en-US" smtClean="0"/>
-              <a:t>2017/6/17</a:t>
+              <a:t>2017/6/19</a:t>
             </a:fld>
             <a:endParaRPr lang="zh-TW" altLang="en-US"/>
           </a:p>
@@ -3985,7 +3992,7 @@
           <a:p>
             <a:fld id="{A112272E-704C-4300-89E2-8B5BC6379786}" type="datetimeFigureOut">
               <a:rPr lang="zh-TW" altLang="en-US" smtClean="0"/>
-              <a:t>2017/6/17</a:t>
+              <a:t>2017/6/19</a:t>
             </a:fld>
             <a:endParaRPr lang="zh-TW" altLang="en-US"/>
           </a:p>
@@ -4190,7 +4197,7 @@
           <a:p>
             <a:fld id="{A112272E-704C-4300-89E2-8B5BC6379786}" type="datetimeFigureOut">
               <a:rPr lang="zh-TW" altLang="en-US" smtClean="0"/>
-              <a:t>2017/6/17</a:t>
+              <a:t>2017/6/19</a:t>
             </a:fld>
             <a:endParaRPr lang="zh-TW" altLang="en-US"/>
           </a:p>
@@ -4367,7 +4374,7 @@
           <a:p>
             <a:fld id="{A112272E-704C-4300-89E2-8B5BC6379786}" type="datetimeFigureOut">
               <a:rPr lang="zh-TW" altLang="en-US" smtClean="0"/>
-              <a:t>2017/6/17</a:t>
+              <a:t>2017/6/19</a:t>
             </a:fld>
             <a:endParaRPr lang="zh-TW" altLang="en-US"/>
           </a:p>
@@ -4700,7 +4707,7 @@
           <a:p>
             <a:fld id="{A112272E-704C-4300-89E2-8B5BC6379786}" type="datetimeFigureOut">
               <a:rPr lang="zh-TW" altLang="en-US" smtClean="0"/>
-              <a:t>2017/6/17</a:t>
+              <a:t>2017/6/19</a:t>
             </a:fld>
             <a:endParaRPr lang="zh-TW" altLang="en-US"/>
           </a:p>
@@ -5045,7 +5052,7 @@
           <a:p>
             <a:fld id="{A112272E-704C-4300-89E2-8B5BC6379786}" type="datetimeFigureOut">
               <a:rPr lang="zh-TW" altLang="en-US" smtClean="0"/>
-              <a:t>2017/6/17</a:t>
+              <a:t>2017/6/19</a:t>
             </a:fld>
             <a:endParaRPr lang="zh-TW" altLang="en-US"/>
           </a:p>
@@ -7162,7 +7169,7 @@
           <a:p>
             <a:fld id="{A112272E-704C-4300-89E2-8B5BC6379786}" type="datetimeFigureOut">
               <a:rPr lang="zh-TW" altLang="en-US" smtClean="0"/>
-              <a:t>2017/6/17</a:t>
+              <a:t>2017/6/19</a:t>
             </a:fld>
             <a:endParaRPr lang="zh-TW" altLang="en-US"/>
           </a:p>
@@ -7785,6 +7792,36 @@
           </a:p>
         </p:txBody>
       </p:sp>
+      <p:pic>
+        <p:nvPicPr>
+          <p:cNvPr id="4" name="內容版面配置區 3"/>
+          <p:cNvPicPr>
+            <a:picLocks noChangeAspect="1"/>
+          </p:cNvPicPr>
+          <p:nvPr/>
+        </p:nvPicPr>
+        <p:blipFill>
+          <a:blip r:embed="rId2">
+            <a:extLst>
+              <a:ext uri="{28A0092B-C50C-407E-A947-70E740481C1C}">
+                <a14:useLocalDpi xmlns:a14="http://schemas.microsoft.com/office/drawing/2010/main" val="0"/>
+              </a:ext>
+            </a:extLst>
+          </a:blip>
+          <a:stretch>
+            <a:fillRect/>
+          </a:stretch>
+        </p:blipFill>
+        <p:spPr>
+          <a:xfrm>
+            <a:off x="8088775" y="3164373"/>
+            <a:ext cx="2579225" cy="2579225"/>
+          </a:xfrm>
+          <a:prstGeom prst="rect">
+            <a:avLst/>
+          </a:prstGeom>
+        </p:spPr>
+      </p:pic>
     </p:spTree>
     <p:extLst>
       <p:ext uri="{BB962C8B-B14F-4D97-AF65-F5344CB8AC3E}">
@@ -7838,6 +7875,172 @@
           <a:lstStyle/>
           <a:p>
             <a:r>
+              <a:rPr lang="en-US" altLang="zh-TW" dirty="0" smtClean="0"/>
+              <a:t>Test results</a:t>
+            </a:r>
+            <a:endParaRPr lang="zh-TW" altLang="en-US" dirty="0"/>
+          </a:p>
+        </p:txBody>
+      </p:sp>
+      <p:sp>
+        <p:nvSpPr>
+          <p:cNvPr id="3" name="內容版面配置區 2"/>
+          <p:cNvSpPr>
+            <a:spLocks noGrp="1"/>
+          </p:cNvSpPr>
+          <p:nvPr>
+            <p:ph idx="1"/>
+          </p:nvPr>
+        </p:nvSpPr>
+        <p:spPr/>
+        <p:txBody>
+          <a:bodyPr/>
+          <a:lstStyle/>
+          <a:p>
+            <a:endParaRPr lang="zh-TW" altLang="en-US"/>
+          </a:p>
+        </p:txBody>
+      </p:sp>
+    </p:spTree>
+    <p:extLst>
+      <p:ext uri="{BB962C8B-B14F-4D97-AF65-F5344CB8AC3E}">
+        <p14:creationId xmlns:p14="http://schemas.microsoft.com/office/powerpoint/2010/main" val="2492890543"/>
+      </p:ext>
+    </p:extLst>
+  </p:cSld>
+  <p:clrMapOvr>
+    <a:masterClrMapping/>
+  </p:clrMapOvr>
+  <p:timing>
+    <p:tnLst>
+      <p:par>
+        <p:cTn id="1" dur="indefinite" restart="never" nodeType="tmRoot"/>
+      </p:par>
+    </p:tnLst>
+  </p:timing>
+</p:sld>
+</file>
+
+<file path=ppt/slides/slide11.xml><?xml version="1.0" encoding="utf-8"?>
+<p:sld xmlns:a="http://schemas.openxmlformats.org/drawingml/2006/main" xmlns:r="http://schemas.openxmlformats.org/officeDocument/2006/relationships" xmlns:p="http://schemas.openxmlformats.org/presentationml/2006/main">
+  <p:cSld>
+    <p:spTree>
+      <p:nvGrpSpPr>
+        <p:cNvPr id="1" name=""/>
+        <p:cNvGrpSpPr/>
+        <p:nvPr/>
+      </p:nvGrpSpPr>
+      <p:grpSpPr>
+        <a:xfrm>
+          <a:off x="0" y="0"/>
+          <a:ext cx="0" cy="0"/>
+          <a:chOff x="0" y="0"/>
+          <a:chExt cx="0" cy="0"/>
+        </a:xfrm>
+      </p:grpSpPr>
+      <p:sp>
+        <p:nvSpPr>
+          <p:cNvPr id="2" name="標題 1"/>
+          <p:cNvSpPr>
+            <a:spLocks noGrp="1"/>
+          </p:cNvSpPr>
+          <p:nvPr>
+            <p:ph type="title"/>
+          </p:nvPr>
+        </p:nvSpPr>
+        <p:spPr/>
+        <p:txBody>
+          <a:bodyPr/>
+          <a:lstStyle/>
+          <a:p>
+            <a:r>
+              <a:rPr lang="en-US" altLang="zh-TW" dirty="0"/>
+              <a:t>Pass/Fail recommendation of the </a:t>
+            </a:r>
+            <a:r>
+              <a:rPr lang="en-US" altLang="zh-TW" u="sng" dirty="0"/>
+              <a:t>items under test</a:t>
+            </a:r>
+            <a:r>
+              <a:rPr lang="en-US" altLang="zh-TW" dirty="0"/>
+              <a:t> based on your own criteria</a:t>
+            </a:r>
+            <a:endParaRPr lang="zh-TW" altLang="en-US" dirty="0"/>
+          </a:p>
+        </p:txBody>
+      </p:sp>
+      <p:sp>
+        <p:nvSpPr>
+          <p:cNvPr id="3" name="內容版面配置區 2"/>
+          <p:cNvSpPr>
+            <a:spLocks noGrp="1"/>
+          </p:cNvSpPr>
+          <p:nvPr>
+            <p:ph idx="1"/>
+          </p:nvPr>
+        </p:nvSpPr>
+        <p:spPr/>
+        <p:txBody>
+          <a:bodyPr/>
+          <a:lstStyle/>
+          <a:p>
+            <a:endParaRPr lang="zh-TW" altLang="en-US"/>
+          </a:p>
+        </p:txBody>
+      </p:sp>
+    </p:spTree>
+    <p:extLst>
+      <p:ext uri="{BB962C8B-B14F-4D97-AF65-F5344CB8AC3E}">
+        <p14:creationId xmlns:p14="http://schemas.microsoft.com/office/powerpoint/2010/main" val="548397985"/>
+      </p:ext>
+    </p:extLst>
+  </p:cSld>
+  <p:clrMapOvr>
+    <a:masterClrMapping/>
+  </p:clrMapOvr>
+  <p:timing>
+    <p:tnLst>
+      <p:par>
+        <p:cTn id="1" dur="indefinite" restart="never" nodeType="tmRoot"/>
+      </p:par>
+    </p:tnLst>
+  </p:timing>
+</p:sld>
+</file>
+
+<file path=ppt/slides/slide12.xml><?xml version="1.0" encoding="utf-8"?>
+<p:sld xmlns:a="http://schemas.openxmlformats.org/drawingml/2006/main" xmlns:r="http://schemas.openxmlformats.org/officeDocument/2006/relationships" xmlns:p="http://schemas.openxmlformats.org/presentationml/2006/main">
+  <p:cSld>
+    <p:spTree>
+      <p:nvGrpSpPr>
+        <p:cNvPr id="1" name=""/>
+        <p:cNvGrpSpPr/>
+        <p:nvPr/>
+      </p:nvGrpSpPr>
+      <p:grpSpPr>
+        <a:xfrm>
+          <a:off x="0" y="0"/>
+          <a:ext cx="0" cy="0"/>
+          <a:chOff x="0" y="0"/>
+          <a:chExt cx="0" cy="0"/>
+        </a:xfrm>
+      </p:grpSpPr>
+      <p:sp>
+        <p:nvSpPr>
+          <p:cNvPr id="2" name="標題 1"/>
+          <p:cNvSpPr>
+            <a:spLocks noGrp="1"/>
+          </p:cNvSpPr>
+          <p:nvPr>
+            <p:ph type="title"/>
+          </p:nvPr>
+        </p:nvSpPr>
+        <p:spPr/>
+        <p:txBody>
+          <a:bodyPr/>
+          <a:lstStyle/>
+          <a:p>
+            <a:r>
               <a:rPr lang="en-US" altLang="zh-TW" dirty="0"/>
               <a:t>Team member contributions and/or </a:t>
             </a:r>
@@ -7859,7 +8062,7 @@
             <p:ph idx="1"/>
             <p:extLst>
               <p:ext uri="{D42A27DB-BD31-4B8C-83A1-F6EECF244321}">
-                <p14:modId xmlns:p14="http://schemas.microsoft.com/office/powerpoint/2010/main" val="2568234024"/>
+                <p14:modId xmlns:p14="http://schemas.microsoft.com/office/powerpoint/2010/main" val="203539635"/>
               </p:ext>
             </p:extLst>
           </p:nvPr>
@@ -7878,21 +8081,21 @@
                 <a:gridCol w="2971800">
                   <a:extLst>
                     <a:ext uri="{9D8B030D-6E8A-4147-A177-3AD203B41FA5}">
-                      <a16:colId xmlns:a16="http://schemas.microsoft.com/office/drawing/2014/main" val="3240625493"/>
+                      <a16:colId xmlns="" xmlns:a16="http://schemas.microsoft.com/office/drawing/2014/main" val="3240625493"/>
                     </a:ext>
                   </a:extLst>
                 </a:gridCol>
                 <a:gridCol w="2971800">
                   <a:extLst>
                     <a:ext uri="{9D8B030D-6E8A-4147-A177-3AD203B41FA5}">
-                      <a16:colId xmlns:a16="http://schemas.microsoft.com/office/drawing/2014/main" val="3357027883"/>
+                      <a16:colId xmlns="" xmlns:a16="http://schemas.microsoft.com/office/drawing/2014/main" val="3357027883"/>
                     </a:ext>
                   </a:extLst>
                 </a:gridCol>
                 <a:gridCol w="2971800">
                   <a:extLst>
                     <a:ext uri="{9D8B030D-6E8A-4147-A177-3AD203B41FA5}">
-                      <a16:colId xmlns:a16="http://schemas.microsoft.com/office/drawing/2014/main" val="534445414"/>
+                      <a16:colId xmlns="" xmlns:a16="http://schemas.microsoft.com/office/drawing/2014/main" val="534445414"/>
                     </a:ext>
                   </a:extLst>
                 </a:gridCol>
@@ -7966,7 +8169,7 @@
                 </a:tc>
                 <a:extLst>
                   <a:ext uri="{0D108BD9-81ED-4DB2-BD59-A6C34878D82A}">
-                    <a16:rowId xmlns:a16="http://schemas.microsoft.com/office/drawing/2014/main" val="2576637211"/>
+                    <a16:rowId xmlns="" xmlns:a16="http://schemas.microsoft.com/office/drawing/2014/main" val="2576637211"/>
                   </a:ext>
                 </a:extLst>
               </a:tr>
@@ -8079,7 +8282,7 @@
                 </a:tc>
                 <a:extLst>
                   <a:ext uri="{0D108BD9-81ED-4DB2-BD59-A6C34878D82A}">
-                    <a16:rowId xmlns:a16="http://schemas.microsoft.com/office/drawing/2014/main" val="1347732259"/>
+                    <a16:rowId xmlns="" xmlns:a16="http://schemas.microsoft.com/office/drawing/2014/main" val="1347732259"/>
                   </a:ext>
                 </a:extLst>
               </a:tr>
@@ -8192,7 +8395,7 @@
                 </a:tc>
                 <a:extLst>
                   <a:ext uri="{0D108BD9-81ED-4DB2-BD59-A6C34878D82A}">
-                    <a16:rowId xmlns:a16="http://schemas.microsoft.com/office/drawing/2014/main" val="156724185"/>
+                    <a16:rowId xmlns="" xmlns:a16="http://schemas.microsoft.com/office/drawing/2014/main" val="156724185"/>
                   </a:ext>
                 </a:extLst>
               </a:tr>
@@ -8305,7 +8508,7 @@
                 </a:tc>
                 <a:extLst>
                   <a:ext uri="{0D108BD9-81ED-4DB2-BD59-A6C34878D82A}">
-                    <a16:rowId xmlns:a16="http://schemas.microsoft.com/office/drawing/2014/main" val="2720529649"/>
+                    <a16:rowId xmlns="" xmlns:a16="http://schemas.microsoft.com/office/drawing/2014/main" val="2720529649"/>
                   </a:ext>
                 </a:extLst>
               </a:tr>
@@ -8409,11 +8612,7 @@
                     <a:p>
                       <a:r>
                         <a:rPr lang="en-US" altLang="zh-TW" dirty="0" smtClean="0"/>
-                        <a:t>2</a:t>
-                      </a:r>
-                      <a:r>
-                        <a:rPr lang="en-US" altLang="zh-TW" dirty="0" smtClean="0"/>
-                        <a:t>HR</a:t>
+                        <a:t>2HR</a:t>
                       </a:r>
                       <a:endParaRPr lang="zh-TW" altLang="en-US" dirty="0"/>
                     </a:p>
@@ -8422,7 +8621,7 @@
                 </a:tc>
                 <a:extLst>
                   <a:ext uri="{0D108BD9-81ED-4DB2-BD59-A6C34878D82A}">
-                    <a16:rowId xmlns:a16="http://schemas.microsoft.com/office/drawing/2014/main" val="3934511420"/>
+                    <a16:rowId xmlns="" xmlns:a16="http://schemas.microsoft.com/office/drawing/2014/main" val="3934511420"/>
                   </a:ext>
                 </a:extLst>
               </a:tr>
@@ -8526,11 +8725,7 @@
                     <a:p>
                       <a:r>
                         <a:rPr lang="en-US" altLang="zh-TW" dirty="0" smtClean="0"/>
-                        <a:t>7</a:t>
-                      </a:r>
-                      <a:r>
-                        <a:rPr lang="en-US" altLang="zh-TW" dirty="0" smtClean="0"/>
-                        <a:t>HR</a:t>
+                        <a:t>7HR</a:t>
                       </a:r>
                       <a:endParaRPr lang="zh-TW" altLang="en-US" dirty="0"/>
                     </a:p>
@@ -8539,7 +8734,7 @@
                 </a:tc>
                 <a:extLst>
                   <a:ext uri="{0D108BD9-81ED-4DB2-BD59-A6C34878D82A}">
-                    <a16:rowId xmlns:a16="http://schemas.microsoft.com/office/drawing/2014/main" val="1513613273"/>
+                    <a16:rowId xmlns="" xmlns:a16="http://schemas.microsoft.com/office/drawing/2014/main" val="1513613273"/>
                   </a:ext>
                 </a:extLst>
               </a:tr>
@@ -8643,11 +8838,7 @@
                     <a:p>
                       <a:r>
                         <a:rPr lang="en-US" altLang="zh-TW" dirty="0" smtClean="0"/>
-                        <a:t>5</a:t>
-                      </a:r>
-                      <a:r>
-                        <a:rPr lang="en-US" altLang="zh-TW" dirty="0" smtClean="0"/>
-                        <a:t>HR</a:t>
+                        <a:t>5HR</a:t>
                       </a:r>
                       <a:endParaRPr lang="zh-TW" altLang="en-US" dirty="0"/>
                     </a:p>
@@ -8656,7 +8847,7 @@
                 </a:tc>
                 <a:extLst>
                   <a:ext uri="{0D108BD9-81ED-4DB2-BD59-A6C34878D82A}">
-                    <a16:rowId xmlns:a16="http://schemas.microsoft.com/office/drawing/2014/main" val="2298647015"/>
+                    <a16:rowId xmlns="" xmlns:a16="http://schemas.microsoft.com/office/drawing/2014/main" val="2298647015"/>
                   </a:ext>
                 </a:extLst>
               </a:tr>
@@ -8760,11 +8951,7 @@
                     <a:p>
                       <a:r>
                         <a:rPr lang="en-US" altLang="zh-TW" dirty="0" smtClean="0"/>
-                        <a:t>7</a:t>
-                      </a:r>
-                      <a:r>
-                        <a:rPr lang="en-US" altLang="zh-TW" dirty="0" smtClean="0"/>
-                        <a:t>HR</a:t>
+                        <a:t>7HR</a:t>
                       </a:r>
                       <a:endParaRPr lang="zh-TW" altLang="en-US" dirty="0"/>
                     </a:p>
@@ -8773,7 +8960,7 @@
                 </a:tc>
                 <a:extLst>
                   <a:ext uri="{0D108BD9-81ED-4DB2-BD59-A6C34878D82A}">
-                    <a16:rowId xmlns:a16="http://schemas.microsoft.com/office/drawing/2014/main" val="397875540"/>
+                    <a16:rowId xmlns="" xmlns:a16="http://schemas.microsoft.com/office/drawing/2014/main" val="397875540"/>
                   </a:ext>
                 </a:extLst>
               </a:tr>
@@ -8877,11 +9064,7 @@
                     <a:p>
                       <a:r>
                         <a:rPr lang="en-US" altLang="zh-TW" dirty="0" smtClean="0"/>
-                        <a:t>2</a:t>
-                      </a:r>
-                      <a:r>
-                        <a:rPr lang="en-US" altLang="zh-TW" dirty="0" smtClean="0"/>
-                        <a:t>HR</a:t>
+                        <a:t>2HR</a:t>
                       </a:r>
                       <a:endParaRPr lang="zh-TW" altLang="en-US" dirty="0"/>
                     </a:p>
@@ -8890,7 +9073,7 @@
                 </a:tc>
                 <a:extLst>
                   <a:ext uri="{0D108BD9-81ED-4DB2-BD59-A6C34878D82A}">
-                    <a16:rowId xmlns:a16="http://schemas.microsoft.com/office/drawing/2014/main" val="814172181"/>
+                    <a16:rowId xmlns="" xmlns:a16="http://schemas.microsoft.com/office/drawing/2014/main" val="814172181"/>
                   </a:ext>
                 </a:extLst>
               </a:tr>
@@ -8994,11 +9177,7 @@
                     <a:p>
                       <a:r>
                         <a:rPr lang="en-US" altLang="zh-TW" dirty="0" smtClean="0"/>
-                        <a:t>3</a:t>
-                      </a:r>
-                      <a:r>
-                        <a:rPr lang="en-US" altLang="zh-TW" dirty="0" smtClean="0"/>
-                        <a:t>HR</a:t>
+                        <a:t>3HR</a:t>
                       </a:r>
                       <a:endParaRPr lang="zh-TW" altLang="en-US" dirty="0"/>
                     </a:p>
@@ -9007,7 +9186,7 @@
                 </a:tc>
                 <a:extLst>
                   <a:ext uri="{0D108BD9-81ED-4DB2-BD59-A6C34878D82A}">
-                    <a16:rowId xmlns:a16="http://schemas.microsoft.com/office/drawing/2014/main" val="4107466637"/>
+                    <a16:rowId xmlns="" xmlns:a16="http://schemas.microsoft.com/office/drawing/2014/main" val="4107466637"/>
                   </a:ext>
                 </a:extLst>
               </a:tr>
@@ -9111,11 +9290,7 @@
                     <a:p>
                       <a:r>
                         <a:rPr lang="en-US" altLang="zh-TW" dirty="0" smtClean="0"/>
-                        <a:t>7</a:t>
-                      </a:r>
-                      <a:r>
-                        <a:rPr lang="en-US" altLang="zh-TW" dirty="0" smtClean="0"/>
-                        <a:t>HR</a:t>
+                        <a:t>7HR</a:t>
                       </a:r>
                       <a:endParaRPr lang="zh-TW" altLang="en-US" dirty="0"/>
                     </a:p>
@@ -9124,7 +9299,7 @@
                 </a:tc>
                 <a:extLst>
                   <a:ext uri="{0D108BD9-81ED-4DB2-BD59-A6C34878D82A}">
-                    <a16:rowId xmlns:a16="http://schemas.microsoft.com/office/drawing/2014/main" val="3451173611"/>
+                    <a16:rowId xmlns="" xmlns:a16="http://schemas.microsoft.com/office/drawing/2014/main" val="3451173611"/>
                   </a:ext>
                 </a:extLst>
               </a:tr>
@@ -9226,14 +9401,18 @@
                     <a:bodyPr/>
                     <a:lstStyle/>
                     <a:p>
-                      <a:endParaRPr lang="zh-TW" altLang="en-US"/>
+                      <a:r>
+                        <a:rPr lang="en-US" altLang="zh-TW" dirty="0" smtClean="0"/>
+                        <a:t>4HR</a:t>
+                      </a:r>
+                      <a:endParaRPr lang="zh-TW" altLang="en-US" dirty="0"/>
                     </a:p>
                   </a:txBody>
                   <a:tcPr/>
                 </a:tc>
                 <a:extLst>
                   <a:ext uri="{0D108BD9-81ED-4DB2-BD59-A6C34878D82A}">
-                    <a16:rowId xmlns:a16="http://schemas.microsoft.com/office/drawing/2014/main" val="283843702"/>
+                    <a16:rowId xmlns="" xmlns:a16="http://schemas.microsoft.com/office/drawing/2014/main" val="283843702"/>
                   </a:ext>
                 </a:extLst>
               </a:tr>
@@ -9243,7 +9422,67 @@
                     <a:bodyPr/>
                     <a:lstStyle/>
                     <a:p>
-                      <a:endParaRPr lang="zh-TW" altLang="en-US"/>
+                      <a:r>
+                        <a:rPr lang="zh-TW" altLang="zh-TW" sz="1800" kern="1200" dirty="0" smtClean="0">
+                          <a:solidFill>
+                            <a:schemeClr val="dk1"/>
+                          </a:solidFill>
+                          <a:effectLst/>
+                          <a:latin typeface="+mn-lt"/>
+                          <a:ea typeface="+mn-ea"/>
+                          <a:cs typeface="+mn-cs"/>
+                        </a:rPr>
+                        <a:t>劉彥麟</a:t>
+                      </a:r>
+                      <a:r>
+                        <a:rPr lang="en-US" altLang="zh-TW" sz="1800" kern="1200" dirty="0" smtClean="0">
+                          <a:solidFill>
+                            <a:schemeClr val="dk1"/>
+                          </a:solidFill>
+                          <a:effectLst/>
+                          <a:latin typeface="+mn-lt"/>
+                          <a:ea typeface="+mn-ea"/>
+                          <a:cs typeface="+mn-cs"/>
+                        </a:rPr>
+                        <a:t>,</a:t>
+                      </a:r>
+                      <a:r>
+                        <a:rPr lang="zh-TW" altLang="zh-TW" sz="1800" kern="1200" dirty="0" smtClean="0">
+                          <a:solidFill>
+                            <a:schemeClr val="dk1"/>
+                          </a:solidFill>
+                          <a:effectLst/>
+                          <a:latin typeface="+mn-lt"/>
+                          <a:ea typeface="+mn-ea"/>
+                          <a:cs typeface="+mn-cs"/>
+                        </a:rPr>
+                        <a:t>陳政皓</a:t>
+                      </a:r>
+                      <a:r>
+                        <a:rPr lang="en-US" altLang="zh-TW" sz="1800" kern="1200" dirty="0" smtClean="0">
+                          <a:solidFill>
+                            <a:schemeClr val="dk1"/>
+                          </a:solidFill>
+                          <a:effectLst/>
+                          <a:latin typeface="+mn-lt"/>
+                          <a:ea typeface="+mn-ea"/>
+                          <a:cs typeface="+mn-cs"/>
+                        </a:rPr>
+                        <a:t>,</a:t>
+                      </a:r>
+                      <a:r>
+                        <a:rPr lang="zh-TW" altLang="zh-TW" sz="1800" kern="1200" dirty="0" smtClean="0">
+                          <a:solidFill>
+                            <a:schemeClr val="dk1"/>
+                          </a:solidFill>
+                          <a:effectLst/>
+                          <a:latin typeface="+mn-lt"/>
+                          <a:ea typeface="+mn-ea"/>
+                          <a:cs typeface="+mn-cs"/>
+                        </a:rPr>
+                        <a:t>呂昭陞</a:t>
+                      </a:r>
+                      <a:endParaRPr lang="zh-TW" altLang="en-US" dirty="0"/>
                     </a:p>
                   </a:txBody>
                   <a:tcPr/>
@@ -9253,7 +9492,19 @@
                     <a:bodyPr/>
                     <a:lstStyle/>
                     <a:p>
-                      <a:endParaRPr lang="zh-TW" altLang="en-US"/>
+                      <a:r>
+                        <a:rPr lang="en-US" altLang="zh-TW" sz="1800" kern="1200" dirty="0" smtClean="0">
+                          <a:solidFill>
+                            <a:schemeClr val="dk1"/>
+                          </a:solidFill>
+                          <a:effectLst/>
+                          <a:latin typeface="+mn-lt"/>
+                          <a:ea typeface="+mn-ea"/>
+                          <a:cs typeface="+mn-cs"/>
+                        </a:rPr>
+                        <a:t>6/19</a:t>
+                      </a:r>
+                      <a:endParaRPr lang="zh-TW" altLang="en-US" dirty="0"/>
                     </a:p>
                   </a:txBody>
                   <a:tcPr/>
@@ -9263,14 +9514,22 @@
                     <a:bodyPr/>
                     <a:lstStyle/>
                     <a:p>
-                      <a:endParaRPr lang="zh-TW" altLang="en-US"/>
+                      <a:r>
+                        <a:rPr lang="en-US" altLang="zh-TW" dirty="0" smtClean="0"/>
+                        <a:t>1</a:t>
+                      </a:r>
+                      <a:r>
+                        <a:rPr lang="en-US" altLang="zh-TW" smtClean="0"/>
+                        <a:t>HR</a:t>
+                      </a:r>
+                      <a:endParaRPr lang="zh-TW" altLang="en-US" dirty="0"/>
                     </a:p>
                   </a:txBody>
                   <a:tcPr/>
                 </a:tc>
                 <a:extLst>
                   <a:ext uri="{0D108BD9-81ED-4DB2-BD59-A6C34878D82A}">
-                    <a16:rowId xmlns:a16="http://schemas.microsoft.com/office/drawing/2014/main" val="1026196477"/>
+                    <a16:rowId xmlns="" xmlns:a16="http://schemas.microsoft.com/office/drawing/2014/main" val="1026196477"/>
                   </a:ext>
                 </a:extLst>
               </a:tr>
@@ -9307,7 +9566,7 @@
                 </a:tc>
                 <a:extLst>
                   <a:ext uri="{0D108BD9-81ED-4DB2-BD59-A6C34878D82A}">
-                    <a16:rowId xmlns:a16="http://schemas.microsoft.com/office/drawing/2014/main" val="984264468"/>
+                    <a16:rowId xmlns="" xmlns:a16="http://schemas.microsoft.com/office/drawing/2014/main" val="984264468"/>
                   </a:ext>
                 </a:extLst>
               </a:tr>
@@ -9566,6 +9825,13 @@
   <p:clrMapOvr>
     <a:masterClrMapping/>
   </p:clrMapOvr>
+  <p:timing>
+    <p:tnLst>
+      <p:par>
+        <p:cTn id="1" dur="indefinite" restart="never" nodeType="tmRoot"/>
+      </p:par>
+    </p:tnLst>
+  </p:timing>
 </p:sld>
 </file>
 
@@ -9635,32 +9901,91 @@
             <p:ph idx="1"/>
           </p:nvPr>
         </p:nvSpPr>
-        <p:spPr/>
+        <p:spPr>
+          <a:xfrm>
+            <a:off x="2136366" y="2281646"/>
+            <a:ext cx="8915400" cy="3777622"/>
+          </a:xfrm>
+        </p:spPr>
         <p:txBody>
           <a:bodyPr/>
           <a:lstStyle/>
           <a:p>
             <a:r>
-              <a:rPr lang="zh-TW" altLang="en-US" dirty="0" smtClean="0"/>
-              <a:t>我們想要測試在正常或非正常的使用者操作下，系統是否能正常執行或拋出錯誤訊息，因此採用 </a:t>
-            </a:r>
-            <a:r>
-              <a:rPr lang="en-US" altLang="zh-TW" dirty="0" smtClean="0"/>
+              <a:rPr lang="zh-TW" altLang="en-US" sz="2800" dirty="0" smtClean="0"/>
+              <a:t>我們採用 </a:t>
+            </a:r>
+            <a:r>
+              <a:rPr lang="en-US" altLang="zh-TW" sz="2800" dirty="0" smtClean="0"/>
               <a:t>Use</a:t>
             </a:r>
             <a:r>
-              <a:rPr lang="zh-TW" altLang="en-US" dirty="0" smtClean="0"/>
+              <a:rPr lang="zh-TW" altLang="en-US" sz="2800" dirty="0" smtClean="0"/>
               <a:t> </a:t>
             </a:r>
             <a:r>
-              <a:rPr lang="en-US" altLang="zh-TW" dirty="0" smtClean="0"/>
+              <a:rPr lang="en-US" altLang="zh-TW" sz="2800" dirty="0" smtClean="0"/>
               <a:t>Case</a:t>
             </a:r>
             <a:r>
-              <a:rPr lang="zh-TW" altLang="en-US" dirty="0" smtClean="0"/>
-              <a:t>來產生測試腳本。</a:t>
-            </a:r>
-            <a:endParaRPr lang="en-US" altLang="zh-TW" dirty="0" smtClean="0"/>
+              <a:rPr lang="zh-TW" altLang="en-US" sz="2800" dirty="0" smtClean="0"/>
+              <a:t>的方法來產生測試腳本</a:t>
+            </a:r>
+            <a:endParaRPr lang="en-US" altLang="zh-TW" sz="2800" dirty="0" smtClean="0"/>
+          </a:p>
+          <a:p>
+            <a:r>
+              <a:rPr lang="zh-TW" altLang="en-US" sz="2800" dirty="0" smtClean="0"/>
+              <a:t>因為用</a:t>
+            </a:r>
+            <a:r>
+              <a:rPr lang="en-US" altLang="zh-TW" sz="2800" dirty="0"/>
+              <a:t>Use</a:t>
+            </a:r>
+            <a:r>
+              <a:rPr lang="zh-TW" altLang="en-US" sz="2800" dirty="0"/>
+              <a:t> </a:t>
+            </a:r>
+            <a:r>
+              <a:rPr lang="en-US" altLang="zh-TW" sz="2800" dirty="0"/>
+              <a:t>Case</a:t>
+            </a:r>
+            <a:r>
+              <a:rPr lang="zh-TW" altLang="en-US" sz="2800" dirty="0"/>
+              <a:t>的</a:t>
+            </a:r>
+            <a:r>
+              <a:rPr lang="zh-TW" altLang="en-US" sz="2800" dirty="0" smtClean="0"/>
+              <a:t>方法最能表達使用者實際操作系統，因此用這方法產生的</a:t>
+            </a:r>
+            <a:r>
+              <a:rPr lang="en-US" altLang="zh-TW" sz="2800" dirty="0" smtClean="0"/>
+              <a:t>Test</a:t>
+            </a:r>
+            <a:r>
+              <a:rPr lang="zh-TW" altLang="en-US" sz="2800" dirty="0" smtClean="0"/>
+              <a:t> </a:t>
+            </a:r>
+            <a:r>
+              <a:rPr lang="en-US" altLang="zh-TW" sz="2800" dirty="0" smtClean="0"/>
+              <a:t>Case</a:t>
+            </a:r>
+            <a:r>
+              <a:rPr lang="zh-TW" altLang="en-US" sz="2800" dirty="0" smtClean="0"/>
+              <a:t>會比較符合本系統需要做的驗</a:t>
+            </a:r>
+            <a:r>
+              <a:rPr lang="zh-TW" altLang="en-US" sz="2800" dirty="0"/>
+              <a:t>收</a:t>
+            </a:r>
+            <a:r>
+              <a:rPr lang="zh-TW" altLang="en-US" sz="2800" dirty="0" smtClean="0"/>
+              <a:t>測試</a:t>
+            </a:r>
+            <a:r>
+              <a:rPr lang="en-US" altLang="zh-TW" sz="2800" dirty="0" smtClean="0"/>
+              <a:t>(Acceptance Test)</a:t>
+            </a:r>
           </a:p>
           <a:p>
             <a:pPr marL="0" indent="0">
@@ -9724,6 +10049,424 @@
           <a:p>
             <a:r>
               <a:rPr lang="en-US" altLang="zh-TW" dirty="0" smtClean="0"/>
+              <a:t>Test Method</a:t>
+            </a:r>
+            <a:r>
+              <a:rPr lang="zh-TW" altLang="en-US" dirty="0" smtClean="0"/>
+              <a:t> </a:t>
+            </a:r>
+            <a:r>
+              <a:rPr lang="en-US" altLang="zh-TW" dirty="0" smtClean="0"/>
+              <a:t>–</a:t>
+            </a:r>
+            <a:r>
+              <a:rPr lang="zh-TW" altLang="en-US" dirty="0" smtClean="0"/>
+              <a:t> </a:t>
+            </a:r>
+            <a:r>
+              <a:rPr lang="en-US" altLang="zh-TW" dirty="0" smtClean="0"/>
+              <a:t>Use Case</a:t>
+            </a:r>
+            <a:endParaRPr lang="zh-TW" altLang="en-US" dirty="0"/>
+          </a:p>
+        </p:txBody>
+      </p:sp>
+      <p:pic>
+        <p:nvPicPr>
+          <p:cNvPr id="5" name="圖片 4"/>
+          <p:cNvPicPr>
+            <a:picLocks noChangeAspect="1"/>
+          </p:cNvPicPr>
+          <p:nvPr/>
+        </p:nvPicPr>
+        <p:blipFill>
+          <a:blip r:embed="rId2"/>
+          <a:stretch>
+            <a:fillRect/>
+          </a:stretch>
+        </p:blipFill>
+        <p:spPr>
+          <a:xfrm>
+            <a:off x="1473244" y="2118223"/>
+            <a:ext cx="9820275" cy="2238375"/>
+          </a:xfrm>
+          <a:prstGeom prst="rect">
+            <a:avLst/>
+          </a:prstGeom>
+        </p:spPr>
+      </p:pic>
+    </p:spTree>
+    <p:extLst>
+      <p:ext uri="{BB962C8B-B14F-4D97-AF65-F5344CB8AC3E}">
+        <p14:creationId xmlns:p14="http://schemas.microsoft.com/office/powerpoint/2010/main" val="493825912"/>
+      </p:ext>
+    </p:extLst>
+  </p:cSld>
+  <p:clrMapOvr>
+    <a:masterClrMapping/>
+  </p:clrMapOvr>
+  <p:timing>
+    <p:tnLst>
+      <p:par>
+        <p:cTn id="1" dur="indefinite" restart="never" nodeType="tmRoot"/>
+      </p:par>
+    </p:tnLst>
+  </p:timing>
+</p:sld>
+</file>
+
+<file path=ppt/slides/slide5.xml><?xml version="1.0" encoding="utf-8"?>
+<p:sld xmlns:a="http://schemas.openxmlformats.org/drawingml/2006/main" xmlns:r="http://schemas.openxmlformats.org/officeDocument/2006/relationships" xmlns:p="http://schemas.openxmlformats.org/presentationml/2006/main">
+  <p:cSld>
+    <p:spTree>
+      <p:nvGrpSpPr>
+        <p:cNvPr id="1" name=""/>
+        <p:cNvGrpSpPr/>
+        <p:nvPr/>
+      </p:nvGrpSpPr>
+      <p:grpSpPr>
+        <a:xfrm>
+          <a:off x="0" y="0"/>
+          <a:ext cx="0" cy="0"/>
+          <a:chOff x="0" y="0"/>
+          <a:chExt cx="0" cy="0"/>
+        </a:xfrm>
+      </p:grpSpPr>
+      <p:sp>
+        <p:nvSpPr>
+          <p:cNvPr id="4" name="標題 1"/>
+          <p:cNvSpPr>
+            <a:spLocks noGrp="1"/>
+          </p:cNvSpPr>
+          <p:nvPr>
+            <p:ph type="title"/>
+          </p:nvPr>
+        </p:nvSpPr>
+        <p:spPr>
+          <a:xfrm>
+            <a:off x="2592925" y="624110"/>
+            <a:ext cx="8911687" cy="1280890"/>
+          </a:xfrm>
+        </p:spPr>
+        <p:txBody>
+          <a:bodyPr/>
+          <a:lstStyle/>
+          <a:p>
+            <a:r>
+              <a:rPr lang="en-US" altLang="zh-TW" dirty="0" smtClean="0"/>
+              <a:t>Test Method</a:t>
+            </a:r>
+            <a:r>
+              <a:rPr lang="zh-TW" altLang="en-US" dirty="0" smtClean="0"/>
+              <a:t> </a:t>
+            </a:r>
+            <a:r>
+              <a:rPr lang="en-US" altLang="zh-TW" dirty="0" smtClean="0"/>
+              <a:t>–</a:t>
+            </a:r>
+            <a:r>
+              <a:rPr lang="zh-TW" altLang="en-US" dirty="0" smtClean="0"/>
+              <a:t> </a:t>
+            </a:r>
+            <a:r>
+              <a:rPr lang="en-US" altLang="zh-TW" dirty="0" smtClean="0"/>
+              <a:t>Use Case</a:t>
+            </a:r>
+            <a:endParaRPr lang="zh-TW" altLang="en-US" dirty="0"/>
+          </a:p>
+        </p:txBody>
+      </p:sp>
+      <p:pic>
+        <p:nvPicPr>
+          <p:cNvPr id="5" name="圖片 4"/>
+          <p:cNvPicPr>
+            <a:picLocks noChangeAspect="1"/>
+          </p:cNvPicPr>
+          <p:nvPr/>
+        </p:nvPicPr>
+        <p:blipFill>
+          <a:blip r:embed="rId2"/>
+          <a:stretch>
+            <a:fillRect/>
+          </a:stretch>
+        </p:blipFill>
+        <p:spPr>
+          <a:xfrm>
+            <a:off x="1828800" y="1645918"/>
+            <a:ext cx="8386382" cy="4511042"/>
+          </a:xfrm>
+          <a:prstGeom prst="rect">
+            <a:avLst/>
+          </a:prstGeom>
+        </p:spPr>
+      </p:pic>
+      <p:sp>
+        <p:nvSpPr>
+          <p:cNvPr id="12" name="向右箭號 11"/>
+          <p:cNvSpPr/>
+          <p:nvPr/>
+        </p:nvSpPr>
+        <p:spPr>
+          <a:xfrm>
+            <a:off x="6113417" y="4171406"/>
+            <a:ext cx="2220686" cy="531223"/>
+          </a:xfrm>
+          <a:prstGeom prst="rightArrow">
+            <a:avLst/>
+          </a:prstGeom>
+        </p:spPr>
+        <p:style>
+          <a:lnRef idx="2">
+            <a:schemeClr val="accent1">
+              <a:shade val="50000"/>
+            </a:schemeClr>
+          </a:lnRef>
+          <a:fillRef idx="1">
+            <a:schemeClr val="accent1"/>
+          </a:fillRef>
+          <a:effectRef idx="0">
+            <a:schemeClr val="accent1"/>
+          </a:effectRef>
+          <a:fontRef idx="minor">
+            <a:schemeClr val="lt1"/>
+          </a:fontRef>
+        </p:style>
+        <p:txBody>
+          <a:bodyPr rtlCol="0" anchor="ctr"/>
+          <a:lstStyle/>
+          <a:p>
+            <a:pPr algn="ctr"/>
+            <a:r>
+              <a:rPr lang="en-US" altLang="zh-TW" dirty="0" err="1" smtClean="0"/>
+              <a:t>TestCase</a:t>
+            </a:r>
+            <a:r>
+              <a:rPr lang="en-US" altLang="zh-TW" dirty="0" smtClean="0"/>
+              <a:t> 1</a:t>
+            </a:r>
+            <a:endParaRPr lang="zh-TW" altLang="en-US" dirty="0"/>
+          </a:p>
+        </p:txBody>
+      </p:sp>
+      <p:sp>
+        <p:nvSpPr>
+          <p:cNvPr id="14" name="向右箭號 13"/>
+          <p:cNvSpPr/>
+          <p:nvPr/>
+        </p:nvSpPr>
+        <p:spPr>
+          <a:xfrm>
+            <a:off x="6113417" y="5534298"/>
+            <a:ext cx="2220686" cy="531223"/>
+          </a:xfrm>
+          <a:prstGeom prst="rightArrow">
+            <a:avLst/>
+          </a:prstGeom>
+        </p:spPr>
+        <p:style>
+          <a:lnRef idx="2">
+            <a:schemeClr val="accent1">
+              <a:shade val="50000"/>
+            </a:schemeClr>
+          </a:lnRef>
+          <a:fillRef idx="1">
+            <a:schemeClr val="accent1"/>
+          </a:fillRef>
+          <a:effectRef idx="0">
+            <a:schemeClr val="accent1"/>
+          </a:effectRef>
+          <a:fontRef idx="minor">
+            <a:schemeClr val="lt1"/>
+          </a:fontRef>
+        </p:style>
+        <p:txBody>
+          <a:bodyPr rtlCol="0" anchor="ctr"/>
+          <a:lstStyle/>
+          <a:p>
+            <a:pPr algn="ctr"/>
+            <a:r>
+              <a:rPr lang="en-US" altLang="zh-TW" dirty="0" err="1" smtClean="0"/>
+              <a:t>TestCase</a:t>
+            </a:r>
+            <a:r>
+              <a:rPr lang="en-US" altLang="zh-TW" dirty="0" smtClean="0"/>
+              <a:t> 2</a:t>
+            </a:r>
+            <a:endParaRPr lang="zh-TW" altLang="en-US" dirty="0"/>
+          </a:p>
+        </p:txBody>
+      </p:sp>
+    </p:spTree>
+    <p:extLst>
+      <p:ext uri="{BB962C8B-B14F-4D97-AF65-F5344CB8AC3E}">
+        <p14:creationId xmlns:p14="http://schemas.microsoft.com/office/powerpoint/2010/main" val="3619358270"/>
+      </p:ext>
+    </p:extLst>
+  </p:cSld>
+  <p:clrMapOvr>
+    <a:masterClrMapping/>
+  </p:clrMapOvr>
+  <p:timing>
+    <p:tnLst>
+      <p:par>
+        <p:cTn id="1" dur="indefinite" restart="never" nodeType="tmRoot">
+          <p:childTnLst>
+            <p:seq concurrent="1" nextAc="seek">
+              <p:cTn id="2" dur="indefinite" nodeType="mainSeq">
+                <p:childTnLst>
+                  <p:par>
+                    <p:cTn id="3" fill="hold">
+                      <p:stCondLst>
+                        <p:cond delay="indefinite"/>
+                      </p:stCondLst>
+                      <p:childTnLst>
+                        <p:par>
+                          <p:cTn id="4" fill="hold">
+                            <p:stCondLst>
+                              <p:cond delay="0"/>
+                            </p:stCondLst>
+                            <p:childTnLst>
+                              <p:par>
+                                <p:cTn id="5" presetID="1" presetClass="entr" presetSubtype="0" fill="hold" grpId="0" nodeType="clickEffect">
+                                  <p:stCondLst>
+                                    <p:cond delay="0"/>
+                                  </p:stCondLst>
+                                  <p:childTnLst>
+                                    <p:set>
+                                      <p:cBhvr>
+                                        <p:cTn id="6" dur="1" fill="hold">
+                                          <p:stCondLst>
+                                            <p:cond delay="0"/>
+                                          </p:stCondLst>
+                                        </p:cTn>
+                                        <p:tgtEl>
+                                          <p:spTgt spid="12"/>
+                                        </p:tgtEl>
+                                        <p:attrNameLst>
+                                          <p:attrName>style.visibility</p:attrName>
+                                        </p:attrNameLst>
+                                      </p:cBhvr>
+                                      <p:to>
+                                        <p:strVal val="visible"/>
+                                      </p:to>
+                                    </p:set>
+                                  </p:childTnLst>
+                                </p:cTn>
+                              </p:par>
+                            </p:childTnLst>
+                          </p:cTn>
+                        </p:par>
+                      </p:childTnLst>
+                    </p:cTn>
+                  </p:par>
+                  <p:par>
+                    <p:cTn id="7" fill="hold">
+                      <p:stCondLst>
+                        <p:cond delay="indefinite"/>
+                      </p:stCondLst>
+                      <p:childTnLst>
+                        <p:par>
+                          <p:cTn id="8" fill="hold">
+                            <p:stCondLst>
+                              <p:cond delay="0"/>
+                            </p:stCondLst>
+                            <p:childTnLst>
+                              <p:par>
+                                <p:cTn id="9" presetID="1" presetClass="entr" presetSubtype="0" fill="hold" grpId="0" nodeType="clickEffect">
+                                  <p:stCondLst>
+                                    <p:cond delay="0"/>
+                                  </p:stCondLst>
+                                  <p:childTnLst>
+                                    <p:set>
+                                      <p:cBhvr>
+                                        <p:cTn id="10" dur="1" fill="hold">
+                                          <p:stCondLst>
+                                            <p:cond delay="0"/>
+                                          </p:stCondLst>
+                                        </p:cTn>
+                                        <p:tgtEl>
+                                          <p:spTgt spid="14"/>
+                                        </p:tgtEl>
+                                        <p:attrNameLst>
+                                          <p:attrName>style.visibility</p:attrName>
+                                        </p:attrNameLst>
+                                      </p:cBhvr>
+                                      <p:to>
+                                        <p:strVal val="visible"/>
+                                      </p:to>
+                                    </p:set>
+                                  </p:childTnLst>
+                                </p:cTn>
+                              </p:par>
+                            </p:childTnLst>
+                          </p:cTn>
+                        </p:par>
+                      </p:childTnLst>
+                    </p:cTn>
+                  </p:par>
+                </p:childTnLst>
+              </p:cTn>
+              <p:prevCondLst>
+                <p:cond evt="onPrev" delay="0">
+                  <p:tgtEl>
+                    <p:sldTgt/>
+                  </p:tgtEl>
+                </p:cond>
+              </p:prevCondLst>
+              <p:nextCondLst>
+                <p:cond evt="onNext" delay="0">
+                  <p:tgtEl>
+                    <p:sldTgt/>
+                  </p:tgtEl>
+                </p:cond>
+              </p:nextCondLst>
+            </p:seq>
+          </p:childTnLst>
+        </p:cTn>
+      </p:par>
+    </p:tnLst>
+    <p:bldLst>
+      <p:bldP spid="12" grpId="0" animBg="1"/>
+      <p:bldP spid="14" grpId="0" animBg="1"/>
+    </p:bldLst>
+  </p:timing>
+</p:sld>
+</file>
+
+<file path=ppt/slides/slide6.xml><?xml version="1.0" encoding="utf-8"?>
+<p:sld xmlns:a="http://schemas.openxmlformats.org/drawingml/2006/main" xmlns:r="http://schemas.openxmlformats.org/officeDocument/2006/relationships" xmlns:p="http://schemas.openxmlformats.org/presentationml/2006/main">
+  <p:cSld>
+    <p:spTree>
+      <p:nvGrpSpPr>
+        <p:cNvPr id="1" name=""/>
+        <p:cNvGrpSpPr/>
+        <p:nvPr/>
+      </p:nvGrpSpPr>
+      <p:grpSpPr>
+        <a:xfrm>
+          <a:off x="0" y="0"/>
+          <a:ext cx="0" cy="0"/>
+          <a:chOff x="0" y="0"/>
+          <a:chExt cx="0" cy="0"/>
+        </a:xfrm>
+      </p:grpSpPr>
+      <p:sp>
+        <p:nvSpPr>
+          <p:cNvPr id="2" name="標題 1"/>
+          <p:cNvSpPr>
+            <a:spLocks noGrp="1"/>
+          </p:cNvSpPr>
+          <p:nvPr>
+            <p:ph type="title"/>
+          </p:nvPr>
+        </p:nvSpPr>
+        <p:spPr/>
+        <p:txBody>
+          <a:bodyPr/>
+          <a:lstStyle/>
+          <a:p>
+            <a:r>
+              <a:rPr lang="en-US" altLang="zh-TW" dirty="0" smtClean="0"/>
               <a:t>Feature to be tested and test cases</a:t>
             </a:r>
             <a:endParaRPr lang="zh-TW" altLang="en-US" dirty="0"/>
@@ -9740,14 +10483,14 @@
             <p:ph idx="1"/>
             <p:extLst>
               <p:ext uri="{D42A27DB-BD31-4B8C-83A1-F6EECF244321}">
-                <p14:modId xmlns:p14="http://schemas.microsoft.com/office/powerpoint/2010/main" val="647741744"/>
+                <p14:modId xmlns:p14="http://schemas.microsoft.com/office/powerpoint/2010/main" val="1245702955"/>
               </p:ext>
             </p:extLst>
           </p:nvPr>
         </p:nvGraphicFramePr>
         <p:xfrm>
-          <a:off x="3131126" y="149629"/>
-          <a:ext cx="7195849" cy="6583680"/>
+          <a:off x="6063449" y="1284643"/>
+          <a:ext cx="5959245" cy="4297680"/>
         </p:xfrm>
         <a:graphic>
           <a:graphicData uri="http://schemas.openxmlformats.org/drawingml/2006/table">
@@ -9756,22 +10499,22 @@
                 <a:tableStyleId>{5C22544A-7EE6-4342-B048-85BDC9FD1C3A}</a:tableStyleId>
               </a:tblPr>
               <a:tblGrid>
-                <a:gridCol w="2398616">
+                <a:gridCol w="1986415">
                   <a:extLst>
                     <a:ext uri="{9D8B030D-6E8A-4147-A177-3AD203B41FA5}">
-                      <a16:colId xmlns:a16="http://schemas.microsoft.com/office/drawing/2014/main" val="336114895"/>
+                      <a16:colId xmlns="" xmlns:a16="http://schemas.microsoft.com/office/drawing/2014/main" val="336114895"/>
                     </a:ext>
                   </a:extLst>
                 </a:gridCol>
-                <a:gridCol w="4797233">
+                <a:gridCol w="3972830">
                   <a:extLst>
                     <a:ext uri="{9D8B030D-6E8A-4147-A177-3AD203B41FA5}">
-                      <a16:colId xmlns:a16="http://schemas.microsoft.com/office/drawing/2014/main" val="2287306844"/>
+                      <a16:colId xmlns="" xmlns:a16="http://schemas.microsoft.com/office/drawing/2014/main" val="2287306844"/>
                     </a:ext>
                   </a:extLst>
                 </a:gridCol>
               </a:tblGrid>
-              <a:tr h="332509">
+              <a:tr h="287676">
                 <a:tc>
                   <a:txBody>
                     <a:bodyPr/>
@@ -9802,11 +10545,11 @@
                 </a:tc>
                 <a:extLst>
                   <a:ext uri="{0D108BD9-81ED-4DB2-BD59-A6C34878D82A}">
-                    <a16:rowId xmlns:a16="http://schemas.microsoft.com/office/drawing/2014/main" val="2660652712"/>
+                    <a16:rowId xmlns="" xmlns:a16="http://schemas.microsoft.com/office/drawing/2014/main" val="2660652712"/>
                   </a:ext>
                 </a:extLst>
               </a:tr>
-              <a:tr h="332509">
+              <a:tr h="2445246">
                 <a:tc>
                   <a:txBody>
                     <a:bodyPr/>
@@ -9822,7 +10565,7 @@
                           <a:ea typeface="+mn-ea"/>
                           <a:cs typeface="+mn-cs"/>
                         </a:rPr>
-                        <a:t>Password protection</a:t>
+                        <a:t>CRUD for notes</a:t>
                       </a:r>
                       <a:endParaRPr lang="zh-TW" altLang="en-US" dirty="0"/>
                     </a:p>
@@ -9834,6 +10577,22 @@
                     <a:bodyPr/>
                     <a:lstStyle/>
                     <a:p>
+                      <a:pPr marL="285750" indent="-285750">
+                        <a:buFont typeface="Arial" panose="020B0604020202020204" pitchFamily="34" charset="0"/>
+                        <a:buChar char="•"/>
+                      </a:pPr>
+                      <a:r>
+                        <a:rPr lang="zh-TW" altLang="zh-TW" sz="1800" kern="1200" dirty="0" smtClean="0">
+                          <a:solidFill>
+                            <a:schemeClr val="dk1"/>
+                          </a:solidFill>
+                          <a:effectLst/>
+                          <a:latin typeface="+mn-lt"/>
+                          <a:ea typeface="+mn-ea"/>
+                          <a:cs typeface="+mn-cs"/>
+                        </a:rPr>
+                        <a:t>建立新的</a:t>
+                      </a:r>
                       <a:r>
                         <a:rPr lang="en-US" altLang="zh-TW" sz="1800" kern="1200" dirty="0" smtClean="0">
                           <a:solidFill>
@@ -9844,19 +10603,25 @@
                           <a:ea typeface="+mn-ea"/>
                           <a:cs typeface="+mn-cs"/>
                         </a:rPr>
-                        <a:t>Invalid password(TC-05)</a:t>
-                      </a:r>
-                      <a:r>
-                        <a:rPr lang="zh-TW" altLang="en-US" sz="1800" kern="1200" dirty="0" smtClean="0">
-                          <a:solidFill>
-                            <a:schemeClr val="dk1"/>
-                          </a:solidFill>
-                          <a:effectLst/>
-                          <a:latin typeface="+mn-lt"/>
-                          <a:ea typeface="+mn-ea"/>
-                          <a:cs typeface="+mn-cs"/>
-                        </a:rPr>
-                        <a:t>、</a:t>
+                        <a:t>plain text(TC-06)</a:t>
+                      </a:r>
+                    </a:p>
+                    <a:p>
+                      <a:pPr marL="285750" indent="-285750">
+                        <a:buFont typeface="Arial" panose="020B0604020202020204" pitchFamily="34" charset="0"/>
+                        <a:buChar char="•"/>
+                      </a:pPr>
+                      <a:r>
+                        <a:rPr lang="en-US" altLang="zh-TW" sz="1800" kern="1200" dirty="0" smtClean="0">
+                          <a:solidFill>
+                            <a:schemeClr val="dk1"/>
+                          </a:solidFill>
+                          <a:effectLst/>
+                          <a:latin typeface="+mn-lt"/>
+                          <a:ea typeface="+mn-ea"/>
+                          <a:cs typeface="+mn-cs"/>
+                        </a:rPr>
+                        <a:t>Note</a:t>
                       </a:r>
                       <a:r>
                         <a:rPr lang="zh-TW" altLang="zh-TW" sz="1800" kern="1200" dirty="0" smtClean="0">
@@ -9868,7 +10633,7 @@
                           <a:ea typeface="+mn-ea"/>
                           <a:cs typeface="+mn-cs"/>
                         </a:rPr>
-                        <a:t>更換密碼</a:t>
+                        <a:t>內容輸入空白是否可儲存</a:t>
                       </a:r>
                       <a:r>
                         <a:rPr lang="en-US" altLang="zh-TW" sz="1800" kern="1200" dirty="0" smtClean="0">
@@ -9880,7 +10645,373 @@
                           <a:ea typeface="+mn-ea"/>
                           <a:cs typeface="+mn-cs"/>
                         </a:rPr>
-                        <a:t>(TC-22)</a:t>
+                        <a:t>(TC-07)</a:t>
+                      </a:r>
+                    </a:p>
+                    <a:p>
+                      <a:pPr marL="285750" indent="-285750">
+                        <a:buFont typeface="Arial" panose="020B0604020202020204" pitchFamily="34" charset="0"/>
+                        <a:buChar char="•"/>
+                      </a:pPr>
+                      <a:r>
+                        <a:rPr lang="zh-TW" altLang="zh-TW" sz="1800" kern="1200" dirty="0" smtClean="0">
+                          <a:solidFill>
+                            <a:schemeClr val="dk1"/>
+                          </a:solidFill>
+                          <a:effectLst/>
+                          <a:latin typeface="+mn-lt"/>
+                          <a:ea typeface="+mn-ea"/>
+                          <a:cs typeface="+mn-cs"/>
+                        </a:rPr>
+                        <a:t>編輯</a:t>
+                      </a:r>
+                      <a:r>
+                        <a:rPr lang="en-US" altLang="zh-TW" sz="1800" kern="1200" dirty="0" smtClean="0">
+                          <a:solidFill>
+                            <a:schemeClr val="dk1"/>
+                          </a:solidFill>
+                          <a:effectLst/>
+                          <a:latin typeface="+mn-lt"/>
+                          <a:ea typeface="+mn-ea"/>
+                          <a:cs typeface="+mn-cs"/>
+                        </a:rPr>
+                        <a:t>plain text</a:t>
+                      </a:r>
+                      <a:r>
+                        <a:rPr lang="zh-TW" altLang="zh-TW" sz="1800" kern="1200" dirty="0" smtClean="0">
+                          <a:solidFill>
+                            <a:schemeClr val="dk1"/>
+                          </a:solidFill>
+                          <a:effectLst/>
+                          <a:latin typeface="+mn-lt"/>
+                          <a:ea typeface="+mn-ea"/>
+                          <a:cs typeface="+mn-cs"/>
+                        </a:rPr>
+                        <a:t>內容</a:t>
+                      </a:r>
+                      <a:r>
+                        <a:rPr lang="en-US" altLang="zh-TW" sz="1800" kern="1200" dirty="0" smtClean="0">
+                          <a:solidFill>
+                            <a:schemeClr val="dk1"/>
+                          </a:solidFill>
+                          <a:effectLst/>
+                          <a:latin typeface="+mn-lt"/>
+                          <a:ea typeface="+mn-ea"/>
+                          <a:cs typeface="+mn-cs"/>
+                        </a:rPr>
+                        <a:t>(TC-08)</a:t>
+                      </a:r>
+                    </a:p>
+                    <a:p>
+                      <a:pPr marL="285750" indent="-285750">
+                        <a:buFont typeface="Arial" panose="020B0604020202020204" pitchFamily="34" charset="0"/>
+                        <a:buChar char="•"/>
+                      </a:pPr>
+                      <a:r>
+                        <a:rPr lang="zh-TW" altLang="zh-TW" sz="1800" kern="1200" dirty="0" smtClean="0">
+                          <a:solidFill>
+                            <a:schemeClr val="dk1"/>
+                          </a:solidFill>
+                          <a:effectLst/>
+                          <a:latin typeface="+mn-lt"/>
+                          <a:ea typeface="+mn-ea"/>
+                          <a:cs typeface="+mn-cs"/>
+                        </a:rPr>
+                        <a:t>刪除多個</a:t>
+                      </a:r>
+                      <a:r>
+                        <a:rPr lang="en-US" altLang="zh-TW" sz="1800" kern="1200" dirty="0" smtClean="0">
+                          <a:solidFill>
+                            <a:schemeClr val="dk1"/>
+                          </a:solidFill>
+                          <a:effectLst/>
+                          <a:latin typeface="+mn-lt"/>
+                          <a:ea typeface="+mn-ea"/>
+                          <a:cs typeface="+mn-cs"/>
+                        </a:rPr>
+                        <a:t>plain text(TC-09)</a:t>
+                      </a:r>
+                    </a:p>
+                    <a:p>
+                      <a:pPr marL="285750" indent="-285750">
+                        <a:buFont typeface="Arial" panose="020B0604020202020204" pitchFamily="34" charset="0"/>
+                        <a:buChar char="•"/>
+                      </a:pPr>
+                      <a:r>
+                        <a:rPr lang="zh-TW" altLang="zh-TW" sz="1800" kern="1200" dirty="0" smtClean="0">
+                          <a:solidFill>
+                            <a:schemeClr val="dk1"/>
+                          </a:solidFill>
+                          <a:effectLst/>
+                          <a:latin typeface="+mn-lt"/>
+                          <a:ea typeface="+mn-ea"/>
+                          <a:cs typeface="+mn-cs"/>
+                        </a:rPr>
+                        <a:t>建立新的</a:t>
+                      </a:r>
+                      <a:r>
+                        <a:rPr lang="en-US" altLang="zh-TW" sz="1800" kern="1200" dirty="0" smtClean="0">
+                          <a:solidFill>
+                            <a:schemeClr val="dk1"/>
+                          </a:solidFill>
+                          <a:effectLst/>
+                          <a:latin typeface="+mn-lt"/>
+                          <a:ea typeface="+mn-ea"/>
+                          <a:cs typeface="+mn-cs"/>
+                        </a:rPr>
+                        <a:t>credit card note(TC-11)</a:t>
+                      </a:r>
+                    </a:p>
+                    <a:p>
+                      <a:pPr marL="285750" indent="-285750">
+                        <a:buFont typeface="Arial" panose="020B0604020202020204" pitchFamily="34" charset="0"/>
+                        <a:buChar char="•"/>
+                      </a:pPr>
+                      <a:r>
+                        <a:rPr lang="en-US" altLang="zh-TW" sz="1800" kern="1200" dirty="0" smtClean="0">
+                          <a:solidFill>
+                            <a:schemeClr val="dk1"/>
+                          </a:solidFill>
+                          <a:effectLst/>
+                          <a:latin typeface="+mn-lt"/>
+                          <a:ea typeface="+mn-ea"/>
+                          <a:cs typeface="+mn-cs"/>
+                        </a:rPr>
+                        <a:t>Credit card</a:t>
+                      </a:r>
+                      <a:r>
+                        <a:rPr lang="zh-TW" altLang="zh-TW" sz="1800" kern="1200" dirty="0" smtClean="0">
+                          <a:solidFill>
+                            <a:schemeClr val="dk1"/>
+                          </a:solidFill>
+                          <a:effectLst/>
+                          <a:latin typeface="+mn-lt"/>
+                          <a:ea typeface="+mn-ea"/>
+                          <a:cs typeface="+mn-cs"/>
+                        </a:rPr>
+                        <a:t>內容輸入空白是否可儲存</a:t>
+                      </a:r>
+                      <a:r>
+                        <a:rPr lang="en-US" altLang="zh-TW" sz="1800" kern="1200" dirty="0" smtClean="0">
+                          <a:solidFill>
+                            <a:schemeClr val="dk1"/>
+                          </a:solidFill>
+                          <a:effectLst/>
+                          <a:latin typeface="+mn-lt"/>
+                          <a:ea typeface="+mn-ea"/>
+                          <a:cs typeface="+mn-cs"/>
+                        </a:rPr>
+                        <a:t>(TC-12)</a:t>
+                      </a:r>
+                    </a:p>
+                    <a:p>
+                      <a:pPr marL="285750" indent="-285750">
+                        <a:buFont typeface="Arial" panose="020B0604020202020204" pitchFamily="34" charset="0"/>
+                        <a:buChar char="•"/>
+                      </a:pPr>
+                      <a:r>
+                        <a:rPr lang="zh-TW" altLang="zh-TW" sz="1800" kern="1200" dirty="0" smtClean="0">
+                          <a:solidFill>
+                            <a:schemeClr val="dk1"/>
+                          </a:solidFill>
+                          <a:effectLst/>
+                          <a:latin typeface="+mn-lt"/>
+                          <a:ea typeface="+mn-ea"/>
+                          <a:cs typeface="+mn-cs"/>
+                        </a:rPr>
+                        <a:t>編輯</a:t>
+                      </a:r>
+                      <a:r>
+                        <a:rPr lang="en-US" altLang="zh-TW" sz="1800" kern="1200" dirty="0" smtClean="0">
+                          <a:solidFill>
+                            <a:schemeClr val="dk1"/>
+                          </a:solidFill>
+                          <a:effectLst/>
+                          <a:latin typeface="+mn-lt"/>
+                          <a:ea typeface="+mn-ea"/>
+                          <a:cs typeface="+mn-cs"/>
+                        </a:rPr>
+                        <a:t>credit card note</a:t>
+                      </a:r>
+                      <a:r>
+                        <a:rPr lang="zh-TW" altLang="zh-TW" sz="1800" kern="1200" dirty="0" smtClean="0">
+                          <a:solidFill>
+                            <a:schemeClr val="dk1"/>
+                          </a:solidFill>
+                          <a:effectLst/>
+                          <a:latin typeface="+mn-lt"/>
+                          <a:ea typeface="+mn-ea"/>
+                          <a:cs typeface="+mn-cs"/>
+                        </a:rPr>
+                        <a:t>內容</a:t>
+                      </a:r>
+                      <a:r>
+                        <a:rPr lang="en-US" altLang="zh-TW" sz="1800" kern="1200" dirty="0" smtClean="0">
+                          <a:solidFill>
+                            <a:schemeClr val="dk1"/>
+                          </a:solidFill>
+                          <a:effectLst/>
+                          <a:latin typeface="+mn-lt"/>
+                          <a:ea typeface="+mn-ea"/>
+                          <a:cs typeface="+mn-cs"/>
+                        </a:rPr>
+                        <a:t>(TC-14)</a:t>
+                      </a:r>
+                    </a:p>
+                    <a:p>
+                      <a:pPr marL="285750" indent="-285750">
+                        <a:buFont typeface="Arial" panose="020B0604020202020204" pitchFamily="34" charset="0"/>
+                        <a:buChar char="•"/>
+                      </a:pPr>
+                      <a:r>
+                        <a:rPr lang="zh-TW" altLang="zh-TW" sz="1800" kern="1200" dirty="0" smtClean="0">
+                          <a:solidFill>
+                            <a:schemeClr val="dk1"/>
+                          </a:solidFill>
+                          <a:effectLst/>
+                          <a:latin typeface="+mn-lt"/>
+                          <a:ea typeface="+mn-ea"/>
+                          <a:cs typeface="+mn-cs"/>
+                        </a:rPr>
+                        <a:t>建立新的</a:t>
+                      </a:r>
+                      <a:r>
+                        <a:rPr lang="en-US" altLang="zh-TW" sz="1800" kern="1200" dirty="0" smtClean="0">
+                          <a:solidFill>
+                            <a:schemeClr val="dk1"/>
+                          </a:solidFill>
+                          <a:effectLst/>
+                          <a:latin typeface="+mn-lt"/>
+                          <a:ea typeface="+mn-ea"/>
+                          <a:cs typeface="+mn-cs"/>
+                        </a:rPr>
+                        <a:t>login details(TC-15)</a:t>
+                      </a:r>
+                    </a:p>
+                    <a:p>
+                      <a:pPr marL="285750" indent="-285750">
+                        <a:buFont typeface="Arial" panose="020B0604020202020204" pitchFamily="34" charset="0"/>
+                        <a:buChar char="•"/>
+                      </a:pPr>
+                      <a:r>
+                        <a:rPr lang="en-US" altLang="zh-TW" sz="1800" kern="1200" dirty="0" smtClean="0">
+                          <a:solidFill>
+                            <a:schemeClr val="dk1"/>
+                          </a:solidFill>
+                          <a:effectLst/>
+                          <a:latin typeface="+mn-lt"/>
+                          <a:ea typeface="+mn-ea"/>
+                          <a:cs typeface="+mn-cs"/>
+                        </a:rPr>
+                        <a:t>Login detail </a:t>
+                      </a:r>
+                      <a:r>
+                        <a:rPr lang="zh-TW" altLang="zh-TW" sz="1800" kern="1200" dirty="0" smtClean="0">
+                          <a:solidFill>
+                            <a:schemeClr val="dk1"/>
+                          </a:solidFill>
+                          <a:effectLst/>
+                          <a:latin typeface="+mn-lt"/>
+                          <a:ea typeface="+mn-ea"/>
+                          <a:cs typeface="+mn-cs"/>
+                        </a:rPr>
+                        <a:t>內容輸入空白是否可儲存</a:t>
+                      </a:r>
+                      <a:r>
+                        <a:rPr lang="en-US" altLang="zh-TW" sz="1800" kern="1200" dirty="0" smtClean="0">
+                          <a:solidFill>
+                            <a:schemeClr val="dk1"/>
+                          </a:solidFill>
+                          <a:effectLst/>
+                          <a:latin typeface="+mn-lt"/>
+                          <a:ea typeface="+mn-ea"/>
+                          <a:cs typeface="+mn-cs"/>
+                        </a:rPr>
+                        <a:t>(TC-16)</a:t>
+                      </a:r>
+                    </a:p>
+                    <a:p>
+                      <a:pPr marL="285750" indent="-285750">
+                        <a:buFont typeface="Arial" panose="020B0604020202020204" pitchFamily="34" charset="0"/>
+                        <a:buChar char="•"/>
+                      </a:pPr>
+                      <a:r>
+                        <a:rPr lang="zh-TW" altLang="zh-TW" sz="1800" kern="1200" dirty="0" smtClean="0">
+                          <a:solidFill>
+                            <a:schemeClr val="dk1"/>
+                          </a:solidFill>
+                          <a:effectLst/>
+                          <a:latin typeface="+mn-lt"/>
+                          <a:ea typeface="+mn-ea"/>
+                          <a:cs typeface="+mn-cs"/>
+                        </a:rPr>
+                        <a:t>編輯</a:t>
+                      </a:r>
+                      <a:r>
+                        <a:rPr lang="en-US" altLang="zh-TW" sz="1800" kern="1200" dirty="0" smtClean="0">
+                          <a:solidFill>
+                            <a:schemeClr val="dk1"/>
+                          </a:solidFill>
+                          <a:effectLst/>
+                          <a:latin typeface="+mn-lt"/>
+                          <a:ea typeface="+mn-ea"/>
+                          <a:cs typeface="+mn-cs"/>
+                        </a:rPr>
+                        <a:t>login details</a:t>
+                      </a:r>
+                      <a:r>
+                        <a:rPr lang="zh-TW" altLang="zh-TW" sz="1800" kern="1200" dirty="0" smtClean="0">
+                          <a:solidFill>
+                            <a:schemeClr val="dk1"/>
+                          </a:solidFill>
+                          <a:effectLst/>
+                          <a:latin typeface="+mn-lt"/>
+                          <a:ea typeface="+mn-ea"/>
+                          <a:cs typeface="+mn-cs"/>
+                        </a:rPr>
+                        <a:t>內容</a:t>
+                      </a:r>
+                      <a:r>
+                        <a:rPr lang="en-US" altLang="zh-TW" sz="1800" kern="1200" dirty="0" smtClean="0">
+                          <a:solidFill>
+                            <a:schemeClr val="dk1"/>
+                          </a:solidFill>
+                          <a:effectLst/>
+                          <a:latin typeface="+mn-lt"/>
+                          <a:ea typeface="+mn-ea"/>
+                          <a:cs typeface="+mn-cs"/>
+                        </a:rPr>
+                        <a:t>(TC-17)</a:t>
+                      </a:r>
+                    </a:p>
+                    <a:p>
+                      <a:pPr marL="285750" indent="-285750">
+                        <a:buFont typeface="Arial" panose="020B0604020202020204" pitchFamily="34" charset="0"/>
+                        <a:buChar char="•"/>
+                      </a:pPr>
+                      <a:r>
+                        <a:rPr lang="zh-TW" altLang="zh-TW" sz="1800" kern="1200" dirty="0" smtClean="0">
+                          <a:solidFill>
+                            <a:schemeClr val="dk1"/>
+                          </a:solidFill>
+                          <a:effectLst/>
+                          <a:latin typeface="+mn-lt"/>
+                          <a:ea typeface="+mn-ea"/>
+                          <a:cs typeface="+mn-cs"/>
+                        </a:rPr>
+                        <a:t>自動儲存</a:t>
+                      </a:r>
+                      <a:r>
+                        <a:rPr lang="en-US" altLang="zh-TW" sz="1800" kern="1200" dirty="0" smtClean="0">
+                          <a:solidFill>
+                            <a:schemeClr val="dk1"/>
+                          </a:solidFill>
+                          <a:effectLst/>
+                          <a:latin typeface="+mn-lt"/>
+                          <a:ea typeface="+mn-ea"/>
+                          <a:cs typeface="+mn-cs"/>
+                        </a:rPr>
+                        <a:t>note(TC-21)</a:t>
                       </a:r>
                       <a:endParaRPr lang="zh-TW" altLang="en-US" dirty="0"/>
                     </a:p>
@@ -9889,39 +11020,51 @@
                 </a:tc>
                 <a:extLst>
                   <a:ext uri="{0D108BD9-81ED-4DB2-BD59-A6C34878D82A}">
-                    <a16:rowId xmlns:a16="http://schemas.microsoft.com/office/drawing/2014/main" val="3797973253"/>
+                    <a16:rowId xmlns="" xmlns:a16="http://schemas.microsoft.com/office/drawing/2014/main" val="1934292922"/>
                   </a:ext>
                 </a:extLst>
               </a:tr>
-              <a:tr h="831273">
+            </a:tbl>
+          </a:graphicData>
+        </a:graphic>
+      </p:graphicFrame>
+      <p:graphicFrame>
+        <p:nvGraphicFramePr>
+          <p:cNvPr id="6" name="表格 5"/>
+          <p:cNvGraphicFramePr>
+            <a:graphicFrameLocks noGrp="1"/>
+          </p:cNvGraphicFramePr>
+          <p:nvPr>
+            <p:extLst>
+              <p:ext uri="{D42A27DB-BD31-4B8C-83A1-F6EECF244321}">
+                <p14:modId xmlns:p14="http://schemas.microsoft.com/office/powerpoint/2010/main" val="118736833"/>
+              </p:ext>
+            </p:extLst>
+          </p:nvPr>
+        </p:nvGraphicFramePr>
+        <p:xfrm>
+          <a:off x="195309" y="1284643"/>
+          <a:ext cx="5770241" cy="5394960"/>
+        </p:xfrm>
+        <a:graphic>
+          <a:graphicData uri="http://schemas.openxmlformats.org/drawingml/2006/table">
+            <a:tbl>
+              <a:tblPr firstRow="1" bandRow="1">
+                <a:tableStyleId>{5C22544A-7EE6-4342-B048-85BDC9FD1C3A}</a:tableStyleId>
+              </a:tblPr>
+              <a:tblGrid>
+                <a:gridCol w="1923413"/>
+                <a:gridCol w="3846828"/>
+              </a:tblGrid>
+              <a:tr h="303200">
                 <a:tc>
                   <a:txBody>
                     <a:bodyPr/>
                     <a:lstStyle/>
                     <a:p>
                       <a:r>
-                        <a:rPr lang="en-US" altLang="zh-TW" sz="1800" kern="1200" dirty="0" smtClean="0">
-                          <a:solidFill>
-                            <a:schemeClr val="dk1"/>
-                          </a:solidFill>
-                          <a:effectLst/>
-                          <a:latin typeface="+mn-lt"/>
-                          <a:ea typeface="+mn-ea"/>
-                          <a:cs typeface="+mn-cs"/>
-                        </a:rPr>
-                        <a:t>Password</a:t>
-                      </a:r>
-                      <a:r>
-                        <a:rPr lang="zh-TW" altLang="zh-TW" sz="1800" kern="1200" dirty="0" smtClean="0">
-                          <a:solidFill>
-                            <a:schemeClr val="dk1"/>
-                          </a:solidFill>
-                          <a:effectLst/>
-                          <a:latin typeface="+mn-lt"/>
-                          <a:ea typeface="+mn-ea"/>
-                          <a:cs typeface="+mn-cs"/>
-                        </a:rPr>
-                        <a:t>輸入種類</a:t>
+                        <a:rPr lang="en-US" altLang="zh-TW" dirty="0" smtClean="0"/>
+                        <a:t>Feature to Test</a:t>
                       </a:r>
                       <a:endParaRPr lang="zh-TW" altLang="en-US" dirty="0"/>
                     </a:p>
@@ -9934,165 +11077,32 @@
                     <a:lstStyle/>
                     <a:p>
                       <a:r>
-                        <a:rPr lang="zh-TW" altLang="zh-TW" sz="1800" kern="1200" dirty="0" smtClean="0">
-                          <a:solidFill>
-                            <a:schemeClr val="dk1"/>
-                          </a:solidFill>
-                          <a:effectLst/>
-                          <a:latin typeface="+mn-lt"/>
-                          <a:ea typeface="+mn-ea"/>
-                          <a:cs typeface="+mn-cs"/>
-                        </a:rPr>
-                        <a:t>使用數字建立帳戶</a:t>
-                      </a:r>
-                      <a:r>
-                        <a:rPr lang="en-US" altLang="zh-TW" sz="1800" kern="1200" dirty="0" smtClean="0">
-                          <a:solidFill>
-                            <a:schemeClr val="dk1"/>
-                          </a:solidFill>
-                          <a:effectLst/>
-                          <a:latin typeface="+mn-lt"/>
-                          <a:ea typeface="+mn-ea"/>
-                          <a:cs typeface="+mn-cs"/>
-                        </a:rPr>
-                        <a:t>(TC-01)</a:t>
-                      </a:r>
-                      <a:r>
-                        <a:rPr lang="zh-TW" altLang="en-US" sz="1800" kern="1200" dirty="0" smtClean="0">
-                          <a:solidFill>
-                            <a:schemeClr val="dk1"/>
-                          </a:solidFill>
-                          <a:effectLst/>
-                          <a:latin typeface="+mn-lt"/>
-                          <a:ea typeface="+mn-ea"/>
-                          <a:cs typeface="+mn-cs"/>
-                        </a:rPr>
-                        <a:t>、</a:t>
-                      </a:r>
-                      <a:r>
-                        <a:rPr lang="zh-TW" altLang="zh-TW" sz="1800" kern="1200" dirty="0" smtClean="0">
-                          <a:solidFill>
-                            <a:schemeClr val="dk1"/>
-                          </a:solidFill>
-                          <a:effectLst/>
-                          <a:latin typeface="+mn-lt"/>
-                          <a:ea typeface="+mn-ea"/>
-                          <a:cs typeface="+mn-cs"/>
-                        </a:rPr>
-                        <a:t>使用英文建立帳戶</a:t>
-                      </a:r>
-                      <a:r>
-                        <a:rPr lang="en-US" altLang="zh-TW" sz="1800" kern="1200" dirty="0" smtClean="0">
-                          <a:solidFill>
-                            <a:schemeClr val="dk1"/>
-                          </a:solidFill>
-                          <a:effectLst/>
-                          <a:latin typeface="+mn-lt"/>
-                          <a:ea typeface="+mn-ea"/>
-                          <a:cs typeface="+mn-cs"/>
-                        </a:rPr>
-                        <a:t>(TC-02)</a:t>
-                      </a:r>
-                      <a:r>
-                        <a:rPr lang="zh-TW" altLang="en-US" sz="1800" kern="1200" dirty="0" smtClean="0">
-                          <a:solidFill>
-                            <a:schemeClr val="dk1"/>
-                          </a:solidFill>
-                          <a:effectLst/>
-                          <a:latin typeface="+mn-lt"/>
-                          <a:ea typeface="+mn-ea"/>
-                          <a:cs typeface="+mn-cs"/>
-                        </a:rPr>
-                        <a:t>、</a:t>
-                      </a:r>
-                      <a:r>
-                        <a:rPr lang="zh-TW" altLang="zh-TW" sz="1800" kern="1200" dirty="0" smtClean="0">
-                          <a:solidFill>
-                            <a:schemeClr val="dk1"/>
-                          </a:solidFill>
-                          <a:effectLst/>
-                          <a:latin typeface="+mn-lt"/>
-                          <a:ea typeface="+mn-ea"/>
-                          <a:cs typeface="+mn-cs"/>
-                        </a:rPr>
-                        <a:t>使用英文和數字建立帳戶</a:t>
-                      </a:r>
-                      <a:r>
-                        <a:rPr lang="en-US" altLang="zh-TW" sz="1800" kern="1200" dirty="0" smtClean="0">
-                          <a:solidFill>
-                            <a:schemeClr val="dk1"/>
-                          </a:solidFill>
-                          <a:effectLst/>
-                          <a:latin typeface="+mn-lt"/>
-                          <a:ea typeface="+mn-ea"/>
-                          <a:cs typeface="+mn-cs"/>
-                        </a:rPr>
-                        <a:t>(TC-03)</a:t>
-                      </a:r>
-                      <a:r>
-                        <a:rPr lang="zh-TW" altLang="en-US" sz="1800" kern="1200" dirty="0" smtClean="0">
-                          <a:solidFill>
-                            <a:schemeClr val="dk1"/>
-                          </a:solidFill>
-                          <a:effectLst/>
-                          <a:latin typeface="+mn-lt"/>
-                          <a:ea typeface="+mn-ea"/>
-                          <a:cs typeface="+mn-cs"/>
-                        </a:rPr>
-                        <a:t>、</a:t>
-                      </a:r>
-                      <a:r>
-                        <a:rPr lang="zh-TW" altLang="zh-TW" sz="1800" kern="1200" dirty="0" smtClean="0">
-                          <a:solidFill>
-                            <a:schemeClr val="dk1"/>
-                          </a:solidFill>
-                          <a:effectLst/>
-                          <a:latin typeface="+mn-lt"/>
-                          <a:ea typeface="+mn-ea"/>
-                          <a:cs typeface="+mn-cs"/>
-                        </a:rPr>
-                        <a:t>使用非數字和英文建立帳戶</a:t>
-                      </a:r>
-                      <a:r>
-                        <a:rPr lang="en-US" altLang="zh-TW" sz="1800" kern="1200" dirty="0" smtClean="0">
-                          <a:solidFill>
-                            <a:schemeClr val="dk1"/>
-                          </a:solidFill>
-                          <a:effectLst/>
-                          <a:latin typeface="+mn-lt"/>
-                          <a:ea typeface="+mn-ea"/>
-                          <a:cs typeface="+mn-cs"/>
-                        </a:rPr>
-                        <a:t>(TC-04)</a:t>
+                        <a:rPr lang="en-US" altLang="zh-TW" dirty="0" smtClean="0"/>
+                        <a:t>Test cases </a:t>
                       </a:r>
                       <a:endParaRPr lang="zh-TW" altLang="en-US" dirty="0"/>
                     </a:p>
                   </a:txBody>
                   <a:tcPr/>
                 </a:tc>
-                <a:extLst>
-                  <a:ext uri="{0D108BD9-81ED-4DB2-BD59-A6C34878D82A}">
-                    <a16:rowId xmlns:a16="http://schemas.microsoft.com/office/drawing/2014/main" val="2304496223"/>
-                  </a:ext>
-                </a:extLst>
               </a:tr>
-              <a:tr h="332509">
+              <a:tr h="530601">
                 <a:tc>
                   <a:txBody>
                     <a:bodyPr/>
                     <a:lstStyle/>
                     <a:p>
                       <a:r>
-                        <a:rPr lang="zh-TW" altLang="zh-TW" sz="1800" kern="1200" dirty="0" smtClean="0">
-                          <a:solidFill>
-                            <a:schemeClr val="dk1"/>
-                          </a:solidFill>
-                          <a:effectLst/>
-                          <a:latin typeface="+mn-lt"/>
-                          <a:ea typeface="+mn-ea"/>
-                          <a:cs typeface="+mn-cs"/>
-                        </a:rPr>
-                        <a:t>驗證信用卡種類</a:t>
+                        <a:rPr lang="en-US" altLang="zh-TW" sz="1800" kern="1200" dirty="0" smtClean="0">
+                          <a:solidFill>
+                            <a:schemeClr val="dk1"/>
+                          </a:solidFill>
+                          <a:effectLst/>
+                          <a:latin typeface="+mn-lt"/>
+                          <a:ea typeface="+mn-ea"/>
+                          <a:cs typeface="+mn-cs"/>
+                        </a:rPr>
+                        <a:t>Password protection</a:t>
                       </a:r>
                       <a:endParaRPr lang="zh-TW" altLang="en-US" dirty="0"/>
                     </a:p>
@@ -10104,6 +11114,28 @@
                     <a:bodyPr/>
                     <a:lstStyle/>
                     <a:p>
+                      <a:pPr marL="285750" indent="-285750">
+                        <a:buFont typeface="Arial" panose="020B0604020202020204" pitchFamily="34" charset="0"/>
+                        <a:buChar char="•"/>
+                      </a:pPr>
+                      <a:r>
+                        <a:rPr lang="en-US" altLang="zh-TW" sz="1800" kern="1200" dirty="0" smtClean="0">
+                          <a:solidFill>
+                            <a:schemeClr val="dk1"/>
+                          </a:solidFill>
+                          <a:effectLst/>
+                          <a:latin typeface="+mn-lt"/>
+                          <a:ea typeface="+mn-ea"/>
+                          <a:cs typeface="+mn-cs"/>
+                        </a:rPr>
+                        <a:t>Invalid password(TC-05)</a:t>
+                      </a:r>
+                    </a:p>
+                    <a:p>
+                      <a:pPr marL="285750" indent="-285750">
+                        <a:buFont typeface="Arial" panose="020B0604020202020204" pitchFamily="34" charset="0"/>
+                        <a:buChar char="•"/>
+                      </a:pPr>
                       <a:r>
                         <a:rPr lang="zh-TW" altLang="zh-TW" sz="1800" kern="1200" dirty="0" smtClean="0">
                           <a:solidFill>
@@ -10114,20 +11146,27 @@
                           <a:ea typeface="+mn-ea"/>
                           <a:cs typeface="+mn-cs"/>
                         </a:rPr>
-                        <a:t>驗證對應信用卡的種類</a:t>
+                        <a:t>更換密碼</a:t>
+                      </a:r>
+                      <a:r>
+                        <a:rPr lang="en-US" altLang="zh-TW" sz="1800" kern="1200" dirty="0" smtClean="0">
+                          <a:solidFill>
+                            <a:schemeClr val="dk1"/>
+                          </a:solidFill>
+                          <a:effectLst/>
+                          <a:latin typeface="+mn-lt"/>
+                          <a:ea typeface="+mn-ea"/>
+                          <a:cs typeface="+mn-cs"/>
+                        </a:rPr>
+                        <a:t>(TC-22)</a:t>
                       </a:r>
                       <a:endParaRPr lang="zh-TW" altLang="en-US" dirty="0"/>
                     </a:p>
                   </a:txBody>
                   <a:tcPr/>
                 </a:tc>
-                <a:extLst>
-                  <a:ext uri="{0D108BD9-81ED-4DB2-BD59-A6C34878D82A}">
-                    <a16:rowId xmlns:a16="http://schemas.microsoft.com/office/drawing/2014/main" val="2475642087"/>
-                  </a:ext>
-                </a:extLst>
               </a:tr>
-              <a:tr h="1828800">
+              <a:tr h="985401">
                 <a:tc>
                   <a:txBody>
                     <a:bodyPr/>
@@ -10143,7 +11182,19 @@
                           <a:ea typeface="+mn-ea"/>
                           <a:cs typeface="+mn-cs"/>
                         </a:rPr>
-                        <a:t>CRUD for notes</a:t>
+                        <a:t>Password</a:t>
+                      </a:r>
+                      <a:r>
+                        <a:rPr lang="zh-TW" altLang="zh-TW" sz="1800" kern="1200" dirty="0" smtClean="0">
+                          <a:solidFill>
+                            <a:schemeClr val="dk1"/>
+                          </a:solidFill>
+                          <a:effectLst/>
+                          <a:latin typeface="+mn-lt"/>
+                          <a:ea typeface="+mn-ea"/>
+                          <a:cs typeface="+mn-cs"/>
+                        </a:rPr>
+                        <a:t>輸入種類</a:t>
                       </a:r>
                       <a:endParaRPr lang="zh-TW" altLang="en-US" dirty="0"/>
                     </a:p>
@@ -10155,6 +11206,10 @@
                     <a:bodyPr/>
                     <a:lstStyle/>
                     <a:p>
+                      <a:pPr marL="285750" indent="-285750">
+                        <a:buFont typeface="Arial" panose="020B0604020202020204" pitchFamily="34" charset="0"/>
+                        <a:buChar char="•"/>
+                      </a:pPr>
                       <a:r>
                         <a:rPr lang="zh-TW" altLang="zh-TW" sz="1800" kern="1200" dirty="0" smtClean="0">
                           <a:solidFill>
@@ -10165,7 +11220,7 @@
                           <a:ea typeface="+mn-ea"/>
                           <a:cs typeface="+mn-cs"/>
                         </a:rPr>
-                        <a:t>建立新的</a:t>
+                        <a:t>使用數字建立帳戶</a:t>
                       </a:r>
                       <a:r>
                         <a:rPr lang="en-US" altLang="zh-TW" sz="1800" kern="1200" dirty="0" smtClean="0">
@@ -10177,19 +11232,25 @@
                           <a:ea typeface="+mn-ea"/>
                           <a:cs typeface="+mn-cs"/>
                         </a:rPr>
-                        <a:t>plain text(TC-06)</a:t>
-                      </a:r>
-                      <a:r>
-                        <a:rPr lang="zh-TW" altLang="en-US" sz="1800" kern="1200" dirty="0" smtClean="0">
-                          <a:solidFill>
-                            <a:schemeClr val="dk1"/>
-                          </a:solidFill>
-                          <a:effectLst/>
-                          <a:latin typeface="+mn-lt"/>
-                          <a:ea typeface="+mn-ea"/>
-                          <a:cs typeface="+mn-cs"/>
-                        </a:rPr>
-                        <a:t>、</a:t>
+                        <a:t>(TC-01)</a:t>
+                      </a:r>
+                    </a:p>
+                    <a:p>
+                      <a:pPr marL="285750" indent="-285750">
+                        <a:buFont typeface="Arial" panose="020B0604020202020204" pitchFamily="34" charset="0"/>
+                        <a:buChar char="•"/>
+                      </a:pPr>
+                      <a:r>
+                        <a:rPr lang="zh-TW" altLang="zh-TW" sz="1800" kern="1200" dirty="0" smtClean="0">
+                          <a:solidFill>
+                            <a:schemeClr val="dk1"/>
+                          </a:solidFill>
+                          <a:effectLst/>
+                          <a:latin typeface="+mn-lt"/>
+                          <a:ea typeface="+mn-ea"/>
+                          <a:cs typeface="+mn-cs"/>
+                        </a:rPr>
+                        <a:t>使用英文建立帳戶</a:t>
                       </a:r>
                       <a:r>
                         <a:rPr lang="en-US" altLang="zh-TW" sz="1800" kern="1200" dirty="0" smtClean="0">
@@ -10201,8 +11262,14 @@
                           <a:ea typeface="+mn-ea"/>
                           <a:cs typeface="+mn-cs"/>
                         </a:rPr>
-                        <a:t>Note</a:t>
-                      </a:r>
+                        <a:t>(TC-02)</a:t>
+                      </a:r>
+                    </a:p>
+                    <a:p>
+                      <a:pPr marL="285750" indent="-285750">
+                        <a:buFont typeface="Arial" panose="020B0604020202020204" pitchFamily="34" charset="0"/>
+                        <a:buChar char="•"/>
+                      </a:pPr>
                       <a:r>
                         <a:rPr lang="zh-TW" altLang="zh-TW" sz="1800" kern="1200" dirty="0" smtClean="0">
                           <a:solidFill>
@@ -10213,7 +11280,7 @@
                           <a:ea typeface="+mn-ea"/>
                           <a:cs typeface="+mn-cs"/>
                         </a:rPr>
-                        <a:t>內容輸入空白是否可儲存</a:t>
+                        <a:t>使用英文和數字建立帳戶</a:t>
                       </a:r>
                       <a:r>
                         <a:rPr lang="en-US" altLang="zh-TW" sz="1800" kern="1200" dirty="0" smtClean="0">
@@ -10225,20 +11292,14 @@
                           <a:ea typeface="+mn-ea"/>
                           <a:cs typeface="+mn-cs"/>
                         </a:rPr>
-                        <a:t>(TC-07)</a:t>
-                      </a:r>
-                      <a:r>
-                        <a:rPr lang="zh-TW" altLang="en-US" sz="1800" kern="1200" dirty="0" smtClean="0">
-                          <a:solidFill>
-                            <a:schemeClr val="dk1"/>
-                          </a:solidFill>
-                          <a:effectLst/>
-                          <a:latin typeface="+mn-lt"/>
-                          <a:ea typeface="+mn-ea"/>
-                          <a:cs typeface="+mn-cs"/>
-                        </a:rPr>
-                        <a:t>、</a:t>
-                      </a:r>
+                        <a:t>(TC-03)</a:t>
+                      </a:r>
+                    </a:p>
+                    <a:p>
+                      <a:pPr marL="285750" indent="-285750">
+                        <a:buFont typeface="Arial" panose="020B0604020202020204" pitchFamily="34" charset="0"/>
+                        <a:buChar char="•"/>
+                      </a:pPr>
                       <a:r>
                         <a:rPr lang="zh-TW" altLang="zh-TW" sz="1800" kern="1200" dirty="0" smtClean="0">
                           <a:solidFill>
@@ -10249,7 +11310,7 @@
                           <a:ea typeface="+mn-ea"/>
                           <a:cs typeface="+mn-cs"/>
                         </a:rPr>
-                        <a:t>編輯</a:t>
+                        <a:t>使用非數字和英文建立帳戶</a:t>
                       </a:r>
                       <a:r>
                         <a:rPr lang="en-US" altLang="zh-TW" sz="1800" kern="1200" dirty="0" smtClean="0">
@@ -10261,420 +11322,31 @@
                           <a:ea typeface="+mn-ea"/>
                           <a:cs typeface="+mn-cs"/>
                         </a:rPr>
-                        <a:t>plain text</a:t>
-                      </a:r>
-                      <a:r>
-                        <a:rPr lang="zh-TW" altLang="zh-TW" sz="1800" kern="1200" dirty="0" smtClean="0">
-                          <a:solidFill>
-                            <a:schemeClr val="dk1"/>
-                          </a:solidFill>
-                          <a:effectLst/>
-                          <a:latin typeface="+mn-lt"/>
-                          <a:ea typeface="+mn-ea"/>
-                          <a:cs typeface="+mn-cs"/>
-                        </a:rPr>
-                        <a:t>內容</a:t>
-                      </a:r>
-                      <a:r>
-                        <a:rPr lang="en-US" altLang="zh-TW" sz="1800" kern="1200" dirty="0" smtClean="0">
-                          <a:solidFill>
-                            <a:schemeClr val="dk1"/>
-                          </a:solidFill>
-                          <a:effectLst/>
-                          <a:latin typeface="+mn-lt"/>
-                          <a:ea typeface="+mn-ea"/>
-                          <a:cs typeface="+mn-cs"/>
-                        </a:rPr>
-                        <a:t>(TC-08)</a:t>
-                      </a:r>
-                      <a:r>
-                        <a:rPr lang="zh-TW" altLang="en-US" sz="1800" kern="1200" dirty="0" smtClean="0">
-                          <a:solidFill>
-                            <a:schemeClr val="dk1"/>
-                          </a:solidFill>
-                          <a:effectLst/>
-                          <a:latin typeface="+mn-lt"/>
-                          <a:ea typeface="+mn-ea"/>
-                          <a:cs typeface="+mn-cs"/>
-                        </a:rPr>
-                        <a:t>、</a:t>
-                      </a:r>
-                      <a:r>
-                        <a:rPr lang="zh-TW" altLang="zh-TW" sz="1800" kern="1200" dirty="0" smtClean="0">
-                          <a:solidFill>
-                            <a:schemeClr val="dk1"/>
-                          </a:solidFill>
-                          <a:effectLst/>
-                          <a:latin typeface="+mn-lt"/>
-                          <a:ea typeface="+mn-ea"/>
-                          <a:cs typeface="+mn-cs"/>
-                        </a:rPr>
-                        <a:t>刪除多個</a:t>
-                      </a:r>
-                      <a:r>
-                        <a:rPr lang="en-US" altLang="zh-TW" sz="1800" kern="1200" dirty="0" smtClean="0">
-                          <a:solidFill>
-                            <a:schemeClr val="dk1"/>
-                          </a:solidFill>
-                          <a:effectLst/>
-                          <a:latin typeface="+mn-lt"/>
-                          <a:ea typeface="+mn-ea"/>
-                          <a:cs typeface="+mn-cs"/>
-                        </a:rPr>
-                        <a:t>plain text(TC-09)</a:t>
-                      </a:r>
-                      <a:r>
-                        <a:rPr lang="zh-TW" altLang="en-US" sz="1800" kern="1200" dirty="0" smtClean="0">
-                          <a:solidFill>
-                            <a:schemeClr val="dk1"/>
-                          </a:solidFill>
-                          <a:effectLst/>
-                          <a:latin typeface="+mn-lt"/>
-                          <a:ea typeface="+mn-ea"/>
-                          <a:cs typeface="+mn-cs"/>
-                        </a:rPr>
-                        <a:t>、</a:t>
-                      </a:r>
-                      <a:r>
-                        <a:rPr lang="zh-TW" altLang="zh-TW" sz="1800" kern="1200" dirty="0" smtClean="0">
-                          <a:solidFill>
-                            <a:schemeClr val="dk1"/>
-                          </a:solidFill>
-                          <a:effectLst/>
-                          <a:latin typeface="+mn-lt"/>
-                          <a:ea typeface="+mn-ea"/>
-                          <a:cs typeface="+mn-cs"/>
-                        </a:rPr>
-                        <a:t>建立新的</a:t>
-                      </a:r>
-                      <a:r>
-                        <a:rPr lang="en-US" altLang="zh-TW" sz="1800" kern="1200" dirty="0" smtClean="0">
-                          <a:solidFill>
-                            <a:schemeClr val="dk1"/>
-                          </a:solidFill>
-                          <a:effectLst/>
-                          <a:latin typeface="+mn-lt"/>
-                          <a:ea typeface="+mn-ea"/>
-                          <a:cs typeface="+mn-cs"/>
-                        </a:rPr>
-                        <a:t>credit card note(TC-11)</a:t>
-                      </a:r>
-                      <a:r>
-                        <a:rPr lang="zh-TW" altLang="en-US" sz="1800" kern="1200" dirty="0" smtClean="0">
-                          <a:solidFill>
-                            <a:schemeClr val="dk1"/>
-                          </a:solidFill>
-                          <a:effectLst/>
-                          <a:latin typeface="+mn-lt"/>
-                          <a:ea typeface="+mn-ea"/>
-                          <a:cs typeface="+mn-cs"/>
-                        </a:rPr>
-                        <a:t>、</a:t>
-                      </a:r>
-                      <a:r>
-                        <a:rPr lang="en-US" altLang="zh-TW" sz="1800" kern="1200" dirty="0" smtClean="0">
-                          <a:solidFill>
-                            <a:schemeClr val="dk1"/>
-                          </a:solidFill>
-                          <a:effectLst/>
-                          <a:latin typeface="+mn-lt"/>
-                          <a:ea typeface="+mn-ea"/>
-                          <a:cs typeface="+mn-cs"/>
-                        </a:rPr>
-                        <a:t>Credit card</a:t>
-                      </a:r>
-                      <a:r>
-                        <a:rPr lang="zh-TW" altLang="zh-TW" sz="1800" kern="1200" dirty="0" smtClean="0">
-                          <a:solidFill>
-                            <a:schemeClr val="dk1"/>
-                          </a:solidFill>
-                          <a:effectLst/>
-                          <a:latin typeface="+mn-lt"/>
-                          <a:ea typeface="+mn-ea"/>
-                          <a:cs typeface="+mn-cs"/>
-                        </a:rPr>
-                        <a:t>內容輸入空白是否可儲存</a:t>
-                      </a:r>
-                      <a:r>
-                        <a:rPr lang="en-US" altLang="zh-TW" sz="1800" kern="1200" dirty="0" smtClean="0">
-                          <a:solidFill>
-                            <a:schemeClr val="dk1"/>
-                          </a:solidFill>
-                          <a:effectLst/>
-                          <a:latin typeface="+mn-lt"/>
-                          <a:ea typeface="+mn-ea"/>
-                          <a:cs typeface="+mn-cs"/>
-                        </a:rPr>
-                        <a:t>(TC-12)</a:t>
-                      </a:r>
-                      <a:r>
-                        <a:rPr lang="zh-TW" altLang="en-US" sz="1800" kern="1200" dirty="0" smtClean="0">
-                          <a:solidFill>
-                            <a:schemeClr val="dk1"/>
-                          </a:solidFill>
-                          <a:effectLst/>
-                          <a:latin typeface="+mn-lt"/>
-                          <a:ea typeface="+mn-ea"/>
-                          <a:cs typeface="+mn-cs"/>
-                        </a:rPr>
-                        <a:t>、</a:t>
-                      </a:r>
-                      <a:r>
-                        <a:rPr lang="zh-TW" altLang="zh-TW" sz="1800" kern="1200" dirty="0" smtClean="0">
-                          <a:solidFill>
-                            <a:schemeClr val="dk1"/>
-                          </a:solidFill>
-                          <a:effectLst/>
-                          <a:latin typeface="+mn-lt"/>
-                          <a:ea typeface="+mn-ea"/>
-                          <a:cs typeface="+mn-cs"/>
-                        </a:rPr>
-                        <a:t>編輯</a:t>
-                      </a:r>
-                      <a:r>
-                        <a:rPr lang="en-US" altLang="zh-TW" sz="1800" kern="1200" dirty="0" smtClean="0">
-                          <a:solidFill>
-                            <a:schemeClr val="dk1"/>
-                          </a:solidFill>
-                          <a:effectLst/>
-                          <a:latin typeface="+mn-lt"/>
-                          <a:ea typeface="+mn-ea"/>
-                          <a:cs typeface="+mn-cs"/>
-                        </a:rPr>
-                        <a:t>credit card note</a:t>
-                      </a:r>
-                      <a:r>
-                        <a:rPr lang="zh-TW" altLang="zh-TW" sz="1800" kern="1200" dirty="0" smtClean="0">
-                          <a:solidFill>
-                            <a:schemeClr val="dk1"/>
-                          </a:solidFill>
-                          <a:effectLst/>
-                          <a:latin typeface="+mn-lt"/>
-                          <a:ea typeface="+mn-ea"/>
-                          <a:cs typeface="+mn-cs"/>
-                        </a:rPr>
-                        <a:t>內容</a:t>
-                      </a:r>
-                      <a:r>
-                        <a:rPr lang="en-US" altLang="zh-TW" sz="1800" kern="1200" dirty="0" smtClean="0">
-                          <a:solidFill>
-                            <a:schemeClr val="dk1"/>
-                          </a:solidFill>
-                          <a:effectLst/>
-                          <a:latin typeface="+mn-lt"/>
-                          <a:ea typeface="+mn-ea"/>
-                          <a:cs typeface="+mn-cs"/>
-                        </a:rPr>
-                        <a:t>(TC-14)</a:t>
-                      </a:r>
-                      <a:r>
-                        <a:rPr lang="zh-TW" altLang="en-US" sz="1800" kern="1200" dirty="0" smtClean="0">
-                          <a:solidFill>
-                            <a:schemeClr val="dk1"/>
-                          </a:solidFill>
-                          <a:effectLst/>
-                          <a:latin typeface="+mn-lt"/>
-                          <a:ea typeface="+mn-ea"/>
-                          <a:cs typeface="+mn-cs"/>
-                        </a:rPr>
-                        <a:t>、</a:t>
-                      </a:r>
-                      <a:r>
-                        <a:rPr lang="zh-TW" altLang="zh-TW" sz="1800" kern="1200" dirty="0" smtClean="0">
-                          <a:solidFill>
-                            <a:schemeClr val="dk1"/>
-                          </a:solidFill>
-                          <a:effectLst/>
-                          <a:latin typeface="+mn-lt"/>
-                          <a:ea typeface="+mn-ea"/>
-                          <a:cs typeface="+mn-cs"/>
-                        </a:rPr>
-                        <a:t>建立新的</a:t>
-                      </a:r>
-                      <a:r>
-                        <a:rPr lang="en-US" altLang="zh-TW" sz="1800" kern="1200" dirty="0" smtClean="0">
-                          <a:solidFill>
-                            <a:schemeClr val="dk1"/>
-                          </a:solidFill>
-                          <a:effectLst/>
-                          <a:latin typeface="+mn-lt"/>
-                          <a:ea typeface="+mn-ea"/>
-                          <a:cs typeface="+mn-cs"/>
-                        </a:rPr>
-                        <a:t>login details(TC-15)</a:t>
-                      </a:r>
-                      <a:r>
-                        <a:rPr lang="zh-TW" altLang="en-US" sz="1800" kern="1200" dirty="0" smtClean="0">
-                          <a:solidFill>
-                            <a:schemeClr val="dk1"/>
-                          </a:solidFill>
-                          <a:effectLst/>
-                          <a:latin typeface="+mn-lt"/>
-                          <a:ea typeface="+mn-ea"/>
-                          <a:cs typeface="+mn-cs"/>
-                        </a:rPr>
-                        <a:t>、</a:t>
-                      </a:r>
-                      <a:r>
-                        <a:rPr lang="en-US" altLang="zh-TW" sz="1800" kern="1200" dirty="0" smtClean="0">
-                          <a:solidFill>
-                            <a:schemeClr val="dk1"/>
-                          </a:solidFill>
-                          <a:effectLst/>
-                          <a:latin typeface="+mn-lt"/>
-                          <a:ea typeface="+mn-ea"/>
-                          <a:cs typeface="+mn-cs"/>
-                        </a:rPr>
-                        <a:t>Login detail </a:t>
-                      </a:r>
-                      <a:r>
-                        <a:rPr lang="zh-TW" altLang="zh-TW" sz="1800" kern="1200" dirty="0" smtClean="0">
-                          <a:solidFill>
-                            <a:schemeClr val="dk1"/>
-                          </a:solidFill>
-                          <a:effectLst/>
-                          <a:latin typeface="+mn-lt"/>
-                          <a:ea typeface="+mn-ea"/>
-                          <a:cs typeface="+mn-cs"/>
-                        </a:rPr>
-                        <a:t>內容輸入空白是否可儲存</a:t>
-                      </a:r>
-                      <a:r>
-                        <a:rPr lang="en-US" altLang="zh-TW" sz="1800" kern="1200" dirty="0" smtClean="0">
-                          <a:solidFill>
-                            <a:schemeClr val="dk1"/>
-                          </a:solidFill>
-                          <a:effectLst/>
-                          <a:latin typeface="+mn-lt"/>
-                          <a:ea typeface="+mn-ea"/>
-                          <a:cs typeface="+mn-cs"/>
-                        </a:rPr>
-                        <a:t>(TC-16)</a:t>
-                      </a:r>
-                      <a:r>
-                        <a:rPr lang="zh-TW" altLang="en-US" sz="1800" kern="1200" dirty="0" smtClean="0">
-                          <a:solidFill>
-                            <a:schemeClr val="dk1"/>
-                          </a:solidFill>
-                          <a:effectLst/>
-                          <a:latin typeface="+mn-lt"/>
-                          <a:ea typeface="+mn-ea"/>
-                          <a:cs typeface="+mn-cs"/>
-                        </a:rPr>
-                        <a:t>、</a:t>
-                      </a:r>
-                      <a:r>
-                        <a:rPr lang="zh-TW" altLang="zh-TW" sz="1800" kern="1200" dirty="0" smtClean="0">
-                          <a:solidFill>
-                            <a:schemeClr val="dk1"/>
-                          </a:solidFill>
-                          <a:effectLst/>
-                          <a:latin typeface="+mn-lt"/>
-                          <a:ea typeface="+mn-ea"/>
-                          <a:cs typeface="+mn-cs"/>
-                        </a:rPr>
-                        <a:t>編輯</a:t>
-                      </a:r>
-                      <a:r>
-                        <a:rPr lang="en-US" altLang="zh-TW" sz="1800" kern="1200" dirty="0" smtClean="0">
-                          <a:solidFill>
-                            <a:schemeClr val="dk1"/>
-                          </a:solidFill>
-                          <a:effectLst/>
-                          <a:latin typeface="+mn-lt"/>
-                          <a:ea typeface="+mn-ea"/>
-                          <a:cs typeface="+mn-cs"/>
-                        </a:rPr>
-                        <a:t>login details</a:t>
-                      </a:r>
-                      <a:r>
-                        <a:rPr lang="zh-TW" altLang="zh-TW" sz="1800" kern="1200" dirty="0" smtClean="0">
-                          <a:solidFill>
-                            <a:schemeClr val="dk1"/>
-                          </a:solidFill>
-                          <a:effectLst/>
-                          <a:latin typeface="+mn-lt"/>
-                          <a:ea typeface="+mn-ea"/>
-                          <a:cs typeface="+mn-cs"/>
-                        </a:rPr>
-                        <a:t>內容</a:t>
-                      </a:r>
-                      <a:r>
-                        <a:rPr lang="en-US" altLang="zh-TW" sz="1800" kern="1200" dirty="0" smtClean="0">
-                          <a:solidFill>
-                            <a:schemeClr val="dk1"/>
-                          </a:solidFill>
-                          <a:effectLst/>
-                          <a:latin typeface="+mn-lt"/>
-                          <a:ea typeface="+mn-ea"/>
-                          <a:cs typeface="+mn-cs"/>
-                        </a:rPr>
-                        <a:t>(TC-17)</a:t>
-                      </a:r>
-                      <a:r>
-                        <a:rPr lang="zh-TW" altLang="en-US" sz="1800" kern="1200" dirty="0" smtClean="0">
-                          <a:solidFill>
-                            <a:schemeClr val="dk1"/>
-                          </a:solidFill>
-                          <a:effectLst/>
-                          <a:latin typeface="+mn-lt"/>
-                          <a:ea typeface="+mn-ea"/>
-                          <a:cs typeface="+mn-cs"/>
-                        </a:rPr>
-                        <a:t>、</a:t>
-                      </a:r>
-                      <a:r>
-                        <a:rPr lang="zh-TW" altLang="zh-TW" sz="1800" kern="1200" dirty="0" smtClean="0">
-                          <a:solidFill>
-                            <a:schemeClr val="dk1"/>
-                          </a:solidFill>
-                          <a:effectLst/>
-                          <a:latin typeface="+mn-lt"/>
-                          <a:ea typeface="+mn-ea"/>
-                          <a:cs typeface="+mn-cs"/>
-                        </a:rPr>
-                        <a:t>自動儲存</a:t>
-                      </a:r>
-                      <a:r>
-                        <a:rPr lang="en-US" altLang="zh-TW" sz="1800" kern="1200" dirty="0" smtClean="0">
-                          <a:solidFill>
-                            <a:schemeClr val="dk1"/>
-                          </a:solidFill>
-                          <a:effectLst/>
-                          <a:latin typeface="+mn-lt"/>
-                          <a:ea typeface="+mn-ea"/>
-                          <a:cs typeface="+mn-cs"/>
-                        </a:rPr>
-                        <a:t>note(TC-21)</a:t>
+                        <a:t>(TC-04)</a:t>
                       </a:r>
                       <a:endParaRPr lang="zh-TW" altLang="en-US" dirty="0"/>
                     </a:p>
                   </a:txBody>
                   <a:tcPr/>
                 </a:tc>
-                <a:extLst>
-                  <a:ext uri="{0D108BD9-81ED-4DB2-BD59-A6C34878D82A}">
-                    <a16:rowId xmlns:a16="http://schemas.microsoft.com/office/drawing/2014/main" val="1934292922"/>
-                  </a:ext>
-                </a:extLst>
               </a:tr>
-              <a:tr h="332509">
+              <a:tr h="303200">
                 <a:tc>
                   <a:txBody>
                     <a:bodyPr/>
                     <a:lstStyle/>
                     <a:p>
                       <a:r>
-                        <a:rPr lang="en-US" altLang="zh-TW" sz="1800" kern="1200" dirty="0" smtClean="0">
-                          <a:solidFill>
-                            <a:schemeClr val="dk1"/>
-                          </a:solidFill>
-                          <a:effectLst/>
-                          <a:latin typeface="+mn-lt"/>
-                          <a:ea typeface="+mn-ea"/>
-                          <a:cs typeface="+mn-cs"/>
-                        </a:rPr>
-                        <a:t>Restore the notes</a:t>
+                        <a:rPr lang="zh-TW" altLang="zh-TW" sz="1800" kern="1200" dirty="0" smtClean="0">
+                          <a:solidFill>
+                            <a:schemeClr val="dk1"/>
+                          </a:solidFill>
+                          <a:effectLst/>
+                          <a:latin typeface="+mn-lt"/>
+                          <a:ea typeface="+mn-ea"/>
+                          <a:cs typeface="+mn-cs"/>
+                        </a:rPr>
+                        <a:t>驗證信用卡種類</a:t>
                       </a:r>
                       <a:endParaRPr lang="zh-TW" altLang="en-US" dirty="0"/>
                     </a:p>
@@ -10686,6 +11358,23 @@
                     <a:bodyPr/>
                     <a:lstStyle/>
                     <a:p>
+                      <a:pPr marL="285750" marR="0" lvl="0" indent="-285750" algn="l" defTabSz="457200" rtl="0" eaLnBrk="1" fontAlgn="auto" latinLnBrk="0" hangingPunct="1">
+                        <a:lnSpc>
+                          <a:spcPct val="100000"/>
+                        </a:lnSpc>
+                        <a:spcBef>
+                          <a:spcPts val="0"/>
+                        </a:spcBef>
+                        <a:spcAft>
+                          <a:spcPts val="0"/>
+                        </a:spcAft>
+                        <a:buClrTx/>
+                        <a:buSzTx/>
+                        <a:buFont typeface="Arial" panose="020B0604020202020204" pitchFamily="34" charset="0"/>
+                        <a:buChar char="•"/>
+                        <a:tabLst/>
+                        <a:defRPr/>
+                      </a:pPr>
                       <a:r>
                         <a:rPr lang="zh-TW" altLang="zh-TW" sz="1800" kern="1200" dirty="0" smtClean="0">
                           <a:solidFill>
@@ -10696,7 +11385,7 @@
                           <a:ea typeface="+mn-ea"/>
                           <a:cs typeface="+mn-cs"/>
                         </a:rPr>
-                        <a:t>還原刪除的</a:t>
+                        <a:t>驗證對應信用卡的種類</a:t>
                       </a:r>
                       <a:r>
                         <a:rPr lang="en-US" altLang="zh-TW" sz="1800" kern="1200" dirty="0" smtClean="0">
@@ -10708,20 +11397,14 @@
                           <a:ea typeface="+mn-ea"/>
                           <a:cs typeface="+mn-cs"/>
                         </a:rPr>
-                        <a:t>plain text(TC-10)</a:t>
-                      </a:r>
-                      <a:endParaRPr lang="zh-TW" altLang="en-US" dirty="0"/>
+                        <a:t>(TC-13)</a:t>
+                      </a:r>
                     </a:p>
                   </a:txBody>
                   <a:tcPr/>
                 </a:tc>
-                <a:extLst>
-                  <a:ext uri="{0D108BD9-81ED-4DB2-BD59-A6C34878D82A}">
-                    <a16:rowId xmlns:a16="http://schemas.microsoft.com/office/drawing/2014/main" val="529409630"/>
-                  </a:ext>
-                </a:extLst>
               </a:tr>
-              <a:tr h="581891">
+              <a:tr h="303200">
                 <a:tc>
                   <a:txBody>
                     <a:bodyPr/>
@@ -10737,7 +11420,7 @@
                           <a:ea typeface="+mn-ea"/>
                           <a:cs typeface="+mn-cs"/>
                         </a:rPr>
-                        <a:t>CRUD for tag</a:t>
+                        <a:t>Restore the notes</a:t>
                       </a:r>
                       <a:endParaRPr lang="zh-TW" altLang="en-US" dirty="0"/>
                     </a:p>
@@ -10749,6 +11432,10 @@
                     <a:bodyPr/>
                     <a:lstStyle/>
                     <a:p>
+                      <a:pPr marL="285750" indent="-285750">
+                        <a:buFont typeface="Arial" panose="020B0604020202020204" pitchFamily="34" charset="0"/>
+                        <a:buChar char="•"/>
+                      </a:pPr>
                       <a:r>
                         <a:rPr lang="zh-TW" altLang="zh-TW" sz="1800" kern="1200" dirty="0" smtClean="0">
                           <a:solidFill>
@@ -10759,7 +11446,7 @@
                           <a:ea typeface="+mn-ea"/>
                           <a:cs typeface="+mn-cs"/>
                         </a:rPr>
-                        <a:t>新增</a:t>
+                        <a:t>還原刪除的</a:t>
                       </a:r>
                       <a:r>
                         <a:rPr lang="en-US" altLang="zh-TW" sz="1800" kern="1200" dirty="0" smtClean="0">
@@ -10771,180 +11458,31 @@
                           <a:ea typeface="+mn-ea"/>
                           <a:cs typeface="+mn-cs"/>
                         </a:rPr>
-                        <a:t>tag</a:t>
-                      </a:r>
-                      <a:r>
-                        <a:rPr lang="zh-TW" altLang="zh-TW" sz="1800" kern="1200" dirty="0" smtClean="0">
-                          <a:solidFill>
-                            <a:schemeClr val="dk1"/>
-                          </a:solidFill>
-                          <a:effectLst/>
-                          <a:latin typeface="+mn-lt"/>
-                          <a:ea typeface="+mn-ea"/>
-                          <a:cs typeface="+mn-cs"/>
-                        </a:rPr>
-                        <a:t>分類區</a:t>
-                      </a:r>
-                      <a:r>
-                        <a:rPr lang="en-US" altLang="zh-TW" sz="1800" kern="1200" smtClean="0">
-                          <a:solidFill>
-                            <a:schemeClr val="dk1"/>
-                          </a:solidFill>
-                          <a:effectLst/>
-                          <a:latin typeface="+mn-lt"/>
-                          <a:ea typeface="+mn-ea"/>
-                          <a:cs typeface="+mn-cs"/>
-                        </a:rPr>
-                        <a:t>(TC-18)</a:t>
-                      </a:r>
-                      <a:r>
-                        <a:rPr lang="zh-TW" altLang="en-US" sz="1800" kern="1200" smtClean="0">
-                          <a:solidFill>
-                            <a:schemeClr val="dk1"/>
-                          </a:solidFill>
-                          <a:effectLst/>
-                          <a:latin typeface="+mn-lt"/>
-                          <a:ea typeface="+mn-ea"/>
-                          <a:cs typeface="+mn-cs"/>
-                        </a:rPr>
-                        <a:t>、</a:t>
-                      </a:r>
-                      <a:r>
-                        <a:rPr lang="zh-TW" altLang="zh-TW" sz="1800" kern="1200" smtClean="0">
-                          <a:solidFill>
-                            <a:schemeClr val="dk1"/>
-                          </a:solidFill>
-                          <a:effectLst/>
-                          <a:latin typeface="+mn-lt"/>
-                          <a:ea typeface="+mn-ea"/>
-                          <a:cs typeface="+mn-cs"/>
-                        </a:rPr>
-                        <a:t>刪除</a:t>
-                      </a:r>
-                      <a:r>
-                        <a:rPr lang="en-US" altLang="zh-TW" sz="1800" kern="1200" smtClean="0">
-                          <a:solidFill>
-                            <a:schemeClr val="dk1"/>
-                          </a:solidFill>
-                          <a:effectLst/>
-                          <a:latin typeface="+mn-lt"/>
-                          <a:ea typeface="+mn-ea"/>
-                          <a:cs typeface="+mn-cs"/>
-                        </a:rPr>
-                        <a:t>tag</a:t>
-                      </a:r>
-                      <a:r>
-                        <a:rPr lang="zh-TW" altLang="zh-TW" sz="1800" kern="1200" smtClean="0">
-                          <a:solidFill>
-                            <a:schemeClr val="dk1"/>
-                          </a:solidFill>
-                          <a:effectLst/>
-                          <a:latin typeface="+mn-lt"/>
-                          <a:ea typeface="+mn-ea"/>
-                          <a:cs typeface="+mn-cs"/>
-                        </a:rPr>
-                        <a:t>分類區</a:t>
-                      </a:r>
-                      <a:r>
-                        <a:rPr lang="en-US" altLang="zh-TW" sz="1800" kern="1200" smtClean="0">
-                          <a:solidFill>
-                            <a:schemeClr val="dk1"/>
-                          </a:solidFill>
-                          <a:effectLst/>
-                          <a:latin typeface="+mn-lt"/>
-                          <a:ea typeface="+mn-ea"/>
-                          <a:cs typeface="+mn-cs"/>
-                        </a:rPr>
-                        <a:t>(TC-19)</a:t>
-                      </a:r>
-                      <a:r>
-                        <a:rPr lang="zh-TW" altLang="en-US" sz="1800" kern="1200" smtClean="0">
-                          <a:solidFill>
-                            <a:schemeClr val="dk1"/>
-                          </a:solidFill>
-                          <a:effectLst/>
-                          <a:latin typeface="+mn-lt"/>
-                          <a:ea typeface="+mn-ea"/>
-                          <a:cs typeface="+mn-cs"/>
-                        </a:rPr>
-                        <a:t>、</a:t>
-                      </a:r>
-                      <a:r>
-                        <a:rPr lang="zh-TW" altLang="zh-TW" sz="1800" kern="1200" smtClean="0">
-                          <a:solidFill>
-                            <a:schemeClr val="dk1"/>
-                          </a:solidFill>
-                          <a:effectLst/>
-                          <a:latin typeface="+mn-lt"/>
-                          <a:ea typeface="+mn-ea"/>
-                          <a:cs typeface="+mn-cs"/>
-                        </a:rPr>
-                        <a:t>編輯</a:t>
-                      </a:r>
-                      <a:r>
-                        <a:rPr lang="en-US" altLang="zh-TW" sz="1800" kern="1200" smtClean="0">
-                          <a:solidFill>
-                            <a:schemeClr val="dk1"/>
-                          </a:solidFill>
-                          <a:effectLst/>
-                          <a:latin typeface="+mn-lt"/>
-                          <a:ea typeface="+mn-ea"/>
-                          <a:cs typeface="+mn-cs"/>
-                        </a:rPr>
-                        <a:t>tag</a:t>
-                      </a:r>
-                      <a:r>
-                        <a:rPr lang="zh-TW" altLang="zh-TW" sz="1800" kern="1200" smtClean="0">
-                          <a:solidFill>
-                            <a:schemeClr val="dk1"/>
-                          </a:solidFill>
-                          <a:effectLst/>
-                          <a:latin typeface="+mn-lt"/>
-                          <a:ea typeface="+mn-ea"/>
-                          <a:cs typeface="+mn-cs"/>
-                        </a:rPr>
-                        <a:t>分類區</a:t>
-                      </a:r>
-                      <a:r>
-                        <a:rPr lang="en-US" altLang="zh-TW" sz="1800" kern="1200" smtClean="0">
-                          <a:solidFill>
-                            <a:schemeClr val="dk1"/>
-                          </a:solidFill>
-                          <a:effectLst/>
-                          <a:latin typeface="+mn-lt"/>
-                          <a:ea typeface="+mn-ea"/>
-                          <a:cs typeface="+mn-cs"/>
-                        </a:rPr>
-                        <a:t>(TC-20)</a:t>
+                        <a:t>plain text(TC-10)</a:t>
                       </a:r>
                       <a:endParaRPr lang="zh-TW" altLang="en-US" dirty="0"/>
                     </a:p>
                   </a:txBody>
                   <a:tcPr/>
                 </a:tc>
-                <a:extLst>
-                  <a:ext uri="{0D108BD9-81ED-4DB2-BD59-A6C34878D82A}">
-                    <a16:rowId xmlns:a16="http://schemas.microsoft.com/office/drawing/2014/main" val="4220283937"/>
-                  </a:ext>
-                </a:extLst>
               </a:tr>
-              <a:tr h="332509">
+              <a:tr h="758001">
                 <a:tc>
                   <a:txBody>
                     <a:bodyPr/>
                     <a:lstStyle/>
                     <a:p>
                       <a:r>
-                        <a:rPr lang="zh-TW" altLang="zh-TW" sz="1800" kern="1200" dirty="0" smtClean="0">
-                          <a:solidFill>
-                            <a:schemeClr val="dk1"/>
-                          </a:solidFill>
-                          <a:effectLst/>
-                          <a:latin typeface="+mn-lt"/>
-                          <a:ea typeface="+mn-ea"/>
-                          <a:cs typeface="+mn-cs"/>
-                        </a:rPr>
-                        <a:t>限制螢幕截圖</a:t>
+                        <a:rPr lang="en-US" altLang="zh-TW" sz="1800" kern="1200" dirty="0" smtClean="0">
+                          <a:solidFill>
+                            <a:schemeClr val="dk1"/>
+                          </a:solidFill>
+                          <a:effectLst/>
+                          <a:latin typeface="+mn-lt"/>
+                          <a:ea typeface="+mn-ea"/>
+                          <a:cs typeface="+mn-cs"/>
+                        </a:rPr>
+                        <a:t>CRUD for tag</a:t>
                       </a:r>
                       <a:endParaRPr lang="zh-TW" altLang="en-US" dirty="0"/>
                     </a:p>
@@ -10956,6 +11494,10 @@
                     <a:bodyPr/>
                     <a:lstStyle/>
                     <a:p>
+                      <a:pPr marL="285750" indent="-285750">
+                        <a:buFont typeface="Arial" panose="020B0604020202020204" pitchFamily="34" charset="0"/>
+                        <a:buChar char="•"/>
+                      </a:pPr>
                       <a:r>
                         <a:rPr lang="zh-TW" altLang="zh-TW" sz="1800" kern="1200" dirty="0" smtClean="0">
                           <a:solidFill>
@@ -10966,7 +11508,7 @@
                           <a:ea typeface="+mn-ea"/>
                           <a:cs typeface="+mn-cs"/>
                         </a:rPr>
-                        <a:t>限制截圖</a:t>
+                        <a:t>新增</a:t>
                       </a:r>
                       <a:r>
                         <a:rPr lang="en-US" altLang="zh-TW" sz="1800" kern="1200" dirty="0" smtClean="0">
@@ -10978,20 +11520,147 @@
                           <a:ea typeface="+mn-ea"/>
                           <a:cs typeface="+mn-cs"/>
                         </a:rPr>
-                        <a:t>(TC-24)</a:t>
+                        <a:t>tag</a:t>
+                      </a:r>
+                      <a:r>
+                        <a:rPr lang="zh-TW" altLang="zh-TW" sz="1800" kern="1200" dirty="0" smtClean="0">
+                          <a:solidFill>
+                            <a:schemeClr val="dk1"/>
+                          </a:solidFill>
+                          <a:effectLst/>
+                          <a:latin typeface="+mn-lt"/>
+                          <a:ea typeface="+mn-ea"/>
+                          <a:cs typeface="+mn-cs"/>
+                        </a:rPr>
+                        <a:t>分類區</a:t>
+                      </a:r>
+                      <a:r>
+                        <a:rPr lang="en-US" altLang="zh-TW" sz="1800" kern="1200" dirty="0" smtClean="0">
+                          <a:solidFill>
+                            <a:schemeClr val="dk1"/>
+                          </a:solidFill>
+                          <a:effectLst/>
+                          <a:latin typeface="+mn-lt"/>
+                          <a:ea typeface="+mn-ea"/>
+                          <a:cs typeface="+mn-cs"/>
+                        </a:rPr>
+                        <a:t>(TC-18)</a:t>
+                      </a:r>
+                    </a:p>
+                    <a:p>
+                      <a:pPr marL="285750" indent="-285750">
+                        <a:buFont typeface="Arial" panose="020B0604020202020204" pitchFamily="34" charset="0"/>
+                        <a:buChar char="•"/>
+                      </a:pPr>
+                      <a:r>
+                        <a:rPr lang="zh-TW" altLang="zh-TW" sz="1800" kern="1200" dirty="0" smtClean="0">
+                          <a:solidFill>
+                            <a:schemeClr val="dk1"/>
+                          </a:solidFill>
+                          <a:effectLst/>
+                          <a:latin typeface="+mn-lt"/>
+                          <a:ea typeface="+mn-ea"/>
+                          <a:cs typeface="+mn-cs"/>
+                        </a:rPr>
+                        <a:t>刪除</a:t>
+                      </a:r>
+                      <a:r>
+                        <a:rPr lang="en-US" altLang="zh-TW" sz="1800" kern="1200" dirty="0" smtClean="0">
+                          <a:solidFill>
+                            <a:schemeClr val="dk1"/>
+                          </a:solidFill>
+                          <a:effectLst/>
+                          <a:latin typeface="+mn-lt"/>
+                          <a:ea typeface="+mn-ea"/>
+                          <a:cs typeface="+mn-cs"/>
+                        </a:rPr>
+                        <a:t>tag</a:t>
+                      </a:r>
+                      <a:r>
+                        <a:rPr lang="zh-TW" altLang="zh-TW" sz="1800" kern="1200" dirty="0" smtClean="0">
+                          <a:solidFill>
+                            <a:schemeClr val="dk1"/>
+                          </a:solidFill>
+                          <a:effectLst/>
+                          <a:latin typeface="+mn-lt"/>
+                          <a:ea typeface="+mn-ea"/>
+                          <a:cs typeface="+mn-cs"/>
+                        </a:rPr>
+                        <a:t>分類區</a:t>
+                      </a:r>
+                      <a:r>
+                        <a:rPr lang="en-US" altLang="zh-TW" sz="1800" kern="1200" dirty="0" smtClean="0">
+                          <a:solidFill>
+                            <a:schemeClr val="dk1"/>
+                          </a:solidFill>
+                          <a:effectLst/>
+                          <a:latin typeface="+mn-lt"/>
+                          <a:ea typeface="+mn-ea"/>
+                          <a:cs typeface="+mn-cs"/>
+                        </a:rPr>
+                        <a:t>(TC-19)</a:t>
+                      </a:r>
+                    </a:p>
+                    <a:p>
+                      <a:pPr marL="285750" indent="-285750">
+                        <a:buFont typeface="Arial" panose="020B0604020202020204" pitchFamily="34" charset="0"/>
+                        <a:buChar char="•"/>
+                      </a:pPr>
+                      <a:r>
+                        <a:rPr lang="zh-TW" altLang="zh-TW" sz="1800" kern="1200" dirty="0" smtClean="0">
+                          <a:solidFill>
+                            <a:schemeClr val="dk1"/>
+                          </a:solidFill>
+                          <a:effectLst/>
+                          <a:latin typeface="+mn-lt"/>
+                          <a:ea typeface="+mn-ea"/>
+                          <a:cs typeface="+mn-cs"/>
+                        </a:rPr>
+                        <a:t>編輯</a:t>
+                      </a:r>
+                      <a:r>
+                        <a:rPr lang="en-US" altLang="zh-TW" sz="1800" kern="1200" dirty="0" smtClean="0">
+                          <a:solidFill>
+                            <a:schemeClr val="dk1"/>
+                          </a:solidFill>
+                          <a:effectLst/>
+                          <a:latin typeface="+mn-lt"/>
+                          <a:ea typeface="+mn-ea"/>
+                          <a:cs typeface="+mn-cs"/>
+                        </a:rPr>
+                        <a:t>tag</a:t>
+                      </a:r>
+                      <a:r>
+                        <a:rPr lang="zh-TW" altLang="zh-TW" sz="1800" kern="1200" dirty="0" smtClean="0">
+                          <a:solidFill>
+                            <a:schemeClr val="dk1"/>
+                          </a:solidFill>
+                          <a:effectLst/>
+                          <a:latin typeface="+mn-lt"/>
+                          <a:ea typeface="+mn-ea"/>
+                          <a:cs typeface="+mn-cs"/>
+                        </a:rPr>
+                        <a:t>分類區</a:t>
+                      </a:r>
+                      <a:r>
+                        <a:rPr lang="en-US" altLang="zh-TW" sz="1800" kern="1200" dirty="0" smtClean="0">
+                          <a:solidFill>
+                            <a:schemeClr val="dk1"/>
+                          </a:solidFill>
+                          <a:effectLst/>
+                          <a:latin typeface="+mn-lt"/>
+                          <a:ea typeface="+mn-ea"/>
+                          <a:cs typeface="+mn-cs"/>
+                        </a:rPr>
+                        <a:t>(TC-20)</a:t>
                       </a:r>
                       <a:endParaRPr lang="zh-TW" altLang="en-US" dirty="0"/>
                     </a:p>
                   </a:txBody>
                   <a:tcPr/>
                 </a:tc>
-                <a:extLst>
-                  <a:ext uri="{0D108BD9-81ED-4DB2-BD59-A6C34878D82A}">
-                    <a16:rowId xmlns:a16="http://schemas.microsoft.com/office/drawing/2014/main" val="1232443"/>
-                  </a:ext>
-                </a:extLst>
               </a:tr>
-              <a:tr h="332509">
+              <a:tr h="303200">
                 <a:tc>
                   <a:txBody>
                     <a:bodyPr/>
@@ -11007,7 +11676,7 @@
                           <a:ea typeface="+mn-ea"/>
                           <a:cs typeface="+mn-cs"/>
                         </a:rPr>
-                        <a:t>帳號登出</a:t>
+                        <a:t>限制螢幕截圖</a:t>
                       </a:r>
                       <a:endParaRPr lang="zh-TW" altLang="en-US" dirty="0"/>
                     </a:p>
@@ -11019,6 +11688,22 @@
                     <a:bodyPr/>
                     <a:lstStyle/>
                     <a:p>
+                      <a:pPr marL="285750" indent="-285750">
+                        <a:buFont typeface="Arial" panose="020B0604020202020204" pitchFamily="34" charset="0"/>
+                        <a:buChar char="•"/>
+                      </a:pPr>
+                      <a:r>
+                        <a:rPr lang="zh-TW" altLang="zh-TW" sz="1800" kern="1200" dirty="0" smtClean="0">
+                          <a:solidFill>
+                            <a:schemeClr val="dk1"/>
+                          </a:solidFill>
+                          <a:effectLst/>
+                          <a:latin typeface="+mn-lt"/>
+                          <a:ea typeface="+mn-ea"/>
+                          <a:cs typeface="+mn-cs"/>
+                        </a:rPr>
+                        <a:t>限制截圖</a:t>
+                      </a:r>
                       <a:r>
                         <a:rPr lang="en-US" altLang="zh-TW" sz="1800" kern="1200" dirty="0" smtClean="0">
                           <a:solidFill>
@@ -11029,42 +11714,81 @@
                           <a:ea typeface="+mn-ea"/>
                           <a:cs typeface="+mn-cs"/>
                         </a:rPr>
-                        <a:t>Password timeout(TC-23)</a:t>
-                      </a:r>
-                      <a:r>
-                        <a:rPr lang="zh-TW" altLang="en-US" sz="1800" kern="1200" dirty="0" smtClean="0">
-                          <a:solidFill>
-                            <a:schemeClr val="dk1"/>
-                          </a:solidFill>
-                          <a:effectLst/>
-                          <a:latin typeface="+mn-lt"/>
-                          <a:ea typeface="+mn-ea"/>
-                          <a:cs typeface="+mn-cs"/>
-                        </a:rPr>
-                        <a:t>、</a:t>
-                      </a:r>
-                      <a:r>
-                        <a:rPr lang="en-US" altLang="zh-TW" sz="1800" kern="1200" dirty="0" smtClean="0">
-                          <a:solidFill>
-                            <a:schemeClr val="dk1"/>
-                          </a:solidFill>
-                          <a:effectLst/>
-                          <a:latin typeface="+mn-lt"/>
-                          <a:ea typeface="+mn-ea"/>
-                          <a:cs typeface="+mn-cs"/>
-                        </a:rPr>
-                        <a:t>Logout(TC-25)</a:t>
+                        <a:t>(TC-24)</a:t>
                       </a:r>
                       <a:endParaRPr lang="zh-TW" altLang="en-US" dirty="0"/>
                     </a:p>
                   </a:txBody>
                   <a:tcPr/>
                 </a:tc>
-                <a:extLst>
-                  <a:ext uri="{0D108BD9-81ED-4DB2-BD59-A6C34878D82A}">
-                    <a16:rowId xmlns:a16="http://schemas.microsoft.com/office/drawing/2014/main" val="3598960802"/>
-                  </a:ext>
-                </a:extLst>
+              </a:tr>
+              <a:tr h="303200">
+                <a:tc>
+                  <a:txBody>
+                    <a:bodyPr/>
+                    <a:lstStyle/>
+                    <a:p>
+                      <a:r>
+                        <a:rPr lang="zh-TW" altLang="zh-TW" sz="1800" kern="1200" dirty="0" smtClean="0">
+                          <a:solidFill>
+                            <a:schemeClr val="dk1"/>
+                          </a:solidFill>
+                          <a:effectLst/>
+                          <a:latin typeface="+mn-lt"/>
+                          <a:ea typeface="+mn-ea"/>
+                          <a:cs typeface="+mn-cs"/>
+                        </a:rPr>
+                        <a:t>帳號登出</a:t>
+                      </a:r>
+                      <a:endParaRPr lang="zh-TW" altLang="en-US" dirty="0"/>
+                    </a:p>
+                  </a:txBody>
+                  <a:tcPr/>
+                </a:tc>
+                <a:tc>
+                  <a:txBody>
+                    <a:bodyPr/>
+                    <a:lstStyle/>
+                    <a:p>
+                      <a:pPr marL="285750" indent="-285750">
+                        <a:buFont typeface="Arial" panose="020B0604020202020204" pitchFamily="34" charset="0"/>
+                        <a:buChar char="•"/>
+                      </a:pPr>
+                      <a:r>
+                        <a:rPr lang="en-US" altLang="zh-TW" sz="1800" kern="1200" dirty="0" smtClean="0">
+                          <a:solidFill>
+                            <a:schemeClr val="dk1"/>
+                          </a:solidFill>
+                          <a:effectLst/>
+                          <a:latin typeface="+mn-lt"/>
+                          <a:ea typeface="+mn-ea"/>
+                          <a:cs typeface="+mn-cs"/>
+                        </a:rPr>
+                        <a:t>Password timeout(TC-23)</a:t>
+                      </a:r>
+                    </a:p>
+                    <a:p>
+                      <a:pPr marL="285750" indent="-285750">
+                        <a:buFont typeface="Arial" panose="020B0604020202020204" pitchFamily="34" charset="0"/>
+                        <a:buChar char="•"/>
+                      </a:pPr>
+                      <a:r>
+                        <a:rPr lang="en-US" altLang="zh-TW" sz="1800" kern="1200" dirty="0" smtClean="0">
+                          <a:solidFill>
+                            <a:schemeClr val="dk1"/>
+                          </a:solidFill>
+                          <a:effectLst/>
+                          <a:latin typeface="+mn-lt"/>
+                          <a:ea typeface="+mn-ea"/>
+                          <a:cs typeface="+mn-cs"/>
+                        </a:rPr>
+                        <a:t>Logout(TC-25)</a:t>
+                      </a:r>
+                      <a:endParaRPr lang="zh-TW" altLang="en-US" dirty="0"/>
+                    </a:p>
+                  </a:txBody>
+                  <a:tcPr/>
+                </a:tc>
               </a:tr>
             </a:tbl>
           </a:graphicData>
@@ -11114,6 +11838,97 @@
                                           </p:stCondLst>
                                         </p:cTn>
                                         <p:tgtEl>
+                                          <p:spTgt spid="6"/>
+                                        </p:tgtEl>
+                                        <p:attrNameLst>
+                                          <p:attrName>style.visibility</p:attrName>
+                                        </p:attrNameLst>
+                                      </p:cBhvr>
+                                      <p:to>
+                                        <p:strVal val="visible"/>
+                                      </p:to>
+                                    </p:set>
+                                    <p:anim calcmode="lin" valueType="num">
+                                      <p:cBhvr additive="base">
+                                        <p:cTn id="7" dur="500" fill="hold"/>
+                                        <p:tgtEl>
+                                          <p:spTgt spid="6"/>
+                                        </p:tgtEl>
+                                        <p:attrNameLst>
+                                          <p:attrName>ppt_x</p:attrName>
+                                        </p:attrNameLst>
+                                      </p:cBhvr>
+                                      <p:tavLst>
+                                        <p:tav tm="0">
+                                          <p:val>
+                                            <p:strVal val="#ppt_x"/>
+                                          </p:val>
+                                        </p:tav>
+                                        <p:tav tm="100000">
+                                          <p:val>
+                                            <p:strVal val="#ppt_x"/>
+                                          </p:val>
+                                        </p:tav>
+                                      </p:tavLst>
+                                    </p:anim>
+                                    <p:anim calcmode="lin" valueType="num">
+                                      <p:cBhvr additive="base">
+                                        <p:cTn id="8" dur="500" fill="hold"/>
+                                        <p:tgtEl>
+                                          <p:spTgt spid="6"/>
+                                        </p:tgtEl>
+                                        <p:attrNameLst>
+                                          <p:attrName>ppt_y</p:attrName>
+                                        </p:attrNameLst>
+                                      </p:cBhvr>
+                                      <p:tavLst>
+                                        <p:tav tm="0">
+                                          <p:val>
+                                            <p:strVal val="1+#ppt_h/2"/>
+                                          </p:val>
+                                        </p:tav>
+                                        <p:tav tm="100000">
+                                          <p:val>
+                                            <p:strVal val="#ppt_y"/>
+                                          </p:val>
+                                        </p:tav>
+                                      </p:tavLst>
+                                    </p:anim>
+                                  </p:childTnLst>
+                                </p:cTn>
+                              </p:par>
+                            </p:childTnLst>
+                          </p:cTn>
+                        </p:par>
+                      </p:childTnLst>
+                    </p:cTn>
+                  </p:par>
+                  <p:par>
+                    <p:cTn id="9" fill="hold">
+                      <p:stCondLst>
+                        <p:cond delay="indefinite"/>
+                      </p:stCondLst>
+                      <p:childTnLst>
+                        <p:par>
+                          <p:cTn id="10" fill="hold">
+                            <p:stCondLst>
+                              <p:cond delay="0"/>
+                            </p:stCondLst>
+                            <p:childTnLst>
+                              <p:par>
+                                <p:cTn id="11" presetID="2" presetClass="entr" presetSubtype="4" fill="hold" nodeType="clickEffect">
+                                  <p:stCondLst>
+                                    <p:cond delay="0"/>
+                                  </p:stCondLst>
+                                  <p:childTnLst>
+                                    <p:set>
+                                      <p:cBhvr>
+                                        <p:cTn id="12" dur="1" fill="hold">
+                                          <p:stCondLst>
+                                            <p:cond delay="0"/>
+                                          </p:stCondLst>
+                                        </p:cTn>
+                                        <p:tgtEl>
                                           <p:spTgt spid="5"/>
                                         </p:tgtEl>
                                         <p:attrNameLst>
@@ -11126,7 +11941,7 @@
                                     </p:set>
                                     <p:anim calcmode="lin" valueType="num">
                                       <p:cBhvr additive="base">
-                                        <p:cTn id="7" dur="500" fill="hold"/>
+                                        <p:cTn id="13" dur="500" fill="hold"/>
                                         <p:tgtEl>
                                           <p:spTgt spid="5"/>
                                         </p:tgtEl>
@@ -11149,7 +11964,7 @@
                                     </p:anim>
                                     <p:anim calcmode="lin" valueType="num">
                                       <p:cBhvr additive="base">
-                                        <p:cTn id="8" dur="500" fill="hold"/>
+                                        <p:cTn id="14" dur="500" fill="hold"/>
                                         <p:tgtEl>
                                           <p:spTgt spid="5"/>
                                         </p:tgtEl>
@@ -11204,7 +12019,7 @@
 </p:sld>
 </file>
 
-<file path=ppt/slides/slide5.xml><?xml version="1.0" encoding="utf-8"?>
+<file path=ppt/slides/slide7.xml><?xml version="1.0" encoding="utf-8"?>
 <p:sld xmlns:a="http://schemas.openxmlformats.org/drawingml/2006/main" xmlns:r="http://schemas.openxmlformats.org/officeDocument/2006/relationships" xmlns:p="http://schemas.openxmlformats.org/presentationml/2006/main">
   <p:cSld>
     <p:spTree>
@@ -11284,36 +12099,6 @@
           </a:prstGeom>
         </p:spPr>
       </p:pic>
-      <p:pic>
-        <p:nvPicPr>
-          <p:cNvPr id="7" name="圖片 6"/>
-          <p:cNvPicPr>
-            <a:picLocks noChangeAspect="1"/>
-          </p:cNvPicPr>
-          <p:nvPr/>
-        </p:nvPicPr>
-        <p:blipFill>
-          <a:blip r:embed="rId3">
-            <a:extLst>
-              <a:ext uri="{28A0092B-C50C-407E-A947-70E740481C1C}">
-                <a14:useLocalDpi xmlns:a14="http://schemas.microsoft.com/office/drawing/2010/main" val="0"/>
-              </a:ext>
-            </a:extLst>
-          </a:blip>
-          <a:stretch>
-            <a:fillRect/>
-          </a:stretch>
-        </p:blipFill>
-        <p:spPr>
-          <a:xfrm>
-            <a:off x="8383602" y="2631836"/>
-            <a:ext cx="2113917" cy="1913095"/>
-          </a:xfrm>
-          <a:prstGeom prst="rect">
-            <a:avLst/>
-          </a:prstGeom>
-        </p:spPr>
-      </p:pic>
       <p:sp>
         <p:nvSpPr>
           <p:cNvPr id="8" name="文字方塊 7"/>
@@ -11322,8 +12107,8 @@
         </p:nvSpPr>
         <p:spPr>
           <a:xfrm>
-            <a:off x="8637845" y="4534338"/>
-            <a:ext cx="1696994" cy="369332"/>
+            <a:off x="8140695" y="5070196"/>
+            <a:ext cx="2414854" cy="369332"/>
           </a:xfrm>
           <a:prstGeom prst="rect">
             <a:avLst/>
@@ -11338,12 +12123,36 @@
           <a:p>
             <a:r>
               <a:rPr lang="en-US" altLang="zh-TW" dirty="0" smtClean="0"/>
-              <a:t>WebDriver</a:t>
+              <a:t>Robot Framework</a:t>
             </a:r>
             <a:endParaRPr lang="zh-TW" altLang="en-US" dirty="0"/>
           </a:p>
         </p:txBody>
       </p:sp>
+      <p:pic>
+        <p:nvPicPr>
+          <p:cNvPr id="4" name="圖片 3"/>
+          <p:cNvPicPr>
+            <a:picLocks noChangeAspect="1"/>
+          </p:cNvPicPr>
+          <p:nvPr/>
+        </p:nvPicPr>
+        <p:blipFill>
+          <a:blip r:embed="rId3"/>
+          <a:stretch>
+            <a:fillRect/>
+          </a:stretch>
+        </p:blipFill>
+        <p:spPr>
+          <a:xfrm>
+            <a:off x="8077414" y="1844027"/>
+            <a:ext cx="2257425" cy="3114675"/>
+          </a:xfrm>
+          <a:prstGeom prst="rect">
+            <a:avLst/>
+          </a:prstGeom>
+        </p:spPr>
+      </p:pic>
     </p:spTree>
     <p:extLst>
       <p:ext uri="{BB962C8B-B14F-4D97-AF65-F5344CB8AC3E}">
@@ -11364,7 +12173,7 @@
 </p:sld>
 </file>
 
-<file path=ppt/slides/slide6.xml><?xml version="1.0" encoding="utf-8"?>
+<file path=ppt/slides/slide8.xml><?xml version="1.0" encoding="utf-8"?>
 <p:sld xmlns:a="http://schemas.openxmlformats.org/drawingml/2006/main" xmlns:r="http://schemas.openxmlformats.org/officeDocument/2006/relationships" xmlns:p="http://schemas.openxmlformats.org/presentationml/2006/main">
   <p:cSld>
     <p:spTree>
@@ -11458,164 +12267,6 @@
 </p:sld>
 </file>
 
-<file path=ppt/slides/slide7.xml><?xml version="1.0" encoding="utf-8"?>
-<p:sld xmlns:a="http://schemas.openxmlformats.org/drawingml/2006/main" xmlns:r="http://schemas.openxmlformats.org/officeDocument/2006/relationships" xmlns:p="http://schemas.openxmlformats.org/presentationml/2006/main">
-  <p:cSld>
-    <p:spTree>
-      <p:nvGrpSpPr>
-        <p:cNvPr id="1" name=""/>
-        <p:cNvGrpSpPr/>
-        <p:nvPr/>
-      </p:nvGrpSpPr>
-      <p:grpSpPr>
-        <a:xfrm>
-          <a:off x="0" y="0"/>
-          <a:ext cx="0" cy="0"/>
-          <a:chOff x="0" y="0"/>
-          <a:chExt cx="0" cy="0"/>
-        </a:xfrm>
-      </p:grpSpPr>
-      <p:sp>
-        <p:nvSpPr>
-          <p:cNvPr id="2" name="標題 1"/>
-          <p:cNvSpPr>
-            <a:spLocks noGrp="1"/>
-          </p:cNvSpPr>
-          <p:nvPr>
-            <p:ph type="title"/>
-          </p:nvPr>
-        </p:nvSpPr>
-        <p:spPr/>
-        <p:txBody>
-          <a:bodyPr/>
-          <a:lstStyle/>
-          <a:p>
-            <a:r>
-              <a:rPr lang="en-US" altLang="zh-TW" dirty="0" smtClean="0"/>
-              <a:t>Live Demo</a:t>
-            </a:r>
-            <a:endParaRPr lang="zh-TW" altLang="en-US" dirty="0"/>
-          </a:p>
-        </p:txBody>
-      </p:sp>
-      <p:sp>
-        <p:nvSpPr>
-          <p:cNvPr id="3" name="內容版面配置區 2"/>
-          <p:cNvSpPr>
-            <a:spLocks noGrp="1"/>
-          </p:cNvSpPr>
-          <p:nvPr>
-            <p:ph idx="1"/>
-          </p:nvPr>
-        </p:nvSpPr>
-        <p:spPr/>
-        <p:txBody>
-          <a:bodyPr/>
-          <a:lstStyle/>
-          <a:p>
-            <a:endParaRPr lang="zh-TW" altLang="en-US"/>
-          </a:p>
-        </p:txBody>
-      </p:sp>
-    </p:spTree>
-    <p:extLst>
-      <p:ext uri="{BB962C8B-B14F-4D97-AF65-F5344CB8AC3E}">
-        <p14:creationId xmlns:p14="http://schemas.microsoft.com/office/powerpoint/2010/main" val="1098398752"/>
-      </p:ext>
-    </p:extLst>
-  </p:cSld>
-  <p:clrMapOvr>
-    <a:masterClrMapping/>
-  </p:clrMapOvr>
-  <p:timing>
-    <p:tnLst>
-      <p:par>
-        <p:cTn id="1" dur="indefinite" restart="never" nodeType="tmRoot"/>
-      </p:par>
-    </p:tnLst>
-  </p:timing>
-</p:sld>
-</file>
-
-<file path=ppt/slides/slide8.xml><?xml version="1.0" encoding="utf-8"?>
-<p:sld xmlns:a="http://schemas.openxmlformats.org/drawingml/2006/main" xmlns:r="http://schemas.openxmlformats.org/officeDocument/2006/relationships" xmlns:p="http://schemas.openxmlformats.org/presentationml/2006/main">
-  <p:cSld>
-    <p:spTree>
-      <p:nvGrpSpPr>
-        <p:cNvPr id="1" name=""/>
-        <p:cNvGrpSpPr/>
-        <p:nvPr/>
-      </p:nvGrpSpPr>
-      <p:grpSpPr>
-        <a:xfrm>
-          <a:off x="0" y="0"/>
-          <a:ext cx="0" cy="0"/>
-          <a:chOff x="0" y="0"/>
-          <a:chExt cx="0" cy="0"/>
-        </a:xfrm>
-      </p:grpSpPr>
-      <p:sp>
-        <p:nvSpPr>
-          <p:cNvPr id="2" name="標題 1"/>
-          <p:cNvSpPr>
-            <a:spLocks noGrp="1"/>
-          </p:cNvSpPr>
-          <p:nvPr>
-            <p:ph type="title"/>
-          </p:nvPr>
-        </p:nvSpPr>
-        <p:spPr/>
-        <p:txBody>
-          <a:bodyPr/>
-          <a:lstStyle/>
-          <a:p>
-            <a:r>
-              <a:rPr lang="en-US" altLang="zh-TW" dirty="0" smtClean="0"/>
-              <a:t>Test results</a:t>
-            </a:r>
-            <a:endParaRPr lang="zh-TW" altLang="en-US" dirty="0"/>
-          </a:p>
-        </p:txBody>
-      </p:sp>
-      <p:sp>
-        <p:nvSpPr>
-          <p:cNvPr id="3" name="內容版面配置區 2"/>
-          <p:cNvSpPr>
-            <a:spLocks noGrp="1"/>
-          </p:cNvSpPr>
-          <p:nvPr>
-            <p:ph idx="1"/>
-          </p:nvPr>
-        </p:nvSpPr>
-        <p:spPr/>
-        <p:txBody>
-          <a:bodyPr/>
-          <a:lstStyle/>
-          <a:p>
-            <a:endParaRPr lang="zh-TW" altLang="en-US"/>
-          </a:p>
-        </p:txBody>
-      </p:sp>
-    </p:spTree>
-    <p:extLst>
-      <p:ext uri="{BB962C8B-B14F-4D97-AF65-F5344CB8AC3E}">
-        <p14:creationId xmlns:p14="http://schemas.microsoft.com/office/powerpoint/2010/main" val="2492890543"/>
-      </p:ext>
-    </p:extLst>
-  </p:cSld>
-  <p:clrMapOvr>
-    <a:masterClrMapping/>
-  </p:clrMapOvr>
-  <p:timing>
-    <p:tnLst>
-      <p:par>
-        <p:cTn id="1" dur="indefinite" restart="never" nodeType="tmRoot"/>
-      </p:par>
-    </p:tnLst>
-  </p:timing>
-</p:sld>
-</file>
-
 <file path=ppt/slides/slide9.xml><?xml version="1.0" encoding="utf-8"?>
 <p:sld xmlns:a="http://schemas.openxmlformats.org/drawingml/2006/main" xmlns:r="http://schemas.openxmlformats.org/officeDocument/2006/relationships" xmlns:p="http://schemas.openxmlformats.org/presentationml/2006/main">
   <p:cSld>
@@ -11649,16 +12300,8 @@
           <a:lstStyle/>
           <a:p>
             <a:r>
-              <a:rPr lang="en-US" altLang="zh-TW" dirty="0"/>
-              <a:t>Pass/Fail recommendation of the </a:t>
-            </a:r>
-            <a:r>
-              <a:rPr lang="en-US" altLang="zh-TW" u="sng" dirty="0"/>
-              <a:t>items under test</a:t>
-            </a:r>
-            <a:r>
-              <a:rPr lang="en-US" altLang="zh-TW" dirty="0"/>
-              <a:t> based on your own criteria</a:t>
+              <a:rPr lang="en-US" altLang="zh-TW" dirty="0" smtClean="0"/>
+              <a:t>Live Demo</a:t>
             </a:r>
             <a:endParaRPr lang="zh-TW" altLang="en-US" dirty="0"/>
           </a:p>
@@ -11686,7 +12329,7 @@
     </p:spTree>
     <p:extLst>
       <p:ext uri="{BB962C8B-B14F-4D97-AF65-F5344CB8AC3E}">
-        <p14:creationId xmlns:p14="http://schemas.microsoft.com/office/powerpoint/2010/main" val="548397985"/>
+        <p14:creationId xmlns:p14="http://schemas.microsoft.com/office/powerpoint/2010/main" val="1098398752"/>
       </p:ext>
     </p:extLst>
   </p:cSld>

--- a/document/Final.pptx
+++ b/document/Final.pptx
@@ -311,7 +311,7 @@
           <a:p>
             <a:fld id="{A112272E-704C-4300-89E2-8B5BC6379786}" type="datetimeFigureOut">
               <a:rPr lang="zh-TW" altLang="en-US" smtClean="0"/>
-              <a:t>2017/6/19</a:t>
+              <a:t>2017/6/20</a:t>
             </a:fld>
             <a:endParaRPr lang="zh-TW" altLang="en-US"/>
           </a:p>
@@ -649,7 +649,7 @@
           <a:p>
             <a:fld id="{A112272E-704C-4300-89E2-8B5BC6379786}" type="datetimeFigureOut">
               <a:rPr lang="zh-TW" altLang="en-US" smtClean="0"/>
-              <a:t>2017/6/19</a:t>
+              <a:t>2017/6/20</a:t>
             </a:fld>
             <a:endParaRPr lang="zh-TW" altLang="en-US"/>
           </a:p>
@@ -1050,7 +1050,7 @@
           <a:p>
             <a:fld id="{A112272E-704C-4300-89E2-8B5BC6379786}" type="datetimeFigureOut">
               <a:rPr lang="zh-TW" altLang="en-US" smtClean="0"/>
-              <a:t>2017/6/19</a:t>
+              <a:t>2017/6/20</a:t>
             </a:fld>
             <a:endParaRPr lang="zh-TW" altLang="en-US"/>
           </a:p>
@@ -1386,7 +1386,7 @@
           <a:p>
             <a:fld id="{A112272E-704C-4300-89E2-8B5BC6379786}" type="datetimeFigureOut">
               <a:rPr lang="zh-TW" altLang="en-US" smtClean="0"/>
-              <a:t>2017/6/19</a:t>
+              <a:t>2017/6/20</a:t>
             </a:fld>
             <a:endParaRPr lang="zh-TW" altLang="en-US"/>
           </a:p>
@@ -1706,7 +1706,7 @@
           <a:p>
             <a:fld id="{A112272E-704C-4300-89E2-8B5BC6379786}" type="datetimeFigureOut">
               <a:rPr lang="zh-TW" altLang="en-US" smtClean="0"/>
-              <a:t>2017/6/19</a:t>
+              <a:t>2017/6/20</a:t>
             </a:fld>
             <a:endParaRPr lang="zh-TW" altLang="en-US"/>
           </a:p>
@@ -2102,7 +2102,7 @@
           <a:p>
             <a:fld id="{A112272E-704C-4300-89E2-8B5BC6379786}" type="datetimeFigureOut">
               <a:rPr lang="zh-TW" altLang="en-US" smtClean="0"/>
-              <a:t>2017/6/19</a:t>
+              <a:t>2017/6/20</a:t>
             </a:fld>
             <a:endParaRPr lang="zh-TW" altLang="en-US"/>
           </a:p>
@@ -2359,7 +2359,7 @@
           <a:p>
             <a:fld id="{A112272E-704C-4300-89E2-8B5BC6379786}" type="datetimeFigureOut">
               <a:rPr lang="zh-TW" altLang="en-US" smtClean="0"/>
-              <a:t>2017/6/19</a:t>
+              <a:t>2017/6/20</a:t>
             </a:fld>
             <a:endParaRPr lang="zh-TW" altLang="en-US"/>
           </a:p>
@@ -2621,7 +2621,7 @@
           <a:p>
             <a:fld id="{A112272E-704C-4300-89E2-8B5BC6379786}" type="datetimeFigureOut">
               <a:rPr lang="zh-TW" altLang="en-US" smtClean="0"/>
-              <a:t>2017/6/19</a:t>
+              <a:t>2017/6/20</a:t>
             </a:fld>
             <a:endParaRPr lang="zh-TW" altLang="en-US"/>
           </a:p>
@@ -2883,7 +2883,7 @@
           <a:p>
             <a:fld id="{A112272E-704C-4300-89E2-8B5BC6379786}" type="datetimeFigureOut">
               <a:rPr lang="zh-TW" altLang="en-US" smtClean="0"/>
-              <a:t>2017/6/19</a:t>
+              <a:t>2017/6/20</a:t>
             </a:fld>
             <a:endParaRPr lang="zh-TW" altLang="en-US"/>
           </a:p>
@@ -3212,7 +3212,7 @@
           <a:p>
             <a:fld id="{A112272E-704C-4300-89E2-8B5BC6379786}" type="datetimeFigureOut">
               <a:rPr lang="zh-TW" altLang="en-US" smtClean="0"/>
-              <a:t>2017/6/19</a:t>
+              <a:t>2017/6/20</a:t>
             </a:fld>
             <a:endParaRPr lang="zh-TW" altLang="en-US"/>
           </a:p>
@@ -3535,7 +3535,7 @@
           <a:p>
             <a:fld id="{A112272E-704C-4300-89E2-8B5BC6379786}" type="datetimeFigureOut">
               <a:rPr lang="zh-TW" altLang="en-US" smtClean="0"/>
-              <a:t>2017/6/19</a:t>
+              <a:t>2017/6/20</a:t>
             </a:fld>
             <a:endParaRPr lang="zh-TW" altLang="en-US"/>
           </a:p>
@@ -3992,7 +3992,7 @@
           <a:p>
             <a:fld id="{A112272E-704C-4300-89E2-8B5BC6379786}" type="datetimeFigureOut">
               <a:rPr lang="zh-TW" altLang="en-US" smtClean="0"/>
-              <a:t>2017/6/19</a:t>
+              <a:t>2017/6/20</a:t>
             </a:fld>
             <a:endParaRPr lang="zh-TW" altLang="en-US"/>
           </a:p>
@@ -4197,7 +4197,7 @@
           <a:p>
             <a:fld id="{A112272E-704C-4300-89E2-8B5BC6379786}" type="datetimeFigureOut">
               <a:rPr lang="zh-TW" altLang="en-US" smtClean="0"/>
-              <a:t>2017/6/19</a:t>
+              <a:t>2017/6/20</a:t>
             </a:fld>
             <a:endParaRPr lang="zh-TW" altLang="en-US"/>
           </a:p>
@@ -4374,7 +4374,7 @@
           <a:p>
             <a:fld id="{A112272E-704C-4300-89E2-8B5BC6379786}" type="datetimeFigureOut">
               <a:rPr lang="zh-TW" altLang="en-US" smtClean="0"/>
-              <a:t>2017/6/19</a:t>
+              <a:t>2017/6/20</a:t>
             </a:fld>
             <a:endParaRPr lang="zh-TW" altLang="en-US"/>
           </a:p>
@@ -4707,7 +4707,7 @@
           <a:p>
             <a:fld id="{A112272E-704C-4300-89E2-8B5BC6379786}" type="datetimeFigureOut">
               <a:rPr lang="zh-TW" altLang="en-US" smtClean="0"/>
-              <a:t>2017/6/19</a:t>
+              <a:t>2017/6/20</a:t>
             </a:fld>
             <a:endParaRPr lang="zh-TW" altLang="en-US"/>
           </a:p>
@@ -5052,7 +5052,7 @@
           <a:p>
             <a:fld id="{A112272E-704C-4300-89E2-8B5BC6379786}" type="datetimeFigureOut">
               <a:rPr lang="zh-TW" altLang="en-US" smtClean="0"/>
-              <a:t>2017/6/19</a:t>
+              <a:t>2017/6/20</a:t>
             </a:fld>
             <a:endParaRPr lang="zh-TW" altLang="en-US"/>
           </a:p>
@@ -7169,7 +7169,7 @@
           <a:p>
             <a:fld id="{A112272E-704C-4300-89E2-8B5BC6379786}" type="datetimeFigureOut">
               <a:rPr lang="zh-TW" altLang="en-US" smtClean="0"/>
-              <a:t>2017/6/19</a:t>
+              <a:t>2017/6/20</a:t>
             </a:fld>
             <a:endParaRPr lang="zh-TW" altLang="en-US"/>
           </a:p>
@@ -7984,7 +7984,83 @@
           <a:bodyPr/>
           <a:lstStyle/>
           <a:p>
-            <a:endParaRPr lang="zh-TW" altLang="en-US"/>
+            <a:r>
+              <a:rPr lang="zh-TW" altLang="zh-TW" dirty="0"/>
+              <a:t>測試通過的條件包含以下兩點，必須兩點都被滿足，此</a:t>
+            </a:r>
+            <a:r>
+              <a:rPr lang="en-US" altLang="zh-TW" dirty="0"/>
+              <a:t>Feature</a:t>
+            </a:r>
+            <a:r>
+              <a:rPr lang="zh-TW" altLang="zh-TW" dirty="0"/>
+              <a:t>的測試才算是通過。</a:t>
+            </a:r>
+          </a:p>
+          <a:p>
+            <a:pPr lvl="0"/>
+            <a:r>
+              <a:rPr lang="zh-TW" altLang="zh-TW" dirty="0"/>
+              <a:t>依照</a:t>
+            </a:r>
+            <a:r>
+              <a:rPr lang="en-US" altLang="zh-TW" dirty="0"/>
+              <a:t>Use Case</a:t>
+            </a:r>
+            <a:r>
+              <a:rPr lang="zh-TW" altLang="zh-TW" dirty="0"/>
+              <a:t>以及</a:t>
+            </a:r>
+            <a:r>
+              <a:rPr lang="en-US" altLang="zh-TW" dirty="0"/>
+              <a:t>Activity diagram</a:t>
+            </a:r>
+            <a:r>
+              <a:rPr lang="zh-TW" altLang="zh-TW" dirty="0"/>
+              <a:t>規劃出的測試案例，應該要全部測試通過。</a:t>
+            </a:r>
+          </a:p>
+          <a:p>
+            <a:pPr lvl="0"/>
+            <a:r>
+              <a:rPr lang="en-US" altLang="zh-TW" smtClean="0"/>
+              <a:t>Robot framework</a:t>
+            </a:r>
+            <a:r>
+              <a:rPr lang="zh-TW" altLang="zh-TW" smtClean="0"/>
+              <a:t>的</a:t>
+            </a:r>
+            <a:r>
+              <a:rPr lang="zh-TW" altLang="zh-TW" dirty="0"/>
+              <a:t>測試腳本</a:t>
+            </a:r>
+            <a:r>
+              <a:rPr lang="en-US" altLang="zh-TW" dirty="0"/>
+              <a:t>(</a:t>
+            </a:r>
+            <a:r>
+              <a:rPr lang="zh-TW" altLang="zh-TW" dirty="0"/>
+              <a:t>根據</a:t>
+            </a:r>
+            <a:r>
+              <a:rPr lang="en-US" altLang="zh-TW" dirty="0"/>
+              <a:t>Use Case</a:t>
+            </a:r>
+            <a:r>
+              <a:rPr lang="zh-TW" altLang="zh-TW" dirty="0"/>
+              <a:t>設計而來</a:t>
+            </a:r>
+            <a:r>
+              <a:rPr lang="en-US" altLang="zh-TW" dirty="0"/>
+              <a:t>)</a:t>
+            </a:r>
+            <a:r>
+              <a:rPr lang="zh-TW" altLang="zh-TW" dirty="0"/>
+              <a:t>全部測試通過，並產生相關報表。</a:t>
+            </a:r>
+          </a:p>
+          <a:p>
+            <a:endParaRPr lang="zh-TW" altLang="en-US" dirty="0"/>
           </a:p>
         </p:txBody>
       </p:sp>
@@ -8081,21 +8157,21 @@
                 <a:gridCol w="2971800">
                   <a:extLst>
                     <a:ext uri="{9D8B030D-6E8A-4147-A177-3AD203B41FA5}">
-                      <a16:colId xmlns="" xmlns:a16="http://schemas.microsoft.com/office/drawing/2014/main" val="3240625493"/>
+                      <a16:colId xmlns:a16="http://schemas.microsoft.com/office/drawing/2014/main" val="3240625493"/>
                     </a:ext>
                   </a:extLst>
                 </a:gridCol>
                 <a:gridCol w="2971800">
                   <a:extLst>
                     <a:ext uri="{9D8B030D-6E8A-4147-A177-3AD203B41FA5}">
-                      <a16:colId xmlns="" xmlns:a16="http://schemas.microsoft.com/office/drawing/2014/main" val="3357027883"/>
+                      <a16:colId xmlns:a16="http://schemas.microsoft.com/office/drawing/2014/main" val="3357027883"/>
                     </a:ext>
                   </a:extLst>
                 </a:gridCol>
                 <a:gridCol w="2971800">
                   <a:extLst>
                     <a:ext uri="{9D8B030D-6E8A-4147-A177-3AD203B41FA5}">
-                      <a16:colId xmlns="" xmlns:a16="http://schemas.microsoft.com/office/drawing/2014/main" val="534445414"/>
+                      <a16:colId xmlns:a16="http://schemas.microsoft.com/office/drawing/2014/main" val="534445414"/>
                     </a:ext>
                   </a:extLst>
                 </a:gridCol>
@@ -8169,7 +8245,7 @@
                 </a:tc>
                 <a:extLst>
                   <a:ext uri="{0D108BD9-81ED-4DB2-BD59-A6C34878D82A}">
-                    <a16:rowId xmlns="" xmlns:a16="http://schemas.microsoft.com/office/drawing/2014/main" val="2576637211"/>
+                    <a16:rowId xmlns:a16="http://schemas.microsoft.com/office/drawing/2014/main" val="2576637211"/>
                   </a:ext>
                 </a:extLst>
               </a:tr>
@@ -8282,7 +8358,7 @@
                 </a:tc>
                 <a:extLst>
                   <a:ext uri="{0D108BD9-81ED-4DB2-BD59-A6C34878D82A}">
-                    <a16:rowId xmlns="" xmlns:a16="http://schemas.microsoft.com/office/drawing/2014/main" val="1347732259"/>
+                    <a16:rowId xmlns:a16="http://schemas.microsoft.com/office/drawing/2014/main" val="1347732259"/>
                   </a:ext>
                 </a:extLst>
               </a:tr>
@@ -8395,7 +8471,7 @@
                 </a:tc>
                 <a:extLst>
                   <a:ext uri="{0D108BD9-81ED-4DB2-BD59-A6C34878D82A}">
-                    <a16:rowId xmlns="" xmlns:a16="http://schemas.microsoft.com/office/drawing/2014/main" val="156724185"/>
+                    <a16:rowId xmlns:a16="http://schemas.microsoft.com/office/drawing/2014/main" val="156724185"/>
                   </a:ext>
                 </a:extLst>
               </a:tr>
@@ -8508,7 +8584,7 @@
                 </a:tc>
                 <a:extLst>
                   <a:ext uri="{0D108BD9-81ED-4DB2-BD59-A6C34878D82A}">
-                    <a16:rowId xmlns="" xmlns:a16="http://schemas.microsoft.com/office/drawing/2014/main" val="2720529649"/>
+                    <a16:rowId xmlns:a16="http://schemas.microsoft.com/office/drawing/2014/main" val="2720529649"/>
                   </a:ext>
                 </a:extLst>
               </a:tr>
@@ -8621,7 +8697,7 @@
                 </a:tc>
                 <a:extLst>
                   <a:ext uri="{0D108BD9-81ED-4DB2-BD59-A6C34878D82A}">
-                    <a16:rowId xmlns="" xmlns:a16="http://schemas.microsoft.com/office/drawing/2014/main" val="3934511420"/>
+                    <a16:rowId xmlns:a16="http://schemas.microsoft.com/office/drawing/2014/main" val="3934511420"/>
                   </a:ext>
                 </a:extLst>
               </a:tr>
@@ -8734,7 +8810,7 @@
                 </a:tc>
                 <a:extLst>
                   <a:ext uri="{0D108BD9-81ED-4DB2-BD59-A6C34878D82A}">
-                    <a16:rowId xmlns="" xmlns:a16="http://schemas.microsoft.com/office/drawing/2014/main" val="1513613273"/>
+                    <a16:rowId xmlns:a16="http://schemas.microsoft.com/office/drawing/2014/main" val="1513613273"/>
                   </a:ext>
                 </a:extLst>
               </a:tr>
@@ -8847,7 +8923,7 @@
                 </a:tc>
                 <a:extLst>
                   <a:ext uri="{0D108BD9-81ED-4DB2-BD59-A6C34878D82A}">
-                    <a16:rowId xmlns="" xmlns:a16="http://schemas.microsoft.com/office/drawing/2014/main" val="2298647015"/>
+                    <a16:rowId xmlns:a16="http://schemas.microsoft.com/office/drawing/2014/main" val="2298647015"/>
                   </a:ext>
                 </a:extLst>
               </a:tr>
@@ -8960,7 +9036,7 @@
                 </a:tc>
                 <a:extLst>
                   <a:ext uri="{0D108BD9-81ED-4DB2-BD59-A6C34878D82A}">
-                    <a16:rowId xmlns="" xmlns:a16="http://schemas.microsoft.com/office/drawing/2014/main" val="397875540"/>
+                    <a16:rowId xmlns:a16="http://schemas.microsoft.com/office/drawing/2014/main" val="397875540"/>
                   </a:ext>
                 </a:extLst>
               </a:tr>
@@ -9073,7 +9149,7 @@
                 </a:tc>
                 <a:extLst>
                   <a:ext uri="{0D108BD9-81ED-4DB2-BD59-A6C34878D82A}">
-                    <a16:rowId xmlns="" xmlns:a16="http://schemas.microsoft.com/office/drawing/2014/main" val="814172181"/>
+                    <a16:rowId xmlns:a16="http://schemas.microsoft.com/office/drawing/2014/main" val="814172181"/>
                   </a:ext>
                 </a:extLst>
               </a:tr>
@@ -9186,7 +9262,7 @@
                 </a:tc>
                 <a:extLst>
                   <a:ext uri="{0D108BD9-81ED-4DB2-BD59-A6C34878D82A}">
-                    <a16:rowId xmlns="" xmlns:a16="http://schemas.microsoft.com/office/drawing/2014/main" val="4107466637"/>
+                    <a16:rowId xmlns:a16="http://schemas.microsoft.com/office/drawing/2014/main" val="4107466637"/>
                   </a:ext>
                 </a:extLst>
               </a:tr>
@@ -9299,7 +9375,7 @@
                 </a:tc>
                 <a:extLst>
                   <a:ext uri="{0D108BD9-81ED-4DB2-BD59-A6C34878D82A}">
-                    <a16:rowId xmlns="" xmlns:a16="http://schemas.microsoft.com/office/drawing/2014/main" val="3451173611"/>
+                    <a16:rowId xmlns:a16="http://schemas.microsoft.com/office/drawing/2014/main" val="3451173611"/>
                   </a:ext>
                 </a:extLst>
               </a:tr>
@@ -9412,7 +9488,7 @@
                 </a:tc>
                 <a:extLst>
                   <a:ext uri="{0D108BD9-81ED-4DB2-BD59-A6C34878D82A}">
-                    <a16:rowId xmlns="" xmlns:a16="http://schemas.microsoft.com/office/drawing/2014/main" val="283843702"/>
+                    <a16:rowId xmlns:a16="http://schemas.microsoft.com/office/drawing/2014/main" val="283843702"/>
                   </a:ext>
                 </a:extLst>
               </a:tr>
@@ -9529,7 +9605,7 @@
                 </a:tc>
                 <a:extLst>
                   <a:ext uri="{0D108BD9-81ED-4DB2-BD59-A6C34878D82A}">
-                    <a16:rowId xmlns="" xmlns:a16="http://schemas.microsoft.com/office/drawing/2014/main" val="1026196477"/>
+                    <a16:rowId xmlns:a16="http://schemas.microsoft.com/office/drawing/2014/main" val="1026196477"/>
                   </a:ext>
                 </a:extLst>
               </a:tr>
@@ -9566,7 +9642,7 @@
                 </a:tc>
                 <a:extLst>
                   <a:ext uri="{0D108BD9-81ED-4DB2-BD59-A6C34878D82A}">
-                    <a16:rowId xmlns="" xmlns:a16="http://schemas.microsoft.com/office/drawing/2014/main" val="984264468"/>
+                    <a16:rowId xmlns:a16="http://schemas.microsoft.com/office/drawing/2014/main" val="984264468"/>
                   </a:ext>
                 </a:extLst>
               </a:tr>
@@ -10502,14 +10578,14 @@
                 <a:gridCol w="1986415">
                   <a:extLst>
                     <a:ext uri="{9D8B030D-6E8A-4147-A177-3AD203B41FA5}">
-                      <a16:colId xmlns="" xmlns:a16="http://schemas.microsoft.com/office/drawing/2014/main" val="336114895"/>
+                      <a16:colId xmlns:a16="http://schemas.microsoft.com/office/drawing/2014/main" val="336114895"/>
                     </a:ext>
                   </a:extLst>
                 </a:gridCol>
                 <a:gridCol w="3972830">
                   <a:extLst>
                     <a:ext uri="{9D8B030D-6E8A-4147-A177-3AD203B41FA5}">
-                      <a16:colId xmlns="" xmlns:a16="http://schemas.microsoft.com/office/drawing/2014/main" val="2287306844"/>
+                      <a16:colId xmlns:a16="http://schemas.microsoft.com/office/drawing/2014/main" val="2287306844"/>
                     </a:ext>
                   </a:extLst>
                 </a:gridCol>
@@ -10545,7 +10621,7 @@
                 </a:tc>
                 <a:extLst>
                   <a:ext uri="{0D108BD9-81ED-4DB2-BD59-A6C34878D82A}">
-                    <a16:rowId xmlns="" xmlns:a16="http://schemas.microsoft.com/office/drawing/2014/main" val="2660652712"/>
+                    <a16:rowId xmlns:a16="http://schemas.microsoft.com/office/drawing/2014/main" val="2660652712"/>
                   </a:ext>
                 </a:extLst>
               </a:tr>
@@ -11020,7 +11096,7 @@
                 </a:tc>
                 <a:extLst>
                   <a:ext uri="{0D108BD9-81ED-4DB2-BD59-A6C34878D82A}">
-                    <a16:rowId xmlns="" xmlns:a16="http://schemas.microsoft.com/office/drawing/2014/main" val="1934292922"/>
+                    <a16:rowId xmlns:a16="http://schemas.microsoft.com/office/drawing/2014/main" val="1934292922"/>
                   </a:ext>
                 </a:extLst>
               </a:tr>
@@ -11053,8 +11129,20 @@
                 <a:tableStyleId>{5C22544A-7EE6-4342-B048-85BDC9FD1C3A}</a:tableStyleId>
               </a:tblPr>
               <a:tblGrid>
-                <a:gridCol w="1923413"/>
-                <a:gridCol w="3846828"/>
+                <a:gridCol w="1923413">
+                  <a:extLst>
+                    <a:ext uri="{9D8B030D-6E8A-4147-A177-3AD203B41FA5}">
+                      <a16:colId xmlns:a16="http://schemas.microsoft.com/office/drawing/2014/main" val="20000"/>
+                    </a:ext>
+                  </a:extLst>
+                </a:gridCol>
+                <a:gridCol w="3846828">
+                  <a:extLst>
+                    <a:ext uri="{9D8B030D-6E8A-4147-A177-3AD203B41FA5}">
+                      <a16:colId xmlns:a16="http://schemas.microsoft.com/office/drawing/2014/main" val="20001"/>
+                    </a:ext>
+                  </a:extLst>
+                </a:gridCol>
               </a:tblGrid>
               <a:tr h="303200">
                 <a:tc>
@@ -11085,6 +11173,11 @@
                   </a:txBody>
                   <a:tcPr/>
                 </a:tc>
+                <a:extLst>
+                  <a:ext uri="{0D108BD9-81ED-4DB2-BD59-A6C34878D82A}">
+                    <a16:rowId xmlns:a16="http://schemas.microsoft.com/office/drawing/2014/main" val="10000"/>
+                  </a:ext>
+                </a:extLst>
               </a:tr>
               <a:tr h="530601">
                 <a:tc>
@@ -11165,6 +11258,11 @@
                   </a:txBody>
                   <a:tcPr/>
                 </a:tc>
+                <a:extLst>
+                  <a:ext uri="{0D108BD9-81ED-4DB2-BD59-A6C34878D82A}">
+                    <a16:rowId xmlns:a16="http://schemas.microsoft.com/office/drawing/2014/main" val="10001"/>
+                  </a:ext>
+                </a:extLst>
               </a:tr>
               <a:tr h="985401">
                 <a:tc>
@@ -11329,6 +11427,11 @@
                   </a:txBody>
                   <a:tcPr/>
                 </a:tc>
+                <a:extLst>
+                  <a:ext uri="{0D108BD9-81ED-4DB2-BD59-A6C34878D82A}">
+                    <a16:rowId xmlns:a16="http://schemas.microsoft.com/office/drawing/2014/main" val="10002"/>
+                  </a:ext>
+                </a:extLst>
               </a:tr>
               <a:tr h="303200">
                 <a:tc>
@@ -11403,6 +11506,11 @@
                   </a:txBody>
                   <a:tcPr/>
                 </a:tc>
+                <a:extLst>
+                  <a:ext uri="{0D108BD9-81ED-4DB2-BD59-A6C34878D82A}">
+                    <a16:rowId xmlns:a16="http://schemas.microsoft.com/office/drawing/2014/main" val="10003"/>
+                  </a:ext>
+                </a:extLst>
               </a:tr>
               <a:tr h="303200">
                 <a:tc>
@@ -11465,6 +11573,11 @@
                   </a:txBody>
                   <a:tcPr/>
                 </a:tc>
+                <a:extLst>
+                  <a:ext uri="{0D108BD9-81ED-4DB2-BD59-A6C34878D82A}">
+                    <a16:rowId xmlns:a16="http://schemas.microsoft.com/office/drawing/2014/main" val="10004"/>
+                  </a:ext>
+                </a:extLst>
               </a:tr>
               <a:tr h="758001">
                 <a:tc>
@@ -11659,6 +11772,11 @@
                   </a:txBody>
                   <a:tcPr/>
                 </a:tc>
+                <a:extLst>
+                  <a:ext uri="{0D108BD9-81ED-4DB2-BD59-A6C34878D82A}">
+                    <a16:rowId xmlns:a16="http://schemas.microsoft.com/office/drawing/2014/main" val="10005"/>
+                  </a:ext>
+                </a:extLst>
               </a:tr>
               <a:tr h="303200">
                 <a:tc>
@@ -11721,6 +11839,11 @@
                   </a:txBody>
                   <a:tcPr/>
                 </a:tc>
+                <a:extLst>
+                  <a:ext uri="{0D108BD9-81ED-4DB2-BD59-A6C34878D82A}">
+                    <a16:rowId xmlns:a16="http://schemas.microsoft.com/office/drawing/2014/main" val="10006"/>
+                  </a:ext>
+                </a:extLst>
               </a:tr>
               <a:tr h="303200">
                 <a:tc>
@@ -11789,6 +11912,11 @@
                   </a:txBody>
                   <a:tcPr/>
                 </a:tc>
+                <a:extLst>
+                  <a:ext uri="{0D108BD9-81ED-4DB2-BD59-A6C34878D82A}">
+                    <a16:rowId xmlns:a16="http://schemas.microsoft.com/office/drawing/2014/main" val="10007"/>
+                  </a:ext>
+                </a:extLst>
               </a:tr>
             </a:tbl>
           </a:graphicData>

--- a/document/Final.pptx
+++ b/document/Final.pptx
@@ -7869,7 +7869,12 @@
             <p:ph type="title"/>
           </p:nvPr>
         </p:nvSpPr>
-        <p:spPr/>
+        <p:spPr>
+          <a:xfrm>
+            <a:off x="2069224" y="624110"/>
+            <a:ext cx="8911687" cy="1280890"/>
+          </a:xfrm>
+        </p:spPr>
         <p:txBody>
           <a:bodyPr/>
           <a:lstStyle/>
@@ -7882,25 +7887,54 @@
           </a:p>
         </p:txBody>
       </p:sp>
-      <p:sp>
-        <p:nvSpPr>
-          <p:cNvPr id="3" name="內容版面配置區 2"/>
-          <p:cNvSpPr>
-            <a:spLocks noGrp="1"/>
-          </p:cNvSpPr>
-          <p:nvPr>
-            <p:ph idx="1"/>
-          </p:nvPr>
-        </p:nvSpPr>
-        <p:spPr/>
-        <p:txBody>
-          <a:bodyPr/>
-          <a:lstStyle/>
-          <a:p>
-            <a:endParaRPr lang="zh-TW" altLang="en-US"/>
-          </a:p>
-        </p:txBody>
-      </p:sp>
+      <p:pic>
+        <p:nvPicPr>
+          <p:cNvPr id="6" name="圖片 5"/>
+          <p:cNvPicPr>
+            <a:picLocks noChangeAspect="1"/>
+          </p:cNvPicPr>
+          <p:nvPr/>
+        </p:nvPicPr>
+        <p:blipFill>
+          <a:blip r:embed="rId2"/>
+          <a:stretch>
+            <a:fillRect/>
+          </a:stretch>
+        </p:blipFill>
+        <p:spPr>
+          <a:xfrm>
+            <a:off x="602980" y="1741528"/>
+            <a:ext cx="6324805" cy="4561765"/>
+          </a:xfrm>
+          <a:prstGeom prst="rect">
+            <a:avLst/>
+          </a:prstGeom>
+        </p:spPr>
+      </p:pic>
+      <p:pic>
+        <p:nvPicPr>
+          <p:cNvPr id="7" name="圖片 6"/>
+          <p:cNvPicPr>
+            <a:picLocks noChangeAspect="1"/>
+          </p:cNvPicPr>
+          <p:nvPr/>
+        </p:nvPicPr>
+        <p:blipFill>
+          <a:blip r:embed="rId3"/>
+          <a:stretch>
+            <a:fillRect/>
+          </a:stretch>
+        </p:blipFill>
+        <p:spPr>
+          <a:xfrm>
+            <a:off x="7218898" y="2133600"/>
+            <a:ext cx="4285714" cy="3819048"/>
+          </a:xfrm>
+          <a:prstGeom prst="rect">
+            <a:avLst/>
+          </a:prstGeom>
+        </p:spPr>
+      </p:pic>
     </p:spTree>
     <p:extLst>
       <p:ext uri="{BB962C8B-B14F-4D97-AF65-F5344CB8AC3E}">
@@ -7948,22 +7982,20 @@
             <p:ph type="title"/>
           </p:nvPr>
         </p:nvSpPr>
-        <p:spPr/>
+        <p:spPr>
+          <a:xfrm>
+            <a:off x="2527069" y="599172"/>
+            <a:ext cx="7780713" cy="1280890"/>
+          </a:xfrm>
+        </p:spPr>
         <p:txBody>
           <a:bodyPr/>
           <a:lstStyle/>
           <a:p>
+            <a:pPr algn="ctr"/>
             <a:r>
               <a:rPr lang="en-US" altLang="zh-TW" dirty="0"/>
-              <a:t>Pass/Fail recommendation of the </a:t>
-            </a:r>
-            <a:r>
-              <a:rPr lang="en-US" altLang="zh-TW" u="sng" dirty="0"/>
-              <a:t>items under test</a:t>
-            </a:r>
-            <a:r>
-              <a:rPr lang="en-US" altLang="zh-TW" dirty="0"/>
-              <a:t> based on your own criteria</a:t>
+              <a:t>Pass/Fail recommendation of the items under test </a:t>
             </a:r>
             <a:endParaRPr lang="zh-TW" altLang="en-US" dirty="0"/>
           </a:p>
@@ -8023,11 +8055,11 @@
           <a:p>
             <a:pPr lvl="0"/>
             <a:r>
-              <a:rPr lang="en-US" altLang="zh-TW" smtClean="0"/>
+              <a:rPr lang="en-US" altLang="zh-TW" dirty="0" smtClean="0"/>
               <a:t>Robot framework</a:t>
             </a:r>
             <a:r>
-              <a:rPr lang="zh-TW" altLang="zh-TW" smtClean="0"/>
+              <a:rPr lang="zh-TW" altLang="zh-TW" dirty="0" smtClean="0"/>
               <a:t>的</a:t>
             </a:r>
             <a:r>
@@ -9811,7 +9843,12 @@
             <p:ph type="title"/>
           </p:nvPr>
         </p:nvSpPr>
-        <p:spPr/>
+        <p:spPr>
+          <a:xfrm>
+            <a:off x="2135725" y="590859"/>
+            <a:ext cx="8911687" cy="1280890"/>
+          </a:xfrm>
+        </p:spPr>
         <p:txBody>
           <a:bodyPr/>
           <a:lstStyle/>
@@ -9938,7 +9975,12 @@
             <p:ph type="title"/>
           </p:nvPr>
         </p:nvSpPr>
-        <p:spPr/>
+        <p:spPr>
+          <a:xfrm>
+            <a:off x="2140079" y="574234"/>
+            <a:ext cx="8911687" cy="1280890"/>
+          </a:xfrm>
+        </p:spPr>
         <p:txBody>
           <a:bodyPr/>
           <a:lstStyle/>
@@ -10118,7 +10160,12 @@
             <p:ph type="title"/>
           </p:nvPr>
         </p:nvSpPr>
-        <p:spPr/>
+        <p:spPr>
+          <a:xfrm>
+            <a:off x="2218852" y="624110"/>
+            <a:ext cx="8911687" cy="1280890"/>
+          </a:xfrm>
+        </p:spPr>
         <p:txBody>
           <a:bodyPr/>
           <a:lstStyle/>
@@ -10220,7 +10267,7 @@
         </p:nvSpPr>
         <p:spPr>
           <a:xfrm>
-            <a:off x="2592925" y="624110"/>
+            <a:off x="2135725" y="599172"/>
             <a:ext cx="8911687" cy="1280890"/>
           </a:xfrm>
         </p:spPr>
@@ -12328,7 +12375,12 @@
             <p:ph type="title"/>
           </p:nvPr>
         </p:nvSpPr>
-        <p:spPr/>
+        <p:spPr>
+          <a:xfrm>
+            <a:off x="2152351" y="624110"/>
+            <a:ext cx="8911687" cy="1280890"/>
+          </a:xfrm>
+        </p:spPr>
         <p:txBody>
           <a:bodyPr/>
           <a:lstStyle/>
@@ -12422,7 +12474,12 @@
             <p:ph type="title"/>
           </p:nvPr>
         </p:nvSpPr>
-        <p:spPr/>
+        <p:spPr>
+          <a:xfrm>
+            <a:off x="2135725" y="607485"/>
+            <a:ext cx="8911687" cy="1280890"/>
+          </a:xfrm>
+        </p:spPr>
         <p:txBody>
           <a:bodyPr/>
           <a:lstStyle/>
@@ -12450,7 +12507,7 @@
           <a:bodyPr/>
           <a:lstStyle/>
           <a:p>
-            <a:endParaRPr lang="zh-TW" altLang="en-US"/>
+            <a:endParaRPr lang="zh-TW" altLang="en-US" dirty="0"/>
           </a:p>
         </p:txBody>
       </p:sp>

--- a/document/Final.pptx
+++ b/document/Final.pptx
@@ -6,17 +6,18 @@
   </p:sldMasterIdLst>
   <p:sldIdLst>
     <p:sldId id="257" r:id="rId2"/>
-    <p:sldId id="274" r:id="rId3"/>
-    <p:sldId id="275" r:id="rId4"/>
-    <p:sldId id="283" r:id="rId5"/>
-    <p:sldId id="284" r:id="rId6"/>
-    <p:sldId id="276" r:id="rId7"/>
-    <p:sldId id="273" r:id="rId8"/>
-    <p:sldId id="277" r:id="rId9"/>
-    <p:sldId id="278" r:id="rId10"/>
-    <p:sldId id="279" r:id="rId11"/>
-    <p:sldId id="281" r:id="rId12"/>
-    <p:sldId id="282" r:id="rId13"/>
+    <p:sldId id="285" r:id="rId3"/>
+    <p:sldId id="274" r:id="rId4"/>
+    <p:sldId id="275" r:id="rId5"/>
+    <p:sldId id="283" r:id="rId6"/>
+    <p:sldId id="284" r:id="rId7"/>
+    <p:sldId id="276" r:id="rId8"/>
+    <p:sldId id="273" r:id="rId9"/>
+    <p:sldId id="277" r:id="rId10"/>
+    <p:sldId id="278" r:id="rId11"/>
+    <p:sldId id="279" r:id="rId12"/>
+    <p:sldId id="281" r:id="rId13"/>
+    <p:sldId id="282" r:id="rId14"/>
   </p:sldIdLst>
   <p:sldSz cx="12192000" cy="6858000"/>
   <p:notesSz cx="6858000" cy="9144000"/>
@@ -7871,6 +7872,90 @@
         </p:nvSpPr>
         <p:spPr>
           <a:xfrm>
+            <a:off x="2135725" y="607485"/>
+            <a:ext cx="8911687" cy="1280890"/>
+          </a:xfrm>
+        </p:spPr>
+        <p:txBody>
+          <a:bodyPr/>
+          <a:lstStyle/>
+          <a:p>
+            <a:r>
+              <a:rPr lang="en-US" altLang="zh-TW" dirty="0" smtClean="0"/>
+              <a:t>Live Demo</a:t>
+            </a:r>
+            <a:endParaRPr lang="zh-TW" altLang="en-US" dirty="0"/>
+          </a:p>
+        </p:txBody>
+      </p:sp>
+      <p:sp>
+        <p:nvSpPr>
+          <p:cNvPr id="3" name="內容版面配置區 2"/>
+          <p:cNvSpPr>
+            <a:spLocks noGrp="1"/>
+          </p:cNvSpPr>
+          <p:nvPr>
+            <p:ph idx="1"/>
+          </p:nvPr>
+        </p:nvSpPr>
+        <p:spPr/>
+        <p:txBody>
+          <a:bodyPr/>
+          <a:lstStyle/>
+          <a:p>
+            <a:endParaRPr lang="zh-TW" altLang="en-US" dirty="0"/>
+          </a:p>
+        </p:txBody>
+      </p:sp>
+    </p:spTree>
+    <p:extLst>
+      <p:ext uri="{BB962C8B-B14F-4D97-AF65-F5344CB8AC3E}">
+        <p14:creationId xmlns:p14="http://schemas.microsoft.com/office/powerpoint/2010/main" val="1098398752"/>
+      </p:ext>
+    </p:extLst>
+  </p:cSld>
+  <p:clrMapOvr>
+    <a:masterClrMapping/>
+  </p:clrMapOvr>
+  <p:timing>
+    <p:tnLst>
+      <p:par>
+        <p:cTn id="1" dur="indefinite" restart="never" nodeType="tmRoot"/>
+      </p:par>
+    </p:tnLst>
+  </p:timing>
+</p:sld>
+</file>
+
+<file path=ppt/slides/slide11.xml><?xml version="1.0" encoding="utf-8"?>
+<p:sld xmlns:a="http://schemas.openxmlformats.org/drawingml/2006/main" xmlns:r="http://schemas.openxmlformats.org/officeDocument/2006/relationships" xmlns:p="http://schemas.openxmlformats.org/presentationml/2006/main">
+  <p:cSld>
+    <p:spTree>
+      <p:nvGrpSpPr>
+        <p:cNvPr id="1" name=""/>
+        <p:cNvGrpSpPr/>
+        <p:nvPr/>
+      </p:nvGrpSpPr>
+      <p:grpSpPr>
+        <a:xfrm>
+          <a:off x="0" y="0"/>
+          <a:ext cx="0" cy="0"/>
+          <a:chOff x="0" y="0"/>
+          <a:chExt cx="0" cy="0"/>
+        </a:xfrm>
+      </p:grpSpPr>
+      <p:sp>
+        <p:nvSpPr>
+          <p:cNvPr id="2" name="標題 1"/>
+          <p:cNvSpPr>
+            <a:spLocks noGrp="1"/>
+          </p:cNvSpPr>
+          <p:nvPr>
+            <p:ph type="title"/>
+          </p:nvPr>
+        </p:nvSpPr>
+        <p:spPr>
+          <a:xfrm>
             <a:off x="2069224" y="624110"/>
             <a:ext cx="8911687" cy="1280890"/>
           </a:xfrm>
@@ -7955,7 +8040,7 @@
 </p:sld>
 </file>
 
-<file path=ppt/slides/slide11.xml><?xml version="1.0" encoding="utf-8"?>
+<file path=ppt/slides/slide12.xml><?xml version="1.0" encoding="utf-8"?>
 <p:sld xmlns:a="http://schemas.openxmlformats.org/drawingml/2006/main" xmlns:r="http://schemas.openxmlformats.org/officeDocument/2006/relationships" xmlns:p="http://schemas.openxmlformats.org/presentationml/2006/main">
   <p:cSld>
     <p:spTree>
@@ -8116,7 +8201,7 @@
 </p:sld>
 </file>
 
-<file path=ppt/slides/slide12.xml><?xml version="1.0" encoding="utf-8"?>
+<file path=ppt/slides/slide13.xml><?xml version="1.0" encoding="utf-8"?>
 <p:sld xmlns:a="http://schemas.openxmlformats.org/drawingml/2006/main" xmlns:r="http://schemas.openxmlformats.org/officeDocument/2006/relationships" xmlns:p="http://schemas.openxmlformats.org/presentationml/2006/main">
   <p:cSld>
     <p:spTree>
@@ -9843,19 +9928,14 @@
             <p:ph type="title"/>
           </p:nvPr>
         </p:nvSpPr>
-        <p:spPr>
-          <a:xfrm>
-            <a:off x="2135725" y="590859"/>
-            <a:ext cx="8911687" cy="1280890"/>
-          </a:xfrm>
-        </p:spPr>
+        <p:spPr/>
         <p:txBody>
           <a:bodyPr/>
           <a:lstStyle/>
           <a:p>
             <a:r>
               <a:rPr lang="en-US" altLang="zh-TW" dirty="0" smtClean="0"/>
-              <a:t>Test Criteria</a:t>
+              <a:t>OUTLINE</a:t>
             </a:r>
             <a:endParaRPr lang="zh-TW" altLang="en-US" dirty="0"/>
           </a:p>
@@ -9873,65 +9953,86 @@
         </p:nvSpPr>
         <p:spPr>
           <a:xfrm>
-            <a:off x="1773382" y="2507673"/>
-            <a:ext cx="9481848" cy="4179404"/>
+            <a:off x="1957444" y="1784466"/>
+            <a:ext cx="8915400" cy="3777622"/>
           </a:xfrm>
         </p:spPr>
         <p:txBody>
           <a:bodyPr>
-            <a:normAutofit/>
+            <a:noAutofit/>
           </a:bodyPr>
           <a:lstStyle/>
           <a:p>
-            <a:pPr marL="0" indent="0" algn="ctr">
-              <a:buNone/>
-            </a:pPr>
-            <a:r>
-              <a:rPr lang="zh-TW" altLang="en-US" sz="3600" dirty="0" smtClean="0">
-                <a:latin typeface="+mj-ea"/>
-                <a:ea typeface="+mj-ea"/>
-              </a:rPr>
-              <a:t>在通過</a:t>
-            </a:r>
-            <a:r>
-              <a:rPr lang="en-US" altLang="zh-TW" sz="3600" dirty="0" smtClean="0">
-                <a:latin typeface="+mj-ea"/>
-                <a:ea typeface="+mj-ea"/>
-              </a:rPr>
-              <a:t>Precondition(</a:t>
-            </a:r>
-            <a:r>
-              <a:rPr lang="zh-TW" altLang="en-US" sz="3600" dirty="0" smtClean="0">
-                <a:latin typeface="+mj-ea"/>
-                <a:ea typeface="+mj-ea"/>
-              </a:rPr>
-              <a:t>成功登入系統</a:t>
-            </a:r>
-            <a:r>
-              <a:rPr lang="en-US" altLang="zh-TW" sz="3600" dirty="0" smtClean="0">
-                <a:latin typeface="+mj-ea"/>
-                <a:ea typeface="+mj-ea"/>
-              </a:rPr>
-              <a:t>)</a:t>
-            </a:r>
-            <a:r>
-              <a:rPr lang="zh-TW" altLang="en-US" sz="3600" dirty="0" smtClean="0">
-                <a:latin typeface="+mj-ea"/>
-                <a:ea typeface="+mj-ea"/>
-              </a:rPr>
-              <a:t>的情況下，通過所有的測試腳本，才算完成此測試</a:t>
-            </a:r>
-            <a:endParaRPr lang="zh-TW" altLang="en-US" sz="3600" dirty="0">
-              <a:latin typeface="+mj-ea"/>
-              <a:ea typeface="+mj-ea"/>
-            </a:endParaRPr>
+            <a:r>
+              <a:rPr lang="en-US" altLang="zh-TW" sz="2400" dirty="0" smtClean="0"/>
+              <a:t>Test Criteria</a:t>
+            </a:r>
+          </a:p>
+          <a:p>
+            <a:r>
+              <a:rPr lang="en-US" altLang="zh-TW" sz="2400" dirty="0" smtClean="0"/>
+              <a:t>Test Method</a:t>
+            </a:r>
+          </a:p>
+          <a:p>
+            <a:r>
+              <a:rPr lang="en-US" altLang="zh-TW" sz="2400" dirty="0"/>
+              <a:t>Feature to be tested and test </a:t>
+            </a:r>
+            <a:r>
+              <a:rPr lang="en-US" altLang="zh-TW" sz="2400" dirty="0" smtClean="0"/>
+              <a:t>cases</a:t>
+            </a:r>
+          </a:p>
+          <a:p>
+            <a:r>
+              <a:rPr lang="en-US" altLang="zh-TW" sz="2400" dirty="0"/>
+              <a:t>Test </a:t>
+            </a:r>
+            <a:r>
+              <a:rPr lang="en-US" altLang="zh-TW" sz="2400" dirty="0" smtClean="0"/>
+              <a:t>Tool</a:t>
+            </a:r>
+          </a:p>
+          <a:p>
+            <a:r>
+              <a:rPr lang="en-US" altLang="zh-TW" sz="2400" dirty="0"/>
+              <a:t>Sample test case</a:t>
+            </a:r>
+            <a:endParaRPr lang="en-US" altLang="zh-TW" sz="2400" dirty="0" smtClean="0"/>
+          </a:p>
+          <a:p>
+            <a:r>
+              <a:rPr lang="en-US" altLang="zh-TW" sz="2400" dirty="0" smtClean="0"/>
+              <a:t>Live Demo</a:t>
+            </a:r>
+          </a:p>
+          <a:p>
+            <a:r>
+              <a:rPr lang="en-US" altLang="zh-TW" sz="2400" dirty="0" smtClean="0"/>
+              <a:t>Test results</a:t>
+            </a:r>
+          </a:p>
+          <a:p>
+            <a:r>
+              <a:rPr lang="en-US" altLang="zh-TW" sz="2400" dirty="0"/>
+              <a:t>Pass/Fail recommendation of the items under test </a:t>
+            </a:r>
+            <a:endParaRPr lang="en-US" altLang="zh-TW" sz="2400" dirty="0" smtClean="0"/>
+          </a:p>
+          <a:p>
+            <a:r>
+              <a:rPr lang="en-US" altLang="zh-TW" sz="2400" dirty="0"/>
+              <a:t>Team member contributions</a:t>
+            </a:r>
+            <a:endParaRPr lang="zh-TW" altLang="en-US" sz="2400" dirty="0"/>
           </a:p>
         </p:txBody>
       </p:sp>
     </p:spTree>
     <p:extLst>
       <p:ext uri="{BB962C8B-B14F-4D97-AF65-F5344CB8AC3E}">
-        <p14:creationId xmlns:p14="http://schemas.microsoft.com/office/powerpoint/2010/main" val="2036751706"/>
+        <p14:creationId xmlns:p14="http://schemas.microsoft.com/office/powerpoint/2010/main" val="730891934"/>
       </p:ext>
     </p:extLst>
   </p:cSld>
@@ -9977,6 +10078,138 @@
         </p:nvSpPr>
         <p:spPr>
           <a:xfrm>
+            <a:off x="2135725" y="590859"/>
+            <a:ext cx="8911687" cy="1280890"/>
+          </a:xfrm>
+        </p:spPr>
+        <p:txBody>
+          <a:bodyPr/>
+          <a:lstStyle/>
+          <a:p>
+            <a:r>
+              <a:rPr lang="en-US" altLang="zh-TW" dirty="0" smtClean="0"/>
+              <a:t>Test Criteria</a:t>
+            </a:r>
+            <a:endParaRPr lang="zh-TW" altLang="en-US" dirty="0"/>
+          </a:p>
+        </p:txBody>
+      </p:sp>
+      <p:sp>
+        <p:nvSpPr>
+          <p:cNvPr id="3" name="內容版面配置區 2"/>
+          <p:cNvSpPr>
+            <a:spLocks noGrp="1"/>
+          </p:cNvSpPr>
+          <p:nvPr>
+            <p:ph idx="1"/>
+          </p:nvPr>
+        </p:nvSpPr>
+        <p:spPr>
+          <a:xfrm>
+            <a:off x="1773382" y="2507673"/>
+            <a:ext cx="9481848" cy="4179404"/>
+          </a:xfrm>
+        </p:spPr>
+        <p:txBody>
+          <a:bodyPr>
+            <a:normAutofit/>
+          </a:bodyPr>
+          <a:lstStyle/>
+          <a:p>
+            <a:pPr marL="0" indent="0" algn="ctr">
+              <a:buNone/>
+            </a:pPr>
+            <a:r>
+              <a:rPr lang="zh-TW" altLang="en-US" sz="3600" dirty="0" smtClean="0">
+                <a:latin typeface="+mj-ea"/>
+                <a:ea typeface="+mj-ea"/>
+              </a:rPr>
+              <a:t>在通過</a:t>
+            </a:r>
+            <a:r>
+              <a:rPr lang="en-US" altLang="zh-TW" sz="3600" dirty="0" smtClean="0">
+                <a:latin typeface="+mj-ea"/>
+                <a:ea typeface="+mj-ea"/>
+              </a:rPr>
+              <a:t>Precondition(</a:t>
+            </a:r>
+            <a:r>
+              <a:rPr lang="zh-TW" altLang="en-US" sz="3600" dirty="0" smtClean="0">
+                <a:latin typeface="+mj-ea"/>
+                <a:ea typeface="+mj-ea"/>
+              </a:rPr>
+              <a:t>成功登入系統</a:t>
+            </a:r>
+            <a:r>
+              <a:rPr lang="en-US" altLang="zh-TW" sz="3600" dirty="0" smtClean="0">
+                <a:latin typeface="+mj-ea"/>
+                <a:ea typeface="+mj-ea"/>
+              </a:rPr>
+              <a:t>)</a:t>
+            </a:r>
+            <a:r>
+              <a:rPr lang="zh-TW" altLang="en-US" sz="3600" dirty="0" smtClean="0">
+                <a:latin typeface="+mj-ea"/>
+                <a:ea typeface="+mj-ea"/>
+              </a:rPr>
+              <a:t>的情況下，通過所有的測試腳本，才算完成此測試</a:t>
+            </a:r>
+            <a:endParaRPr lang="zh-TW" altLang="en-US" sz="3600" dirty="0">
+              <a:latin typeface="+mj-ea"/>
+              <a:ea typeface="+mj-ea"/>
+            </a:endParaRPr>
+          </a:p>
+        </p:txBody>
+      </p:sp>
+    </p:spTree>
+    <p:extLst>
+      <p:ext uri="{BB962C8B-B14F-4D97-AF65-F5344CB8AC3E}">
+        <p14:creationId xmlns:p14="http://schemas.microsoft.com/office/powerpoint/2010/main" val="2036751706"/>
+      </p:ext>
+    </p:extLst>
+  </p:cSld>
+  <p:clrMapOvr>
+    <a:masterClrMapping/>
+  </p:clrMapOvr>
+  <p:timing>
+    <p:tnLst>
+      <p:par>
+        <p:cTn id="1" dur="indefinite" restart="never" nodeType="tmRoot"/>
+      </p:par>
+    </p:tnLst>
+  </p:timing>
+</p:sld>
+</file>
+
+<file path=ppt/slides/slide4.xml><?xml version="1.0" encoding="utf-8"?>
+<p:sld xmlns:a="http://schemas.openxmlformats.org/drawingml/2006/main" xmlns:r="http://schemas.openxmlformats.org/officeDocument/2006/relationships" xmlns:p="http://schemas.openxmlformats.org/presentationml/2006/main">
+  <p:cSld>
+    <p:spTree>
+      <p:nvGrpSpPr>
+        <p:cNvPr id="1" name=""/>
+        <p:cNvGrpSpPr/>
+        <p:nvPr/>
+      </p:nvGrpSpPr>
+      <p:grpSpPr>
+        <a:xfrm>
+          <a:off x="0" y="0"/>
+          <a:ext cx="0" cy="0"/>
+          <a:chOff x="0" y="0"/>
+          <a:chExt cx="0" cy="0"/>
+        </a:xfrm>
+      </p:grpSpPr>
+      <p:sp>
+        <p:nvSpPr>
+          <p:cNvPr id="2" name="標題 1"/>
+          <p:cNvSpPr>
+            <a:spLocks noGrp="1"/>
+          </p:cNvSpPr>
+          <p:nvPr>
+            <p:ph type="title"/>
+          </p:nvPr>
+        </p:nvSpPr>
+        <p:spPr>
+          <a:xfrm>
             <a:off x="2140079" y="574234"/>
             <a:ext cx="8911687" cy="1280890"/>
           </a:xfrm>
@@ -10133,7 +10366,7 @@
 </p:sld>
 </file>
 
-<file path=ppt/slides/slide4.xml><?xml version="1.0" encoding="utf-8"?>
+<file path=ppt/slides/slide5.xml><?xml version="1.0" encoding="utf-8"?>
 <p:sld xmlns:a="http://schemas.openxmlformats.org/drawingml/2006/main" xmlns:r="http://schemas.openxmlformats.org/officeDocument/2006/relationships" xmlns:p="http://schemas.openxmlformats.org/presentationml/2006/main">
   <p:cSld>
     <p:spTree>
@@ -10238,7 +10471,7 @@
 </p:sld>
 </file>
 
-<file path=ppt/slides/slide5.xml><?xml version="1.0" encoding="utf-8"?>
+<file path=ppt/slides/slide6.xml><?xml version="1.0" encoding="utf-8"?>
 <p:sld xmlns:a="http://schemas.openxmlformats.org/drawingml/2006/main" xmlns:r="http://schemas.openxmlformats.org/officeDocument/2006/relationships" xmlns:p="http://schemas.openxmlformats.org/presentationml/2006/main">
   <p:cSld>
     <p:spTree>
@@ -10556,7 +10789,7 @@
 </p:sld>
 </file>
 
-<file path=ppt/slides/slide6.xml><?xml version="1.0" encoding="utf-8"?>
+<file path=ppt/slides/slide7.xml><?xml version="1.0" encoding="utf-8"?>
 <p:sld xmlns:a="http://schemas.openxmlformats.org/drawingml/2006/main" xmlns:r="http://schemas.openxmlformats.org/officeDocument/2006/relationships" xmlns:p="http://schemas.openxmlformats.org/presentationml/2006/main">
   <p:cSld>
     <p:spTree>
@@ -12194,7 +12427,7 @@
 </p:sld>
 </file>
 
-<file path=ppt/slides/slide7.xml><?xml version="1.0" encoding="utf-8"?>
+<file path=ppt/slides/slide8.xml><?xml version="1.0" encoding="utf-8"?>
 <p:sld xmlns:a="http://schemas.openxmlformats.org/drawingml/2006/main" xmlns:r="http://schemas.openxmlformats.org/officeDocument/2006/relationships" xmlns:p="http://schemas.openxmlformats.org/presentationml/2006/main">
   <p:cSld>
     <p:spTree>
@@ -12348,7 +12581,7 @@
 </p:sld>
 </file>
 
-<file path=ppt/slides/slide8.xml><?xml version="1.0" encoding="utf-8"?>
+<file path=ppt/slides/slide9.xml><?xml version="1.0" encoding="utf-8"?>
 <p:sld xmlns:a="http://schemas.openxmlformats.org/drawingml/2006/main" xmlns:r="http://schemas.openxmlformats.org/officeDocument/2006/relationships" xmlns:p="http://schemas.openxmlformats.org/presentationml/2006/main">
   <p:cSld>
     <p:spTree>
@@ -12431,90 +12664,6 @@
     <p:extLst>
       <p:ext uri="{BB962C8B-B14F-4D97-AF65-F5344CB8AC3E}">
         <p14:creationId xmlns:p14="http://schemas.microsoft.com/office/powerpoint/2010/main" val="3831300249"/>
-      </p:ext>
-    </p:extLst>
-  </p:cSld>
-  <p:clrMapOvr>
-    <a:masterClrMapping/>
-  </p:clrMapOvr>
-  <p:timing>
-    <p:tnLst>
-      <p:par>
-        <p:cTn id="1" dur="indefinite" restart="never" nodeType="tmRoot"/>
-      </p:par>
-    </p:tnLst>
-  </p:timing>
-</p:sld>
-</file>
-
-<file path=ppt/slides/slide9.xml><?xml version="1.0" encoding="utf-8"?>
-<p:sld xmlns:a="http://schemas.openxmlformats.org/drawingml/2006/main" xmlns:r="http://schemas.openxmlformats.org/officeDocument/2006/relationships" xmlns:p="http://schemas.openxmlformats.org/presentationml/2006/main">
-  <p:cSld>
-    <p:spTree>
-      <p:nvGrpSpPr>
-        <p:cNvPr id="1" name=""/>
-        <p:cNvGrpSpPr/>
-        <p:nvPr/>
-      </p:nvGrpSpPr>
-      <p:grpSpPr>
-        <a:xfrm>
-          <a:off x="0" y="0"/>
-          <a:ext cx="0" cy="0"/>
-          <a:chOff x="0" y="0"/>
-          <a:chExt cx="0" cy="0"/>
-        </a:xfrm>
-      </p:grpSpPr>
-      <p:sp>
-        <p:nvSpPr>
-          <p:cNvPr id="2" name="標題 1"/>
-          <p:cNvSpPr>
-            <a:spLocks noGrp="1"/>
-          </p:cNvSpPr>
-          <p:nvPr>
-            <p:ph type="title"/>
-          </p:nvPr>
-        </p:nvSpPr>
-        <p:spPr>
-          <a:xfrm>
-            <a:off x="2135725" y="607485"/>
-            <a:ext cx="8911687" cy="1280890"/>
-          </a:xfrm>
-        </p:spPr>
-        <p:txBody>
-          <a:bodyPr/>
-          <a:lstStyle/>
-          <a:p>
-            <a:r>
-              <a:rPr lang="en-US" altLang="zh-TW" dirty="0" smtClean="0"/>
-              <a:t>Live Demo</a:t>
-            </a:r>
-            <a:endParaRPr lang="zh-TW" altLang="en-US" dirty="0"/>
-          </a:p>
-        </p:txBody>
-      </p:sp>
-      <p:sp>
-        <p:nvSpPr>
-          <p:cNvPr id="3" name="內容版面配置區 2"/>
-          <p:cNvSpPr>
-            <a:spLocks noGrp="1"/>
-          </p:cNvSpPr>
-          <p:nvPr>
-            <p:ph idx="1"/>
-          </p:nvPr>
-        </p:nvSpPr>
-        <p:spPr/>
-        <p:txBody>
-          <a:bodyPr/>
-          <a:lstStyle/>
-          <a:p>
-            <a:endParaRPr lang="zh-TW" altLang="en-US" dirty="0"/>
-          </a:p>
-        </p:txBody>
-      </p:sp>
-    </p:spTree>
-    <p:extLst>
-      <p:ext uri="{BB962C8B-B14F-4D97-AF65-F5344CB8AC3E}">
-        <p14:creationId xmlns:p14="http://schemas.microsoft.com/office/powerpoint/2010/main" val="1098398752"/>
       </p:ext>
     </p:extLst>
   </p:cSld>

--- a/document/Final.pptx
+++ b/document/Final.pptx
@@ -18,6 +18,7 @@
     <p:sldId id="279" r:id="rId12"/>
     <p:sldId id="281" r:id="rId13"/>
     <p:sldId id="282" r:id="rId14"/>
+    <p:sldId id="286" r:id="rId15"/>
   </p:sldIdLst>
   <p:sldSz cx="12192000" cy="6858000"/>
   <p:notesSz cx="6858000" cy="9144000"/>
@@ -312,7 +313,7 @@
           <a:p>
             <a:fld id="{A112272E-704C-4300-89E2-8B5BC6379786}" type="datetimeFigureOut">
               <a:rPr lang="zh-TW" altLang="en-US" smtClean="0"/>
-              <a:t>2017/6/20</a:t>
+              <a:t>2017/6/21</a:t>
             </a:fld>
             <a:endParaRPr lang="zh-TW" altLang="en-US"/>
           </a:p>
@@ -650,7 +651,7 @@
           <a:p>
             <a:fld id="{A112272E-704C-4300-89E2-8B5BC6379786}" type="datetimeFigureOut">
               <a:rPr lang="zh-TW" altLang="en-US" smtClean="0"/>
-              <a:t>2017/6/20</a:t>
+              <a:t>2017/6/21</a:t>
             </a:fld>
             <a:endParaRPr lang="zh-TW" altLang="en-US"/>
           </a:p>
@@ -1051,7 +1052,7 @@
           <a:p>
             <a:fld id="{A112272E-704C-4300-89E2-8B5BC6379786}" type="datetimeFigureOut">
               <a:rPr lang="zh-TW" altLang="en-US" smtClean="0"/>
-              <a:t>2017/6/20</a:t>
+              <a:t>2017/6/21</a:t>
             </a:fld>
             <a:endParaRPr lang="zh-TW" altLang="en-US"/>
           </a:p>
@@ -1387,7 +1388,7 @@
           <a:p>
             <a:fld id="{A112272E-704C-4300-89E2-8B5BC6379786}" type="datetimeFigureOut">
               <a:rPr lang="zh-TW" altLang="en-US" smtClean="0"/>
-              <a:t>2017/6/20</a:t>
+              <a:t>2017/6/21</a:t>
             </a:fld>
             <a:endParaRPr lang="zh-TW" altLang="en-US"/>
           </a:p>
@@ -1707,7 +1708,7 @@
           <a:p>
             <a:fld id="{A112272E-704C-4300-89E2-8B5BC6379786}" type="datetimeFigureOut">
               <a:rPr lang="zh-TW" altLang="en-US" smtClean="0"/>
-              <a:t>2017/6/20</a:t>
+              <a:t>2017/6/21</a:t>
             </a:fld>
             <a:endParaRPr lang="zh-TW" altLang="en-US"/>
           </a:p>
@@ -2103,7 +2104,7 @@
           <a:p>
             <a:fld id="{A112272E-704C-4300-89E2-8B5BC6379786}" type="datetimeFigureOut">
               <a:rPr lang="zh-TW" altLang="en-US" smtClean="0"/>
-              <a:t>2017/6/20</a:t>
+              <a:t>2017/6/21</a:t>
             </a:fld>
             <a:endParaRPr lang="zh-TW" altLang="en-US"/>
           </a:p>
@@ -2360,7 +2361,7 @@
           <a:p>
             <a:fld id="{A112272E-704C-4300-89E2-8B5BC6379786}" type="datetimeFigureOut">
               <a:rPr lang="zh-TW" altLang="en-US" smtClean="0"/>
-              <a:t>2017/6/20</a:t>
+              <a:t>2017/6/21</a:t>
             </a:fld>
             <a:endParaRPr lang="zh-TW" altLang="en-US"/>
           </a:p>
@@ -2622,7 +2623,7 @@
           <a:p>
             <a:fld id="{A112272E-704C-4300-89E2-8B5BC6379786}" type="datetimeFigureOut">
               <a:rPr lang="zh-TW" altLang="en-US" smtClean="0"/>
-              <a:t>2017/6/20</a:t>
+              <a:t>2017/6/21</a:t>
             </a:fld>
             <a:endParaRPr lang="zh-TW" altLang="en-US"/>
           </a:p>
@@ -2884,7 +2885,7 @@
           <a:p>
             <a:fld id="{A112272E-704C-4300-89E2-8B5BC6379786}" type="datetimeFigureOut">
               <a:rPr lang="zh-TW" altLang="en-US" smtClean="0"/>
-              <a:t>2017/6/20</a:t>
+              <a:t>2017/6/21</a:t>
             </a:fld>
             <a:endParaRPr lang="zh-TW" altLang="en-US"/>
           </a:p>
@@ -3213,7 +3214,7 @@
           <a:p>
             <a:fld id="{A112272E-704C-4300-89E2-8B5BC6379786}" type="datetimeFigureOut">
               <a:rPr lang="zh-TW" altLang="en-US" smtClean="0"/>
-              <a:t>2017/6/20</a:t>
+              <a:t>2017/6/21</a:t>
             </a:fld>
             <a:endParaRPr lang="zh-TW" altLang="en-US"/>
           </a:p>
@@ -3536,7 +3537,7 @@
           <a:p>
             <a:fld id="{A112272E-704C-4300-89E2-8B5BC6379786}" type="datetimeFigureOut">
               <a:rPr lang="zh-TW" altLang="en-US" smtClean="0"/>
-              <a:t>2017/6/20</a:t>
+              <a:t>2017/6/21</a:t>
             </a:fld>
             <a:endParaRPr lang="zh-TW" altLang="en-US"/>
           </a:p>
@@ -3993,7 +3994,7 @@
           <a:p>
             <a:fld id="{A112272E-704C-4300-89E2-8B5BC6379786}" type="datetimeFigureOut">
               <a:rPr lang="zh-TW" altLang="en-US" smtClean="0"/>
-              <a:t>2017/6/20</a:t>
+              <a:t>2017/6/21</a:t>
             </a:fld>
             <a:endParaRPr lang="zh-TW" altLang="en-US"/>
           </a:p>
@@ -4198,7 +4199,7 @@
           <a:p>
             <a:fld id="{A112272E-704C-4300-89E2-8B5BC6379786}" type="datetimeFigureOut">
               <a:rPr lang="zh-TW" altLang="en-US" smtClean="0"/>
-              <a:t>2017/6/20</a:t>
+              <a:t>2017/6/21</a:t>
             </a:fld>
             <a:endParaRPr lang="zh-TW" altLang="en-US"/>
           </a:p>
@@ -4375,7 +4376,7 @@
           <a:p>
             <a:fld id="{A112272E-704C-4300-89E2-8B5BC6379786}" type="datetimeFigureOut">
               <a:rPr lang="zh-TW" altLang="en-US" smtClean="0"/>
-              <a:t>2017/6/20</a:t>
+              <a:t>2017/6/21</a:t>
             </a:fld>
             <a:endParaRPr lang="zh-TW" altLang="en-US"/>
           </a:p>
@@ -4708,7 +4709,7 @@
           <a:p>
             <a:fld id="{A112272E-704C-4300-89E2-8B5BC6379786}" type="datetimeFigureOut">
               <a:rPr lang="zh-TW" altLang="en-US" smtClean="0"/>
-              <a:t>2017/6/20</a:t>
+              <a:t>2017/6/21</a:t>
             </a:fld>
             <a:endParaRPr lang="zh-TW" altLang="en-US"/>
           </a:p>
@@ -5053,7 +5054,7 @@
           <a:p>
             <a:fld id="{A112272E-704C-4300-89E2-8B5BC6379786}" type="datetimeFigureOut">
               <a:rPr lang="zh-TW" altLang="en-US" smtClean="0"/>
-              <a:t>2017/6/20</a:t>
+              <a:t>2017/6/21</a:t>
             </a:fld>
             <a:endParaRPr lang="zh-TW" altLang="en-US"/>
           </a:p>
@@ -7170,7 +7171,7 @@
           <a:p>
             <a:fld id="{A112272E-704C-4300-89E2-8B5BC6379786}" type="datetimeFigureOut">
               <a:rPr lang="zh-TW" altLang="en-US" smtClean="0"/>
-              <a:t>2017/6/20</a:t>
+              <a:t>2017/6/21</a:t>
             </a:fld>
             <a:endParaRPr lang="zh-TW" altLang="en-US"/>
           </a:p>
@@ -8235,11 +8236,7 @@
           <a:p>
             <a:r>
               <a:rPr lang="en-US" altLang="zh-TW" dirty="0"/>
-              <a:t>Team member contributions and/or </a:t>
-            </a:r>
-            <a:r>
-              <a:rPr lang="en-US" altLang="zh-TW" u="sng" dirty="0"/>
-              <a:t>feedbacks</a:t>
+              <a:t>Team member contributions </a:t>
             </a:r>
             <a:endParaRPr lang="zh-TW" altLang="en-US" dirty="0"/>
           </a:p>
@@ -8255,14 +8252,14 @@
             <p:ph idx="1"/>
             <p:extLst>
               <p:ext uri="{D42A27DB-BD31-4B8C-83A1-F6EECF244321}">
-                <p14:modId xmlns:p14="http://schemas.microsoft.com/office/powerpoint/2010/main" val="203539635"/>
+                <p14:modId xmlns:p14="http://schemas.microsoft.com/office/powerpoint/2010/main" val="3741840828"/>
               </p:ext>
             </p:extLst>
           </p:nvPr>
         </p:nvGraphicFramePr>
         <p:xfrm>
           <a:off x="2048885" y="1264555"/>
-          <a:ext cx="8915400" cy="5191760"/>
+          <a:ext cx="8915400" cy="5232765"/>
         </p:xfrm>
         <a:graphic>
           <a:graphicData uri="http://schemas.openxmlformats.org/drawingml/2006/table">
@@ -9609,7 +9606,7 @@
                   </a:ext>
                 </a:extLst>
               </a:tr>
-              <a:tr h="370840">
+              <a:tr h="411845">
                 <a:tc>
                   <a:txBody>
                     <a:bodyPr/>
@@ -9709,11 +9706,7 @@
                     <a:p>
                       <a:r>
                         <a:rPr lang="en-US" altLang="zh-TW" dirty="0" smtClean="0"/>
-                        <a:t>1</a:t>
-                      </a:r>
-                      <a:r>
-                        <a:rPr lang="en-US" altLang="zh-TW" smtClean="0"/>
-                        <a:t>HR</a:t>
+                        <a:t>1HR</a:t>
                       </a:r>
                       <a:endParaRPr lang="zh-TW" altLang="en-US" dirty="0"/>
                     </a:p>
@@ -9742,7 +9735,11 @@
                     <a:bodyPr/>
                     <a:lstStyle/>
                     <a:p>
-                      <a:endParaRPr lang="zh-TW" altLang="en-US"/>
+                      <a:r>
+                        <a:rPr lang="en-US" altLang="zh-TW" dirty="0" smtClean="0"/>
+                        <a:t>Total</a:t>
+                      </a:r>
+                      <a:endParaRPr lang="zh-TW" altLang="en-US" dirty="0"/>
                     </a:p>
                   </a:txBody>
                   <a:tcPr/>
@@ -9752,6 +9749,10 @@
                     <a:bodyPr/>
                     <a:lstStyle/>
                     <a:p>
+                      <a:r>
+                        <a:rPr lang="en-US" altLang="zh-TW" dirty="0" smtClean="0"/>
+                        <a:t>43.5HR</a:t>
+                      </a:r>
                       <a:endParaRPr lang="zh-TW" altLang="en-US" dirty="0"/>
                     </a:p>
                   </a:txBody>
@@ -9895,6 +9896,330 @@
             </p:seq>
           </p:childTnLst>
         </p:cTn>
+      </p:par>
+    </p:tnLst>
+  </p:timing>
+</p:sld>
+</file>
+
+<file path=ppt/slides/slide14.xml><?xml version="1.0" encoding="utf-8"?>
+<p:sld xmlns:a="http://schemas.openxmlformats.org/drawingml/2006/main" xmlns:r="http://schemas.openxmlformats.org/officeDocument/2006/relationships" xmlns:p="http://schemas.openxmlformats.org/presentationml/2006/main">
+  <p:cSld>
+    <p:spTree>
+      <p:nvGrpSpPr>
+        <p:cNvPr id="1" name=""/>
+        <p:cNvGrpSpPr/>
+        <p:nvPr/>
+      </p:nvGrpSpPr>
+      <p:grpSpPr>
+        <a:xfrm>
+          <a:off x="0" y="0"/>
+          <a:ext cx="0" cy="0"/>
+          <a:chOff x="0" y="0"/>
+          <a:chExt cx="0" cy="0"/>
+        </a:xfrm>
+      </p:grpSpPr>
+      <p:sp>
+        <p:nvSpPr>
+          <p:cNvPr id="2" name="標題 1"/>
+          <p:cNvSpPr>
+            <a:spLocks noGrp="1"/>
+          </p:cNvSpPr>
+          <p:nvPr>
+            <p:ph type="title"/>
+          </p:nvPr>
+        </p:nvSpPr>
+        <p:spPr/>
+        <p:txBody>
+          <a:bodyPr/>
+          <a:lstStyle/>
+          <a:p>
+            <a:r>
+              <a:rPr lang="en-US" altLang="zh-TW" dirty="0"/>
+              <a:t>Team member </a:t>
+            </a:r>
+            <a:r>
+              <a:rPr lang="en-US" altLang="zh-TW" dirty="0" smtClean="0"/>
+              <a:t>contributions</a:t>
+            </a:r>
+            <a:endParaRPr lang="zh-TW" altLang="en-US" dirty="0"/>
+          </a:p>
+        </p:txBody>
+      </p:sp>
+      <p:graphicFrame>
+        <p:nvGraphicFramePr>
+          <p:cNvPr id="6" name="內容版面配置區 5"/>
+          <p:cNvGraphicFramePr>
+            <a:graphicFrameLocks noGrp="1"/>
+          </p:cNvGraphicFramePr>
+          <p:nvPr>
+            <p:ph idx="1"/>
+            <p:extLst>
+              <p:ext uri="{D42A27DB-BD31-4B8C-83A1-F6EECF244321}">
+                <p14:modId xmlns:p14="http://schemas.microsoft.com/office/powerpoint/2010/main" val="2098786688"/>
+              </p:ext>
+            </p:extLst>
+          </p:nvPr>
+        </p:nvGraphicFramePr>
+        <p:xfrm>
+          <a:off x="2123700" y="2665615"/>
+          <a:ext cx="8915400" cy="1112520"/>
+        </p:xfrm>
+        <a:graphic>
+          <a:graphicData uri="http://schemas.openxmlformats.org/drawingml/2006/table">
+            <a:tbl>
+              <a:tblPr firstRow="1" bandRow="1">
+                <a:tableStyleId>{5C22544A-7EE6-4342-B048-85BDC9FD1C3A}</a:tableStyleId>
+              </a:tblPr>
+              <a:tblGrid>
+                <a:gridCol w="2228850">
+                  <a:extLst>
+                    <a:ext uri="{9D8B030D-6E8A-4147-A177-3AD203B41FA5}">
+                      <a16:colId xmlns:a16="http://schemas.microsoft.com/office/drawing/2014/main" val="3237425934"/>
+                    </a:ext>
+                  </a:extLst>
+                </a:gridCol>
+                <a:gridCol w="2228850">
+                  <a:extLst>
+                    <a:ext uri="{9D8B030D-6E8A-4147-A177-3AD203B41FA5}">
+                      <a16:colId xmlns:a16="http://schemas.microsoft.com/office/drawing/2014/main" val="1344732297"/>
+                    </a:ext>
+                  </a:extLst>
+                </a:gridCol>
+                <a:gridCol w="2228850">
+                  <a:extLst>
+                    <a:ext uri="{9D8B030D-6E8A-4147-A177-3AD203B41FA5}">
+                      <a16:colId xmlns:a16="http://schemas.microsoft.com/office/drawing/2014/main" val="518092907"/>
+                    </a:ext>
+                  </a:extLst>
+                </a:gridCol>
+                <a:gridCol w="2228850">
+                  <a:extLst>
+                    <a:ext uri="{9D8B030D-6E8A-4147-A177-3AD203B41FA5}">
+                      <a16:colId xmlns:a16="http://schemas.microsoft.com/office/drawing/2014/main" val="4111026735"/>
+                    </a:ext>
+                  </a:extLst>
+                </a:gridCol>
+              </a:tblGrid>
+              <a:tr h="370840">
+                <a:tc>
+                  <a:txBody>
+                    <a:bodyPr/>
+                    <a:lstStyle/>
+                    <a:p>
+                      <a:r>
+                        <a:rPr lang="zh-TW" altLang="en-US" dirty="0" smtClean="0"/>
+                        <a:t>測試人員</a:t>
+                      </a:r>
+                      <a:endParaRPr lang="zh-TW" altLang="en-US" dirty="0"/>
+                    </a:p>
+                  </a:txBody>
+                  <a:tcPr/>
+                </a:tc>
+                <a:tc>
+                  <a:txBody>
+                    <a:bodyPr/>
+                    <a:lstStyle/>
+                    <a:p>
+                      <a:r>
+                        <a:rPr lang="zh-TW" altLang="en-US" dirty="0" smtClean="0"/>
+                        <a:t>陳政皓</a:t>
+                      </a:r>
+                      <a:endParaRPr lang="zh-TW" altLang="en-US" dirty="0"/>
+                    </a:p>
+                  </a:txBody>
+                  <a:tcPr/>
+                </a:tc>
+                <a:tc>
+                  <a:txBody>
+                    <a:bodyPr/>
+                    <a:lstStyle/>
+                    <a:p>
+                      <a:r>
+                        <a:rPr lang="zh-TW" altLang="en-US" dirty="0" smtClean="0"/>
+                        <a:t>呂昭陞</a:t>
+                      </a:r>
+                      <a:endParaRPr lang="zh-TW" altLang="en-US" dirty="0"/>
+                    </a:p>
+                  </a:txBody>
+                  <a:tcPr/>
+                </a:tc>
+                <a:tc>
+                  <a:txBody>
+                    <a:bodyPr/>
+                    <a:lstStyle/>
+                    <a:p>
+                      <a:r>
+                        <a:rPr lang="zh-TW" altLang="en-US" dirty="0" smtClean="0"/>
+                        <a:t>劉彥麟</a:t>
+                      </a:r>
+                      <a:endParaRPr lang="zh-TW" altLang="en-US" dirty="0"/>
+                    </a:p>
+                  </a:txBody>
+                  <a:tcPr/>
+                </a:tc>
+                <a:extLst>
+                  <a:ext uri="{0D108BD9-81ED-4DB2-BD59-A6C34878D82A}">
+                    <a16:rowId xmlns:a16="http://schemas.microsoft.com/office/drawing/2014/main" val="651444577"/>
+                  </a:ext>
+                </a:extLst>
+              </a:tr>
+              <a:tr h="370840">
+                <a:tc>
+                  <a:txBody>
+                    <a:bodyPr/>
+                    <a:lstStyle/>
+                    <a:p>
+                      <a:r>
+                        <a:rPr lang="zh-TW" altLang="en-US" dirty="0" smtClean="0"/>
+                        <a:t>工作項目</a:t>
+                      </a:r>
+                      <a:endParaRPr lang="zh-TW" altLang="en-US" dirty="0"/>
+                    </a:p>
+                  </a:txBody>
+                  <a:tcPr/>
+                </a:tc>
+                <a:tc>
+                  <a:txBody>
+                    <a:bodyPr/>
+                    <a:lstStyle/>
+                    <a:p>
+                      <a:r>
+                        <a:rPr lang="zh-TW" altLang="en-US" dirty="0" smtClean="0"/>
+                        <a:t>文件、腳本、</a:t>
+                      </a:r>
+                      <a:r>
+                        <a:rPr lang="en-US" altLang="zh-TW" dirty="0" smtClean="0"/>
+                        <a:t>PPT</a:t>
+                      </a:r>
+                      <a:endParaRPr lang="zh-TW" altLang="en-US" dirty="0"/>
+                    </a:p>
+                  </a:txBody>
+                  <a:tcPr/>
+                </a:tc>
+                <a:tc>
+                  <a:txBody>
+                    <a:bodyPr/>
+                    <a:lstStyle/>
+                    <a:p>
+                      <a:r>
+                        <a:rPr lang="zh-TW" altLang="en-US" dirty="0" smtClean="0"/>
+                        <a:t>文件、腳本、</a:t>
+                      </a:r>
+                      <a:r>
+                        <a:rPr lang="en-US" altLang="zh-TW" dirty="0" smtClean="0"/>
+                        <a:t>PPT</a:t>
+                      </a:r>
+                      <a:endParaRPr lang="zh-TW" altLang="en-US" dirty="0"/>
+                    </a:p>
+                  </a:txBody>
+                  <a:tcPr/>
+                </a:tc>
+                <a:tc>
+                  <a:txBody>
+                    <a:bodyPr/>
+                    <a:lstStyle/>
+                    <a:p>
+                      <a:r>
+                        <a:rPr lang="zh-TW" altLang="en-US" dirty="0" smtClean="0"/>
+                        <a:t>文件、腳本、</a:t>
+                      </a:r>
+                      <a:r>
+                        <a:rPr lang="en-US" altLang="zh-TW" dirty="0" smtClean="0"/>
+                        <a:t>PPT</a:t>
+                      </a:r>
+                      <a:endParaRPr lang="zh-TW" altLang="en-US" dirty="0"/>
+                    </a:p>
+                  </a:txBody>
+                  <a:tcPr/>
+                </a:tc>
+                <a:extLst>
+                  <a:ext uri="{0D108BD9-81ED-4DB2-BD59-A6C34878D82A}">
+                    <a16:rowId xmlns:a16="http://schemas.microsoft.com/office/drawing/2014/main" val="2353925616"/>
+                  </a:ext>
+                </a:extLst>
+              </a:tr>
+              <a:tr h="370840">
+                <a:tc>
+                  <a:txBody>
+                    <a:bodyPr/>
+                    <a:lstStyle/>
+                    <a:p>
+                      <a:r>
+                        <a:rPr lang="zh-TW" altLang="en-US" dirty="0" smtClean="0"/>
+                        <a:t>貢獻比例</a:t>
+                      </a:r>
+                      <a:endParaRPr lang="zh-TW" altLang="en-US" dirty="0"/>
+                    </a:p>
+                  </a:txBody>
+                  <a:tcPr/>
+                </a:tc>
+                <a:tc>
+                  <a:txBody>
+                    <a:bodyPr/>
+                    <a:lstStyle/>
+                    <a:p>
+                      <a:r>
+                        <a:rPr lang="en-US" altLang="zh-TW" dirty="0" smtClean="0"/>
+                        <a:t>33%</a:t>
+                      </a:r>
+                      <a:endParaRPr lang="zh-TW" altLang="en-US" dirty="0"/>
+                    </a:p>
+                  </a:txBody>
+                  <a:tcPr/>
+                </a:tc>
+                <a:tc>
+                  <a:txBody>
+                    <a:bodyPr/>
+                    <a:lstStyle/>
+                    <a:p>
+                      <a:r>
+                        <a:rPr lang="en-US" altLang="zh-TW" dirty="0" smtClean="0"/>
+                        <a:t>33%</a:t>
+                      </a:r>
+                      <a:endParaRPr lang="zh-TW" altLang="en-US" dirty="0"/>
+                    </a:p>
+                  </a:txBody>
+                  <a:tcPr/>
+                </a:tc>
+                <a:tc>
+                  <a:txBody>
+                    <a:bodyPr/>
+                    <a:lstStyle/>
+                    <a:p>
+                      <a:r>
+                        <a:rPr lang="en-US" altLang="zh-TW" dirty="0" smtClean="0"/>
+                        <a:t>33%</a:t>
+                      </a:r>
+                      <a:endParaRPr lang="zh-TW" altLang="en-US" dirty="0"/>
+                    </a:p>
+                  </a:txBody>
+                  <a:tcPr/>
+                </a:tc>
+                <a:extLst>
+                  <a:ext uri="{0D108BD9-81ED-4DB2-BD59-A6C34878D82A}">
+                    <a16:rowId xmlns:a16="http://schemas.microsoft.com/office/drawing/2014/main" val="2445627563"/>
+                  </a:ext>
+                </a:extLst>
+              </a:tr>
+            </a:tbl>
+          </a:graphicData>
+        </a:graphic>
+      </p:graphicFrame>
+    </p:spTree>
+    <p:extLst>
+      <p:ext uri="{BB962C8B-B14F-4D97-AF65-F5344CB8AC3E}">
+        <p14:creationId xmlns:p14="http://schemas.microsoft.com/office/powerpoint/2010/main" val="2142785606"/>
+      </p:ext>
+    </p:extLst>
+  </p:cSld>
+  <p:clrMapOvr>
+    <a:masterClrMapping/>
+  </p:clrMapOvr>
+  <p:timing>
+    <p:tnLst>
+      <p:par>
+        <p:cTn id="1" dur="indefinite" restart="never" nodeType="tmRoot"/>
       </p:par>
     </p:tnLst>
   </p:timing>
